--- a/postfix/emailbestpractices_old.pptx
+++ b/postfix/emailbestpractices_old.pptx
@@ -259,7 +259,7 @@
           <a:p>
             <a:fld id="{0FCFF65A-1B82-EC42-8471-385BCA80589D}" type="datetimeFigureOut">
               <a:rPr lang="en-US" smtClean="0"/>
-              <a:t>5/2/18</a:t>
+              <a:t>6/10/19</a:t>
             </a:fld>
             <a:endParaRPr lang="en-US"/>
           </a:p>
@@ -427,7 +427,7 @@
           <a:p>
             <a:fld id="{0FCFF65A-1B82-EC42-8471-385BCA80589D}" type="datetimeFigureOut">
               <a:rPr lang="en-US" smtClean="0"/>
-              <a:t>5/2/18</a:t>
+              <a:t>6/10/19</a:t>
             </a:fld>
             <a:endParaRPr lang="en-US"/>
           </a:p>
@@ -605,7 +605,7 @@
           <a:p>
             <a:fld id="{0FCFF65A-1B82-EC42-8471-385BCA80589D}" type="datetimeFigureOut">
               <a:rPr lang="en-US" smtClean="0"/>
-              <a:t>5/2/18</a:t>
+              <a:t>6/10/19</a:t>
             </a:fld>
             <a:endParaRPr lang="en-US"/>
           </a:p>
@@ -773,7 +773,7 @@
           <a:p>
             <a:fld id="{0FCFF65A-1B82-EC42-8471-385BCA80589D}" type="datetimeFigureOut">
               <a:rPr lang="en-US" smtClean="0"/>
-              <a:t>5/2/18</a:t>
+              <a:t>6/10/19</a:t>
             </a:fld>
             <a:endParaRPr lang="en-US"/>
           </a:p>
@@ -1018,7 +1018,7 @@
           <a:p>
             <a:fld id="{0FCFF65A-1B82-EC42-8471-385BCA80589D}" type="datetimeFigureOut">
               <a:rPr lang="en-US" smtClean="0"/>
-              <a:t>5/2/18</a:t>
+              <a:t>6/10/19</a:t>
             </a:fld>
             <a:endParaRPr lang="en-US"/>
           </a:p>
@@ -1247,7 +1247,7 @@
           <a:p>
             <a:fld id="{0FCFF65A-1B82-EC42-8471-385BCA80589D}" type="datetimeFigureOut">
               <a:rPr lang="en-US" smtClean="0"/>
-              <a:t>5/2/18</a:t>
+              <a:t>6/10/19</a:t>
             </a:fld>
             <a:endParaRPr lang="en-US"/>
           </a:p>
@@ -1611,7 +1611,7 @@
           <a:p>
             <a:fld id="{0FCFF65A-1B82-EC42-8471-385BCA80589D}" type="datetimeFigureOut">
               <a:rPr lang="en-US" smtClean="0"/>
-              <a:t>5/2/18</a:t>
+              <a:t>6/10/19</a:t>
             </a:fld>
             <a:endParaRPr lang="en-US"/>
           </a:p>
@@ -1728,7 +1728,7 @@
           <a:p>
             <a:fld id="{0FCFF65A-1B82-EC42-8471-385BCA80589D}" type="datetimeFigureOut">
               <a:rPr lang="en-US" smtClean="0"/>
-              <a:t>5/2/18</a:t>
+              <a:t>6/10/19</a:t>
             </a:fld>
             <a:endParaRPr lang="en-US"/>
           </a:p>
@@ -1823,7 +1823,7 @@
           <a:p>
             <a:fld id="{0FCFF65A-1B82-EC42-8471-385BCA80589D}" type="datetimeFigureOut">
               <a:rPr lang="en-US" smtClean="0"/>
-              <a:t>5/2/18</a:t>
+              <a:t>6/10/19</a:t>
             </a:fld>
             <a:endParaRPr lang="en-US"/>
           </a:p>
@@ -2098,7 +2098,7 @@
           <a:p>
             <a:fld id="{0FCFF65A-1B82-EC42-8471-385BCA80589D}" type="datetimeFigureOut">
               <a:rPr lang="en-US" smtClean="0"/>
-              <a:t>5/2/18</a:t>
+              <a:t>6/10/19</a:t>
             </a:fld>
             <a:endParaRPr lang="en-US"/>
           </a:p>
@@ -2350,7 +2350,7 @@
           <a:p>
             <a:fld id="{0FCFF65A-1B82-EC42-8471-385BCA80589D}" type="datetimeFigureOut">
               <a:rPr lang="en-US" smtClean="0"/>
-              <a:t>5/2/18</a:t>
+              <a:t>6/10/19</a:t>
             </a:fld>
             <a:endParaRPr lang="en-US"/>
           </a:p>
@@ -2561,7 +2561,7 @@
           <a:p>
             <a:fld id="{0FCFF65A-1B82-EC42-8471-385BCA80589D}" type="datetimeFigureOut">
               <a:rPr lang="en-US" smtClean="0"/>
-              <a:t>5/2/18</a:t>
+              <a:t>6/10/19</a:t>
             </a:fld>
             <a:endParaRPr lang="en-US"/>
           </a:p>
@@ -2978,13 +2978,30 @@
         </p:nvSpPr>
         <p:spPr/>
         <p:txBody>
-          <a:bodyPr/>
+          <a:bodyPr>
+            <a:normAutofit fontScale="90000"/>
+          </a:bodyPr>
           <a:lstStyle/>
           <a:p>
             <a:r>
               <a:rPr lang="en-US" b="1" dirty="0"/>
-              <a:t>Email Best Practices</a:t>
-            </a:r>
+              <a:t>Email </a:t>
+            </a:r>
+            <a:r>
+              <a:rPr lang="en-US" b="1"/>
+              <a:t>Best Practices</a:t>
+            </a:r>
+            <a:br>
+              <a:rPr lang="en-US" b="1"/>
+            </a:br>
+            <a:br>
+              <a:rPr lang="en-US" b="1"/>
+            </a:br>
+            <a:r>
+              <a:rPr lang="en-US" b="1"/>
+              <a:t>2018</a:t>
+            </a:r>
+            <a:endParaRPr lang="en-US" b="1" dirty="0"/>
           </a:p>
         </p:txBody>
       </p:sp>

--- a/postfix/emailbestpractices_old.pptx
+++ b/postfix/emailbestpractices_old.pptx
@@ -15,15 +15,18 @@
     <p:sldId id="264" r:id="rId9"/>
     <p:sldId id="275" r:id="rId10"/>
     <p:sldId id="265" r:id="rId11"/>
-    <p:sldId id="266" r:id="rId12"/>
-    <p:sldId id="267" r:id="rId13"/>
-    <p:sldId id="268" r:id="rId14"/>
-    <p:sldId id="269" r:id="rId15"/>
-    <p:sldId id="270" r:id="rId16"/>
-    <p:sldId id="271" r:id="rId17"/>
-    <p:sldId id="272" r:id="rId18"/>
-    <p:sldId id="273" r:id="rId19"/>
-    <p:sldId id="274" r:id="rId20"/>
+    <p:sldId id="277" r:id="rId12"/>
+    <p:sldId id="276" r:id="rId13"/>
+    <p:sldId id="278" r:id="rId14"/>
+    <p:sldId id="266" r:id="rId15"/>
+    <p:sldId id="267" r:id="rId16"/>
+    <p:sldId id="268" r:id="rId17"/>
+    <p:sldId id="269" r:id="rId18"/>
+    <p:sldId id="270" r:id="rId19"/>
+    <p:sldId id="271" r:id="rId20"/>
+    <p:sldId id="272" r:id="rId21"/>
+    <p:sldId id="273" r:id="rId22"/>
+    <p:sldId id="274" r:id="rId23"/>
   </p:sldIdLst>
   <p:sldSz cx="12192000" cy="6858000"/>
   <p:notesSz cx="6858000" cy="9144000"/>
@@ -259,7 +262,7 @@
           <a:p>
             <a:fld id="{0FCFF65A-1B82-EC42-8471-385BCA80589D}" type="datetimeFigureOut">
               <a:rPr lang="en-US" smtClean="0"/>
-              <a:t>6/10/19</a:t>
+              <a:t>6/12/19</a:t>
             </a:fld>
             <a:endParaRPr lang="en-US"/>
           </a:p>
@@ -427,7 +430,7 @@
           <a:p>
             <a:fld id="{0FCFF65A-1B82-EC42-8471-385BCA80589D}" type="datetimeFigureOut">
               <a:rPr lang="en-US" smtClean="0"/>
-              <a:t>6/10/19</a:t>
+              <a:t>6/12/19</a:t>
             </a:fld>
             <a:endParaRPr lang="en-US"/>
           </a:p>
@@ -605,7 +608,7 @@
           <a:p>
             <a:fld id="{0FCFF65A-1B82-EC42-8471-385BCA80589D}" type="datetimeFigureOut">
               <a:rPr lang="en-US" smtClean="0"/>
-              <a:t>6/10/19</a:t>
+              <a:t>6/12/19</a:t>
             </a:fld>
             <a:endParaRPr lang="en-US"/>
           </a:p>
@@ -773,7 +776,7 @@
           <a:p>
             <a:fld id="{0FCFF65A-1B82-EC42-8471-385BCA80589D}" type="datetimeFigureOut">
               <a:rPr lang="en-US" smtClean="0"/>
-              <a:t>6/10/19</a:t>
+              <a:t>6/12/19</a:t>
             </a:fld>
             <a:endParaRPr lang="en-US"/>
           </a:p>
@@ -1018,7 +1021,7 @@
           <a:p>
             <a:fld id="{0FCFF65A-1B82-EC42-8471-385BCA80589D}" type="datetimeFigureOut">
               <a:rPr lang="en-US" smtClean="0"/>
-              <a:t>6/10/19</a:t>
+              <a:t>6/12/19</a:t>
             </a:fld>
             <a:endParaRPr lang="en-US"/>
           </a:p>
@@ -1247,7 +1250,7 @@
           <a:p>
             <a:fld id="{0FCFF65A-1B82-EC42-8471-385BCA80589D}" type="datetimeFigureOut">
               <a:rPr lang="en-US" smtClean="0"/>
-              <a:t>6/10/19</a:t>
+              <a:t>6/12/19</a:t>
             </a:fld>
             <a:endParaRPr lang="en-US"/>
           </a:p>
@@ -1611,7 +1614,7 @@
           <a:p>
             <a:fld id="{0FCFF65A-1B82-EC42-8471-385BCA80589D}" type="datetimeFigureOut">
               <a:rPr lang="en-US" smtClean="0"/>
-              <a:t>6/10/19</a:t>
+              <a:t>6/12/19</a:t>
             </a:fld>
             <a:endParaRPr lang="en-US"/>
           </a:p>
@@ -1728,7 +1731,7 @@
           <a:p>
             <a:fld id="{0FCFF65A-1B82-EC42-8471-385BCA80589D}" type="datetimeFigureOut">
               <a:rPr lang="en-US" smtClean="0"/>
-              <a:t>6/10/19</a:t>
+              <a:t>6/12/19</a:t>
             </a:fld>
             <a:endParaRPr lang="en-US"/>
           </a:p>
@@ -1823,7 +1826,7 @@
           <a:p>
             <a:fld id="{0FCFF65A-1B82-EC42-8471-385BCA80589D}" type="datetimeFigureOut">
               <a:rPr lang="en-US" smtClean="0"/>
-              <a:t>6/10/19</a:t>
+              <a:t>6/12/19</a:t>
             </a:fld>
             <a:endParaRPr lang="en-US"/>
           </a:p>
@@ -2098,7 +2101,7 @@
           <a:p>
             <a:fld id="{0FCFF65A-1B82-EC42-8471-385BCA80589D}" type="datetimeFigureOut">
               <a:rPr lang="en-US" smtClean="0"/>
-              <a:t>6/10/19</a:t>
+              <a:t>6/12/19</a:t>
             </a:fld>
             <a:endParaRPr lang="en-US"/>
           </a:p>
@@ -2350,7 +2353,7 @@
           <a:p>
             <a:fld id="{0FCFF65A-1B82-EC42-8471-385BCA80589D}" type="datetimeFigureOut">
               <a:rPr lang="en-US" smtClean="0"/>
-              <a:t>6/10/19</a:t>
+              <a:t>6/12/19</a:t>
             </a:fld>
             <a:endParaRPr lang="en-US"/>
           </a:p>
@@ -2561,7 +2564,7 @@
           <a:p>
             <a:fld id="{0FCFF65A-1B82-EC42-8471-385BCA80589D}" type="datetimeFigureOut">
               <a:rPr lang="en-US" smtClean="0"/>
-              <a:t>6/10/19</a:t>
+              <a:t>6/12/19</a:t>
             </a:fld>
             <a:endParaRPr lang="en-US"/>
           </a:p>
@@ -2976,7 +2979,12 @@
             <p:ph type="ctrTitle"/>
           </p:nvPr>
         </p:nvSpPr>
-        <p:spPr/>
+        <p:spPr>
+          <a:xfrm>
+            <a:off x="1524000" y="2408238"/>
+            <a:ext cx="9144000" cy="2387600"/>
+          </a:xfrm>
+        </p:spPr>
         <p:txBody>
           <a:bodyPr>
             <a:normAutofit fontScale="90000"/>
@@ -2985,23 +2993,18 @@
           <a:p>
             <a:r>
               <a:rPr lang="en-US" b="1" dirty="0"/>
-              <a:t>Email </a:t>
-            </a:r>
-            <a:r>
-              <a:rPr lang="en-US" b="1"/>
-              <a:t>Best Practices</a:t>
+              <a:t>Email Security and Best Practices</a:t>
             </a:r>
             <a:br>
-              <a:rPr lang="en-US" b="1"/>
+              <a:rPr lang="en-US" b="1" dirty="0"/>
             </a:br>
             <a:br>
-              <a:rPr lang="en-US" b="1"/>
+              <a:rPr lang="en-US" b="1" dirty="0"/>
             </a:br>
             <a:r>
-              <a:rPr lang="en-US" b="1"/>
-              <a:t>2018</a:t>
-            </a:r>
-            <a:endParaRPr lang="en-US" b="1" dirty="0"/>
+              <a:rPr lang="en-US" b="1" dirty="0"/>
+              <a:t>2019</a:t>
+            </a:r>
           </a:p>
         </p:txBody>
       </p:sp>
@@ -3098,15 +3101,7 @@
           <a:p>
             <a:r>
               <a:rPr lang="en-US" dirty="0"/>
-              <a:t>Have reverse records (PTR) for your mail server so that it is </a:t>
-            </a:r>
-            <a:r>
-              <a:rPr lang="en-US" dirty="0" err="1"/>
-              <a:t>resolveable</a:t>
-            </a:r>
-            <a:r>
-              <a:rPr lang="en-US" dirty="0"/>
-              <a:t> from the IP</a:t>
+              <a:t>Have reverse records (PTR) for your mail server so that it is resolvable from the IP</a:t>
             </a:r>
           </a:p>
           <a:p>
@@ -3215,7 +3210,13 @@
       </p:grpSpPr>
       <p:sp>
         <p:nvSpPr>
-          <p:cNvPr id="2" name="Title 1"/>
+          <p:cNvPr id="2" name="Title 1">
+            <a:extLst>
+              <a:ext uri="{FF2B5EF4-FFF2-40B4-BE49-F238E27FC236}">
+                <a16:creationId xmlns:a16="http://schemas.microsoft.com/office/drawing/2014/main" id="{6A330672-65AB-5C49-87F0-F47A26D48764}"/>
+              </a:ext>
+            </a:extLst>
+          </p:cNvPr>
           <p:cNvSpPr>
             <a:spLocks noGrp="1"/>
           </p:cNvSpPr>
@@ -3225,21 +3226,25 @@
         </p:nvSpPr>
         <p:spPr/>
         <p:txBody>
-          <a:bodyPr>
-            <a:normAutofit/>
-          </a:bodyPr>
-          <a:lstStyle/>
-          <a:p>
-            <a:r>
-              <a:rPr lang="en-US" sz="3600" b="1" dirty="0"/>
-              <a:t>Use Anti Spam and Anti Virus software</a:t>
-            </a:r>
-          </a:p>
-        </p:txBody>
-      </p:sp>
-      <p:sp>
-        <p:nvSpPr>
-          <p:cNvPr id="3" name="Content Placeholder 2"/>
+          <a:bodyPr/>
+          <a:lstStyle/>
+          <a:p>
+            <a:r>
+              <a:rPr lang="en-US" b="1" dirty="0"/>
+              <a:t>What to use to secure email transport?</a:t>
+            </a:r>
+          </a:p>
+        </p:txBody>
+      </p:sp>
+      <p:sp>
+        <p:nvSpPr>
+          <p:cNvPr id="3" name="Content Placeholder 2">
+            <a:extLst>
+              <a:ext uri="{FF2B5EF4-FFF2-40B4-BE49-F238E27FC236}">
+                <a16:creationId xmlns:a16="http://schemas.microsoft.com/office/drawing/2014/main" id="{0699C35F-C058-2544-A4DB-251B3ECF98D3}"/>
+              </a:ext>
+            </a:extLst>
+          </p:cNvPr>
           <p:cNvSpPr>
             <a:spLocks noGrp="1"/>
           </p:cNvSpPr>
@@ -3247,107 +3252,101 @@
             <p:ph idx="1"/>
           </p:nvPr>
         </p:nvSpPr>
-        <p:spPr/>
-        <p:txBody>
-          <a:bodyPr>
-            <a:normAutofit/>
-          </a:bodyPr>
-          <a:lstStyle/>
-          <a:p>
-            <a:r>
-              <a:rPr lang="en-US" dirty="0"/>
-              <a:t>Will reduce overall spam and email received</a:t>
-            </a:r>
-          </a:p>
-          <a:p>
-            <a:r>
-              <a:rPr lang="en-US" dirty="0"/>
-              <a:t>You can also have a mail “firewall” or gateway aka Mail Filter to stop spam before it reaches your server</a:t>
-            </a:r>
-          </a:p>
-          <a:p>
-            <a:r>
-              <a:rPr lang="en-US" dirty="0"/>
-              <a:t>Some </a:t>
-            </a:r>
-            <a:r>
-              <a:rPr lang="en-US" dirty="0" err="1"/>
-              <a:t>softwares</a:t>
-            </a:r>
-            <a:r>
-              <a:rPr lang="en-US" dirty="0"/>
-              <a:t> are:</a:t>
+        <p:spPr>
+          <a:xfrm>
+            <a:off x="718279" y="1690688"/>
+            <a:ext cx="10515600" cy="4947770"/>
+          </a:xfrm>
+        </p:spPr>
+        <p:txBody>
+          <a:bodyPr/>
+          <a:lstStyle/>
+          <a:p>
+            <a:r>
+              <a:rPr lang="en-US" dirty="0"/>
+              <a:t>Many upcoming protocols and methods to secure email</a:t>
             </a:r>
           </a:p>
           <a:p>
             <a:pPr lvl="1"/>
             <a:r>
-              <a:rPr lang="en-US" dirty="0" err="1"/>
-              <a:t>SpamAssassin</a:t>
-            </a:r>
-            <a:r>
-              <a:rPr lang="en-US" dirty="0"/>
-              <a:t> (</a:t>
-            </a:r>
-            <a:r>
-              <a:rPr lang="en-US" dirty="0" err="1"/>
-              <a:t>AntiSpam</a:t>
-            </a:r>
-            <a:r>
-              <a:rPr lang="en-US" dirty="0"/>
-              <a:t>) – renowned antivirus</a:t>
-            </a:r>
+              <a:rPr lang="en-US" dirty="0"/>
+              <a:t>MTA-STS - SMTP MTA Strict Transport Security</a:t>
+            </a:r>
+          </a:p>
+          <a:p>
+            <a:pPr lvl="2"/>
+            <a:r>
+              <a:rPr lang="en-US" dirty="0">
+                <a:hlinkClick r:id="rId2"/>
+              </a:rPr>
+              <a:t>https://tools.ietf.org/html/rfc8461</a:t>
+            </a:r>
+            <a:endParaRPr lang="en-US" dirty="0"/>
+          </a:p>
+          <a:p>
+            <a:pPr lvl="2"/>
+            <a:r>
+              <a:rPr lang="en-US" dirty="0">
+                <a:hlinkClick r:id="rId3"/>
+              </a:rPr>
+              <a:t>https://www.uriports.com/blog/mta-sts-explained/</a:t>
+            </a:r>
+            <a:endParaRPr lang="en-US" dirty="0"/>
           </a:p>
           <a:p>
             <a:pPr lvl="1"/>
             <a:r>
-              <a:rPr lang="en-US" dirty="0" err="1"/>
-              <a:t>ClamAV</a:t>
-            </a:r>
-            <a:r>
-              <a:rPr lang="en-US" dirty="0"/>
-              <a:t> (</a:t>
-            </a:r>
-            <a:r>
-              <a:rPr lang="en-US" dirty="0" err="1"/>
-              <a:t>AntiVirus</a:t>
-            </a:r>
-            <a:r>
-              <a:rPr lang="en-US" dirty="0"/>
-              <a:t>) – renowned antivirus</a:t>
+              <a:rPr lang="en-US" dirty="0"/>
+              <a:t>ARC – Authenticated Received Chain</a:t>
+            </a:r>
+          </a:p>
+          <a:p>
+            <a:pPr lvl="2"/>
+            <a:r>
+              <a:rPr lang="en-US" dirty="0">
+                <a:hlinkClick r:id="rId4"/>
+              </a:rPr>
+              <a:t>https://en.wikipedia.org/wiki/Authenticated_Received_Chain</a:t>
+            </a:r>
+            <a:r>
+              <a:rPr lang="en-US" dirty="0"/>
+              <a:t> </a:t>
+            </a:r>
+          </a:p>
+          <a:p>
+            <a:r>
+              <a:rPr lang="en-US" dirty="0"/>
+              <a:t>DKIM and DMARC have been around for sometime but not widely used. Keeping up with all these solutions is challenging</a:t>
             </a:r>
           </a:p>
           <a:p>
             <a:pPr lvl="1"/>
             <a:r>
-              <a:rPr lang="en-US" dirty="0" err="1"/>
-              <a:t>MailScanner</a:t>
-            </a:r>
-            <a:r>
-              <a:rPr lang="en-US" dirty="0"/>
-              <a:t> and </a:t>
-            </a:r>
-            <a:r>
-              <a:rPr lang="en-US" dirty="0" err="1"/>
-              <a:t>Amavisd</a:t>
-            </a:r>
-            <a:r>
-              <a:rPr lang="en-US" dirty="0"/>
-              <a:t> (rely on the above)</a:t>
-            </a:r>
-          </a:p>
-          <a:p>
-            <a:r>
-              <a:rPr lang="en-US" dirty="0"/>
-              <a:t>When setup try a penetration testing site to see how well your server can protect you from SPAM and Viruses</a:t>
-            </a:r>
+              <a:rPr lang="en-US" dirty="0"/>
+              <a:t>Needs lots of testing before implementation or you break your email</a:t>
+            </a:r>
+          </a:p>
+          <a:p>
+            <a:pPr lvl="1"/>
+            <a:r>
+              <a:rPr lang="en-US" dirty="0"/>
+              <a:t>DANE and MTA-STS are similar. Do you need to implement both?</a:t>
+            </a:r>
+          </a:p>
+          <a:p>
+            <a:pPr lvl="1"/>
+            <a:endParaRPr lang="en-US" dirty="0"/>
+          </a:p>
+          <a:p>
+            <a:endParaRPr lang="en-US" dirty="0"/>
           </a:p>
         </p:txBody>
       </p:sp>
     </p:spTree>
     <p:extLst>
       <p:ext uri="{BB962C8B-B14F-4D97-AF65-F5344CB8AC3E}">
-        <p14:creationId xmlns:p14="http://schemas.microsoft.com/office/powerpoint/2010/main" val="439054320"/>
+        <p14:creationId xmlns:p14="http://schemas.microsoft.com/office/powerpoint/2010/main" val="797171451"/>
       </p:ext>
     </p:extLst>
   </p:cSld>
@@ -3376,7 +3375,13 @@
       </p:grpSpPr>
       <p:sp>
         <p:nvSpPr>
-          <p:cNvPr id="2" name="Title 1"/>
+          <p:cNvPr id="2" name="Title 1">
+            <a:extLst>
+              <a:ext uri="{FF2B5EF4-FFF2-40B4-BE49-F238E27FC236}">
+                <a16:creationId xmlns:a16="http://schemas.microsoft.com/office/drawing/2014/main" id="{75827596-F825-604A-9A57-CB4064F50115}"/>
+              </a:ext>
+            </a:extLst>
+          </p:cNvPr>
           <p:cNvSpPr>
             <a:spLocks noGrp="1"/>
           </p:cNvSpPr>
@@ -3384,22 +3389,34 @@
             <p:ph type="title"/>
           </p:nvPr>
         </p:nvSpPr>
-        <p:spPr/>
-        <p:txBody>
-          <a:bodyPr/>
-          <a:lstStyle/>
-          <a:p>
-            <a:r>
-              <a:rPr lang="en-US" b="1" dirty="0" err="1"/>
-              <a:t>GreyListing</a:t>
-            </a:r>
-            <a:endParaRPr lang="en-US" b="1" dirty="0"/>
-          </a:p>
-        </p:txBody>
-      </p:sp>
-      <p:sp>
-        <p:nvSpPr>
-          <p:cNvPr id="3" name="Content Placeholder 2"/>
+        <p:spPr>
+          <a:xfrm>
+            <a:off x="838200" y="170253"/>
+            <a:ext cx="11198902" cy="1253813"/>
+          </a:xfrm>
+        </p:spPr>
+        <p:txBody>
+          <a:bodyPr>
+            <a:normAutofit fontScale="90000"/>
+          </a:bodyPr>
+          <a:lstStyle/>
+          <a:p>
+            <a:r>
+              <a:rPr lang="en-US" b="1" dirty="0"/>
+              <a:t>Summary of DKIM, DMARC, SPF, ARC, DANE, PTR…</a:t>
+            </a:r>
+          </a:p>
+        </p:txBody>
+      </p:sp>
+      <p:sp>
+        <p:nvSpPr>
+          <p:cNvPr id="3" name="Content Placeholder 2">
+            <a:extLst>
+              <a:ext uri="{FF2B5EF4-FFF2-40B4-BE49-F238E27FC236}">
+                <a16:creationId xmlns:a16="http://schemas.microsoft.com/office/drawing/2014/main" id="{03FA6D6D-7823-E748-957F-220F5D980B10}"/>
+              </a:ext>
+            </a:extLst>
+          </p:cNvPr>
           <p:cNvSpPr>
             <a:spLocks noGrp="1"/>
           </p:cNvSpPr>
@@ -3407,55 +3424,84 @@
             <p:ph idx="1"/>
           </p:nvPr>
         </p:nvSpPr>
-        <p:spPr/>
+        <p:spPr>
+          <a:xfrm>
+            <a:off x="838200" y="1289154"/>
+            <a:ext cx="10515600" cy="5007730"/>
+          </a:xfrm>
+        </p:spPr>
         <p:txBody>
           <a:bodyPr>
-            <a:normAutofit fontScale="92500"/>
+            <a:normAutofit lnSpcReduction="10000"/>
           </a:bodyPr>
           <a:lstStyle/>
           <a:p>
             <a:r>
               <a:rPr lang="en-US" dirty="0"/>
-              <a:t>Valid mail servers will have no problem if the receiving gives a soft error (4xx)</a:t>
-            </a:r>
-          </a:p>
-          <a:p>
-            <a:r>
-              <a:rPr lang="en-US" dirty="0"/>
-              <a:t>They will attempt to send the mail again after some time</a:t>
-            </a:r>
-          </a:p>
-          <a:p>
-            <a:r>
-              <a:rPr lang="en-US" dirty="0" err="1"/>
-              <a:t>Greylisting</a:t>
-            </a:r>
-            <a:r>
-              <a:rPr lang="en-US" dirty="0"/>
-              <a:t> configured on a receiving mail server will give a soft error (4xx) to the sending server and store the IP/Hostname of the sending server in a file</a:t>
-            </a:r>
-          </a:p>
-          <a:p>
-            <a:r>
-              <a:rPr lang="en-US" dirty="0"/>
-              <a:t>If the sending server returns again after some time (can be specified usually 5min) the email is accepted</a:t>
-            </a:r>
-          </a:p>
-          <a:p>
-            <a:r>
-              <a:rPr lang="en-US" dirty="0"/>
-              <a:t>Used as a measure to deny mail from bots that are compromised to send mass mail. They often do not try again if the server did not accept the mail</a:t>
-            </a:r>
-          </a:p>
-          <a:p>
-            <a:endParaRPr lang="en-US" dirty="0"/>
+              <a:t>As a receiver of my email, you can accept it because:</a:t>
+            </a:r>
+          </a:p>
+          <a:p>
+            <a:pPr lvl="1"/>
+            <a:r>
+              <a:rPr lang="en-US" dirty="0"/>
+              <a:t>I have told you which servers I control – SPF Record</a:t>
+            </a:r>
+          </a:p>
+          <a:p>
+            <a:pPr lvl="1"/>
+            <a:r>
+              <a:rPr lang="en-US" dirty="0"/>
+              <a:t>My email server has signed the email – DKIM</a:t>
+            </a:r>
+          </a:p>
+          <a:p>
+            <a:pPr lvl="1"/>
+            <a:r>
+              <a:rPr lang="en-US" dirty="0"/>
+              <a:t>My server’s signature can be verified using DNS servers I have configured – DMARC or ARC</a:t>
+            </a:r>
+          </a:p>
+          <a:p>
+            <a:pPr lvl="1"/>
+            <a:r>
+              <a:rPr lang="en-US" dirty="0"/>
+              <a:t>My email client signed the email with a PGP key</a:t>
+            </a:r>
+          </a:p>
+          <a:p>
+            <a:pPr lvl="1"/>
+            <a:r>
+              <a:rPr lang="en-US" dirty="0"/>
+              <a:t>My servers have verifiable PTR records</a:t>
+            </a:r>
+          </a:p>
+          <a:p>
+            <a:r>
+              <a:rPr lang="en-US" dirty="0"/>
+              <a:t>As a recipient of your email, I can guarantee you that your email was sent to me over a secure channel because</a:t>
+            </a:r>
+          </a:p>
+          <a:p>
+            <a:pPr lvl="1"/>
+            <a:r>
+              <a:rPr lang="en-US" dirty="0"/>
+              <a:t>DANE – my server only accepts securely sent email and used DNSSEC infrastructure to validate my authenticity</a:t>
+            </a:r>
+          </a:p>
+          <a:p>
+            <a:pPr lvl="1"/>
+            <a:r>
+              <a:rPr lang="en-US" dirty="0"/>
+              <a:t>MTA-STS – my server only accepts securely sent email and used a Certificate Authority to validate my authenticity</a:t>
+            </a:r>
           </a:p>
         </p:txBody>
       </p:sp>
     </p:spTree>
     <p:extLst>
       <p:ext uri="{BB962C8B-B14F-4D97-AF65-F5344CB8AC3E}">
-        <p14:creationId xmlns:p14="http://schemas.microsoft.com/office/powerpoint/2010/main" val="432145148"/>
+        <p14:creationId xmlns:p14="http://schemas.microsoft.com/office/powerpoint/2010/main" val="1954100875"/>
       </p:ext>
     </p:extLst>
   </p:cSld>
@@ -3484,7 +3530,13 @@
       </p:grpSpPr>
       <p:sp>
         <p:nvSpPr>
-          <p:cNvPr id="2" name="Title 1"/>
+          <p:cNvPr id="2" name="Title 1">
+            <a:extLst>
+              <a:ext uri="{FF2B5EF4-FFF2-40B4-BE49-F238E27FC236}">
+                <a16:creationId xmlns:a16="http://schemas.microsoft.com/office/drawing/2014/main" id="{25791052-4F5E-5F4A-BEDE-CFFFA251ECC6}"/>
+              </a:ext>
+            </a:extLst>
+          </p:cNvPr>
           <p:cNvSpPr>
             <a:spLocks noGrp="1"/>
           </p:cNvSpPr>
@@ -3494,126 +3546,491 @@
         </p:nvSpPr>
         <p:spPr/>
         <p:txBody>
-          <a:bodyPr>
+          <a:bodyPr/>
+          <a:lstStyle/>
+          <a:p>
+            <a:r>
+              <a:rPr lang="en-US" b="1" dirty="0"/>
+              <a:t>This is too much for me! Outsource my email?</a:t>
+            </a:r>
+          </a:p>
+        </p:txBody>
+      </p:sp>
+      <p:pic>
+        <p:nvPicPr>
+          <p:cNvPr id="5" name="Content Placeholder 4">
+            <a:extLst>
+              <a:ext uri="{FF2B5EF4-FFF2-40B4-BE49-F238E27FC236}">
+                <a16:creationId xmlns:a16="http://schemas.microsoft.com/office/drawing/2014/main" id="{38961F22-FD50-9B40-971D-AF0D2425B0DA}"/>
+              </a:ext>
+            </a:extLst>
+          </p:cNvPr>
+          <p:cNvPicPr>
+            <a:picLocks noGrp="1" noChangeAspect="1"/>
+          </p:cNvPicPr>
+          <p:nvPr>
+            <p:ph idx="1"/>
+          </p:nvPr>
+        </p:nvPicPr>
+        <p:blipFill>
+          <a:blip r:embed="rId2"/>
+          <a:stretch>
+            <a:fillRect/>
+          </a:stretch>
+        </p:blipFill>
+        <p:spPr>
+          <a:xfrm>
+            <a:off x="838200" y="1469036"/>
+            <a:ext cx="10515600" cy="2698231"/>
+          </a:xfrm>
+        </p:spPr>
+      </p:pic>
+      <p:sp>
+        <p:nvSpPr>
+          <p:cNvPr id="6" name="Content Placeholder 2">
+            <a:extLst>
+              <a:ext uri="{FF2B5EF4-FFF2-40B4-BE49-F238E27FC236}">
+                <a16:creationId xmlns:a16="http://schemas.microsoft.com/office/drawing/2014/main" id="{5ABD622C-7F8F-C14A-81B5-C63EF4D54DC6}"/>
+              </a:ext>
+            </a:extLst>
+          </p:cNvPr>
+          <p:cNvSpPr txBox="1">
+            <a:spLocks/>
+          </p:cNvSpPr>
+          <p:nvPr/>
+        </p:nvSpPr>
+        <p:spPr>
+          <a:xfrm>
+            <a:off x="838200" y="1825625"/>
+            <a:ext cx="10515600" cy="4351338"/>
+          </a:xfrm>
+          <a:prstGeom prst="rect">
+            <a:avLst/>
+          </a:prstGeom>
+        </p:spPr>
+        <p:txBody>
+          <a:bodyPr vert="horz" lIns="91440" tIns="45720" rIns="91440" bIns="45720" rtlCol="0">
             <a:normAutofit/>
           </a:bodyPr>
-          <a:lstStyle/>
-          <a:p>
-            <a:r>
-              <a:rPr lang="en-US" b="1" dirty="0"/>
-              <a:t>Accept only well formatted messages</a:t>
-            </a:r>
-          </a:p>
-        </p:txBody>
-      </p:sp>
-      <p:sp>
-        <p:nvSpPr>
-          <p:cNvPr id="3" name="Content Placeholder 2"/>
-          <p:cNvSpPr>
-            <a:spLocks noGrp="1"/>
-          </p:cNvSpPr>
-          <p:nvPr>
-            <p:ph idx="1"/>
-          </p:nvPr>
-        </p:nvSpPr>
-        <p:spPr/>
-        <p:txBody>
-          <a:bodyPr>
+          <a:lstStyle>
+            <a:lvl1pPr marL="228600" indent="-228600" algn="l" defTabSz="914400" rtl="0" eaLnBrk="1" latinLnBrk="0" hangingPunct="1">
+              <a:lnSpc>
+                <a:spcPct val="90000"/>
+              </a:lnSpc>
+              <a:spcBef>
+                <a:spcPts val="1000"/>
+              </a:spcBef>
+              <a:buFont typeface="Arial"/>
+              <a:buChar char="•"/>
+              <a:defRPr sz="2800" kern="1200">
+                <a:solidFill>
+                  <a:schemeClr val="tx1"/>
+                </a:solidFill>
+                <a:latin typeface="+mn-lt"/>
+                <a:ea typeface="+mn-ea"/>
+                <a:cs typeface="+mn-cs"/>
+              </a:defRPr>
+            </a:lvl1pPr>
+            <a:lvl2pPr marL="685800" indent="-228600" algn="l" defTabSz="914400" rtl="0" eaLnBrk="1" latinLnBrk="0" hangingPunct="1">
+              <a:lnSpc>
+                <a:spcPct val="90000"/>
+              </a:lnSpc>
+              <a:spcBef>
+                <a:spcPts val="500"/>
+              </a:spcBef>
+              <a:buFont typeface="Arial"/>
+              <a:buChar char="•"/>
+              <a:defRPr sz="2400" kern="1200">
+                <a:solidFill>
+                  <a:schemeClr val="tx1"/>
+                </a:solidFill>
+                <a:latin typeface="+mn-lt"/>
+                <a:ea typeface="+mn-ea"/>
+                <a:cs typeface="+mn-cs"/>
+              </a:defRPr>
+            </a:lvl2pPr>
+            <a:lvl3pPr marL="1143000" indent="-228600" algn="l" defTabSz="914400" rtl="0" eaLnBrk="1" latinLnBrk="0" hangingPunct="1">
+              <a:lnSpc>
+                <a:spcPct val="90000"/>
+              </a:lnSpc>
+              <a:spcBef>
+                <a:spcPts val="500"/>
+              </a:spcBef>
+              <a:buFont typeface="Arial"/>
+              <a:buChar char="•"/>
+              <a:defRPr sz="2000" kern="1200">
+                <a:solidFill>
+                  <a:schemeClr val="tx1"/>
+                </a:solidFill>
+                <a:latin typeface="+mn-lt"/>
+                <a:ea typeface="+mn-ea"/>
+                <a:cs typeface="+mn-cs"/>
+              </a:defRPr>
+            </a:lvl3pPr>
+            <a:lvl4pPr marL="1600200" indent="-228600" algn="l" defTabSz="914400" rtl="0" eaLnBrk="1" latinLnBrk="0" hangingPunct="1">
+              <a:lnSpc>
+                <a:spcPct val="90000"/>
+              </a:lnSpc>
+              <a:spcBef>
+                <a:spcPts val="500"/>
+              </a:spcBef>
+              <a:buFont typeface="Arial"/>
+              <a:buChar char="•"/>
+              <a:defRPr sz="1800" kern="1200">
+                <a:solidFill>
+                  <a:schemeClr val="tx1"/>
+                </a:solidFill>
+                <a:latin typeface="+mn-lt"/>
+                <a:ea typeface="+mn-ea"/>
+                <a:cs typeface="+mn-cs"/>
+              </a:defRPr>
+            </a:lvl4pPr>
+            <a:lvl5pPr marL="2057400" indent="-228600" algn="l" defTabSz="914400" rtl="0" eaLnBrk="1" latinLnBrk="0" hangingPunct="1">
+              <a:lnSpc>
+                <a:spcPct val="90000"/>
+              </a:lnSpc>
+              <a:spcBef>
+                <a:spcPts val="500"/>
+              </a:spcBef>
+              <a:buFont typeface="Arial"/>
+              <a:buChar char="•"/>
+              <a:defRPr sz="1800" kern="1200">
+                <a:solidFill>
+                  <a:schemeClr val="tx1"/>
+                </a:solidFill>
+                <a:latin typeface="+mn-lt"/>
+                <a:ea typeface="+mn-ea"/>
+                <a:cs typeface="+mn-cs"/>
+              </a:defRPr>
+            </a:lvl5pPr>
+            <a:lvl6pPr marL="2514600" indent="-228600" algn="l" defTabSz="914400" rtl="0" eaLnBrk="1" latinLnBrk="0" hangingPunct="1">
+              <a:lnSpc>
+                <a:spcPct val="90000"/>
+              </a:lnSpc>
+              <a:spcBef>
+                <a:spcPts val="500"/>
+              </a:spcBef>
+              <a:buFont typeface="Arial"/>
+              <a:buChar char="•"/>
+              <a:defRPr sz="1800" kern="1200">
+                <a:solidFill>
+                  <a:schemeClr val="tx1"/>
+                </a:solidFill>
+                <a:latin typeface="+mn-lt"/>
+                <a:ea typeface="+mn-ea"/>
+                <a:cs typeface="+mn-cs"/>
+              </a:defRPr>
+            </a:lvl6pPr>
+            <a:lvl7pPr marL="2971800" indent="-228600" algn="l" defTabSz="914400" rtl="0" eaLnBrk="1" latinLnBrk="0" hangingPunct="1">
+              <a:lnSpc>
+                <a:spcPct val="90000"/>
+              </a:lnSpc>
+              <a:spcBef>
+                <a:spcPts val="500"/>
+              </a:spcBef>
+              <a:buFont typeface="Arial"/>
+              <a:buChar char="•"/>
+              <a:defRPr sz="1800" kern="1200">
+                <a:solidFill>
+                  <a:schemeClr val="tx1"/>
+                </a:solidFill>
+                <a:latin typeface="+mn-lt"/>
+                <a:ea typeface="+mn-ea"/>
+                <a:cs typeface="+mn-cs"/>
+              </a:defRPr>
+            </a:lvl7pPr>
+            <a:lvl8pPr marL="3429000" indent="-228600" algn="l" defTabSz="914400" rtl="0" eaLnBrk="1" latinLnBrk="0" hangingPunct="1">
+              <a:lnSpc>
+                <a:spcPct val="90000"/>
+              </a:lnSpc>
+              <a:spcBef>
+                <a:spcPts val="500"/>
+              </a:spcBef>
+              <a:buFont typeface="Arial"/>
+              <a:buChar char="•"/>
+              <a:defRPr sz="1800" kern="1200">
+                <a:solidFill>
+                  <a:schemeClr val="tx1"/>
+                </a:solidFill>
+                <a:latin typeface="+mn-lt"/>
+                <a:ea typeface="+mn-ea"/>
+                <a:cs typeface="+mn-cs"/>
+              </a:defRPr>
+            </a:lvl8pPr>
+            <a:lvl9pPr marL="3886200" indent="-228600" algn="l" defTabSz="914400" rtl="0" eaLnBrk="1" latinLnBrk="0" hangingPunct="1">
+              <a:lnSpc>
+                <a:spcPct val="90000"/>
+              </a:lnSpc>
+              <a:spcBef>
+                <a:spcPts val="500"/>
+              </a:spcBef>
+              <a:buFont typeface="Arial"/>
+              <a:buChar char="•"/>
+              <a:defRPr sz="1800" kern="1200">
+                <a:solidFill>
+                  <a:schemeClr val="tx1"/>
+                </a:solidFill>
+                <a:latin typeface="+mn-lt"/>
+                <a:ea typeface="+mn-ea"/>
+                <a:cs typeface="+mn-cs"/>
+              </a:defRPr>
+            </a:lvl9pPr>
+          </a:lstStyle>
+          <a:p>
+            <a:endParaRPr lang="en-US" dirty="0"/>
+          </a:p>
+        </p:txBody>
+      </p:sp>
+      <p:sp>
+        <p:nvSpPr>
+          <p:cNvPr id="8" name="TextBox 7">
+            <a:extLst>
+              <a:ext uri="{FF2B5EF4-FFF2-40B4-BE49-F238E27FC236}">
+                <a16:creationId xmlns:a16="http://schemas.microsoft.com/office/drawing/2014/main" id="{6F8379A9-5220-A145-BA1F-49B2E94C0960}"/>
+              </a:ext>
+            </a:extLst>
+          </p:cNvPr>
+          <p:cNvSpPr txBox="1"/>
+          <p:nvPr/>
+        </p:nvSpPr>
+        <p:spPr>
+          <a:xfrm>
+            <a:off x="3057993" y="5141626"/>
+            <a:ext cx="237566" cy="369332"/>
+          </a:xfrm>
+          <a:prstGeom prst="rect">
+            <a:avLst/>
+          </a:prstGeom>
+          <a:noFill/>
+        </p:spPr>
+        <p:txBody>
+          <a:bodyPr wrap="none" rtlCol="0">
+            <a:spAutoFit/>
+          </a:bodyPr>
+          <a:lstStyle/>
+          <a:p>
+            <a:r>
+              <a:rPr lang="en-US" dirty="0"/>
+              <a:t> </a:t>
+            </a:r>
+          </a:p>
+        </p:txBody>
+      </p:sp>
+      <p:sp>
+        <p:nvSpPr>
+          <p:cNvPr id="9" name="Content Placeholder 2">
+            <a:extLst>
+              <a:ext uri="{FF2B5EF4-FFF2-40B4-BE49-F238E27FC236}">
+                <a16:creationId xmlns:a16="http://schemas.microsoft.com/office/drawing/2014/main" id="{CC4E7D04-8151-F749-A874-45B54BDD85DE}"/>
+              </a:ext>
+            </a:extLst>
+          </p:cNvPr>
+          <p:cNvSpPr txBox="1">
+            <a:spLocks/>
+          </p:cNvSpPr>
+          <p:nvPr/>
+        </p:nvSpPr>
+        <p:spPr>
+          <a:xfrm>
+            <a:off x="990600" y="4512039"/>
+            <a:ext cx="10515600" cy="1817323"/>
+          </a:xfrm>
+          <a:prstGeom prst="rect">
+            <a:avLst/>
+          </a:prstGeom>
+        </p:spPr>
+        <p:txBody>
+          <a:bodyPr vert="horz" lIns="91440" tIns="45720" rIns="91440" bIns="45720" rtlCol="0">
             <a:normAutofit/>
           </a:bodyPr>
-          <a:lstStyle/>
-          <a:p>
-            <a:r>
-              <a:rPr lang="en-US" dirty="0"/>
-              <a:t>Sender must be a valid name not an IP </a:t>
-            </a:r>
-            <a:r>
-              <a:rPr lang="en-US" dirty="0" err="1"/>
-              <a:t>ie</a:t>
-            </a:r>
-            <a:r>
-              <a:rPr lang="en-US" dirty="0"/>
-              <a:t> not </a:t>
-            </a:r>
-            <a:r>
-              <a:rPr lang="en-US" dirty="0">
-                <a:hlinkClick r:id="rId2"/>
-              </a:rPr>
-              <a:t>user@192.14.5.6</a:t>
-            </a:r>
-            <a:r>
-              <a:rPr lang="en-US" dirty="0"/>
-              <a:t> </a:t>
-            </a:r>
-          </a:p>
-          <a:p>
-            <a:r>
-              <a:rPr lang="en-US" dirty="0"/>
-              <a:t>Mail server HELO name must be resolvable </a:t>
-            </a:r>
-            <a:r>
-              <a:rPr lang="en-US" dirty="0" err="1"/>
-              <a:t>ie</a:t>
-            </a:r>
-            <a:r>
-              <a:rPr lang="en-US" dirty="0"/>
-              <a:t> FQDN</a:t>
-            </a:r>
-          </a:p>
-          <a:p>
-            <a:r>
-              <a:rPr lang="en-US" dirty="0"/>
-              <a:t>Server identification must resolve </a:t>
-            </a:r>
-            <a:r>
-              <a:rPr lang="en-US" dirty="0" err="1"/>
-              <a:t>ie</a:t>
-            </a:r>
-            <a:r>
-              <a:rPr lang="en-US" dirty="0"/>
-              <a:t> HELO/EHLO name must be </a:t>
-            </a:r>
-            <a:r>
-              <a:rPr lang="en-US" dirty="0" err="1"/>
-              <a:t>resolveable</a:t>
-            </a:r>
-            <a:endParaRPr lang="en-US" dirty="0"/>
-          </a:p>
-          <a:p>
-            <a:r>
-              <a:rPr lang="en-US" dirty="0"/>
-              <a:t>Email should be from a valid email address format </a:t>
-            </a:r>
-            <a:r>
-              <a:rPr lang="en-US" dirty="0" err="1"/>
-              <a:t>eg</a:t>
-            </a:r>
-            <a:r>
-              <a:rPr lang="en-US" dirty="0"/>
-              <a:t>: from </a:t>
-            </a:r>
-            <a:r>
-              <a:rPr lang="en-US" dirty="0">
-                <a:hlinkClick r:id="rId3"/>
-              </a:rPr>
-              <a:t>tom@example.com</a:t>
-            </a:r>
-            <a:r>
-              <a:rPr lang="en-US" dirty="0"/>
-              <a:t> and not from </a:t>
-            </a:r>
-            <a:r>
-              <a:rPr lang="en-US" dirty="0" err="1"/>
-              <a:t>tom@example</a:t>
-            </a:r>
-            <a:endParaRPr lang="en-US" dirty="0"/>
+          <a:lstStyle>
+            <a:lvl1pPr marL="228600" indent="-228600" algn="l" defTabSz="914400" rtl="0" eaLnBrk="1" latinLnBrk="0" hangingPunct="1">
+              <a:lnSpc>
+                <a:spcPct val="90000"/>
+              </a:lnSpc>
+              <a:spcBef>
+                <a:spcPts val="1000"/>
+              </a:spcBef>
+              <a:buFont typeface="Arial"/>
+              <a:buChar char="•"/>
+              <a:defRPr sz="2800" kern="1200">
+                <a:solidFill>
+                  <a:schemeClr val="tx1"/>
+                </a:solidFill>
+                <a:latin typeface="+mn-lt"/>
+                <a:ea typeface="+mn-ea"/>
+                <a:cs typeface="+mn-cs"/>
+              </a:defRPr>
+            </a:lvl1pPr>
+            <a:lvl2pPr marL="685800" indent="-228600" algn="l" defTabSz="914400" rtl="0" eaLnBrk="1" latinLnBrk="0" hangingPunct="1">
+              <a:lnSpc>
+                <a:spcPct val="90000"/>
+              </a:lnSpc>
+              <a:spcBef>
+                <a:spcPts val="500"/>
+              </a:spcBef>
+              <a:buFont typeface="Arial"/>
+              <a:buChar char="•"/>
+              <a:defRPr sz="2400" kern="1200">
+                <a:solidFill>
+                  <a:schemeClr val="tx1"/>
+                </a:solidFill>
+                <a:latin typeface="+mn-lt"/>
+                <a:ea typeface="+mn-ea"/>
+                <a:cs typeface="+mn-cs"/>
+              </a:defRPr>
+            </a:lvl2pPr>
+            <a:lvl3pPr marL="1143000" indent="-228600" algn="l" defTabSz="914400" rtl="0" eaLnBrk="1" latinLnBrk="0" hangingPunct="1">
+              <a:lnSpc>
+                <a:spcPct val="90000"/>
+              </a:lnSpc>
+              <a:spcBef>
+                <a:spcPts val="500"/>
+              </a:spcBef>
+              <a:buFont typeface="Arial"/>
+              <a:buChar char="•"/>
+              <a:defRPr sz="2000" kern="1200">
+                <a:solidFill>
+                  <a:schemeClr val="tx1"/>
+                </a:solidFill>
+                <a:latin typeface="+mn-lt"/>
+                <a:ea typeface="+mn-ea"/>
+                <a:cs typeface="+mn-cs"/>
+              </a:defRPr>
+            </a:lvl3pPr>
+            <a:lvl4pPr marL="1600200" indent="-228600" algn="l" defTabSz="914400" rtl="0" eaLnBrk="1" latinLnBrk="0" hangingPunct="1">
+              <a:lnSpc>
+                <a:spcPct val="90000"/>
+              </a:lnSpc>
+              <a:spcBef>
+                <a:spcPts val="500"/>
+              </a:spcBef>
+              <a:buFont typeface="Arial"/>
+              <a:buChar char="•"/>
+              <a:defRPr sz="1800" kern="1200">
+                <a:solidFill>
+                  <a:schemeClr val="tx1"/>
+                </a:solidFill>
+                <a:latin typeface="+mn-lt"/>
+                <a:ea typeface="+mn-ea"/>
+                <a:cs typeface="+mn-cs"/>
+              </a:defRPr>
+            </a:lvl4pPr>
+            <a:lvl5pPr marL="2057400" indent="-228600" algn="l" defTabSz="914400" rtl="0" eaLnBrk="1" latinLnBrk="0" hangingPunct="1">
+              <a:lnSpc>
+                <a:spcPct val="90000"/>
+              </a:lnSpc>
+              <a:spcBef>
+                <a:spcPts val="500"/>
+              </a:spcBef>
+              <a:buFont typeface="Arial"/>
+              <a:buChar char="•"/>
+              <a:defRPr sz="1800" kern="1200">
+                <a:solidFill>
+                  <a:schemeClr val="tx1"/>
+                </a:solidFill>
+                <a:latin typeface="+mn-lt"/>
+                <a:ea typeface="+mn-ea"/>
+                <a:cs typeface="+mn-cs"/>
+              </a:defRPr>
+            </a:lvl5pPr>
+            <a:lvl6pPr marL="2514600" indent="-228600" algn="l" defTabSz="914400" rtl="0" eaLnBrk="1" latinLnBrk="0" hangingPunct="1">
+              <a:lnSpc>
+                <a:spcPct val="90000"/>
+              </a:lnSpc>
+              <a:spcBef>
+                <a:spcPts val="500"/>
+              </a:spcBef>
+              <a:buFont typeface="Arial"/>
+              <a:buChar char="•"/>
+              <a:defRPr sz="1800" kern="1200">
+                <a:solidFill>
+                  <a:schemeClr val="tx1"/>
+                </a:solidFill>
+                <a:latin typeface="+mn-lt"/>
+                <a:ea typeface="+mn-ea"/>
+                <a:cs typeface="+mn-cs"/>
+              </a:defRPr>
+            </a:lvl6pPr>
+            <a:lvl7pPr marL="2971800" indent="-228600" algn="l" defTabSz="914400" rtl="0" eaLnBrk="1" latinLnBrk="0" hangingPunct="1">
+              <a:lnSpc>
+                <a:spcPct val="90000"/>
+              </a:lnSpc>
+              <a:spcBef>
+                <a:spcPts val="500"/>
+              </a:spcBef>
+              <a:buFont typeface="Arial"/>
+              <a:buChar char="•"/>
+              <a:defRPr sz="1800" kern="1200">
+                <a:solidFill>
+                  <a:schemeClr val="tx1"/>
+                </a:solidFill>
+                <a:latin typeface="+mn-lt"/>
+                <a:ea typeface="+mn-ea"/>
+                <a:cs typeface="+mn-cs"/>
+              </a:defRPr>
+            </a:lvl7pPr>
+            <a:lvl8pPr marL="3429000" indent="-228600" algn="l" defTabSz="914400" rtl="0" eaLnBrk="1" latinLnBrk="0" hangingPunct="1">
+              <a:lnSpc>
+                <a:spcPct val="90000"/>
+              </a:lnSpc>
+              <a:spcBef>
+                <a:spcPts val="500"/>
+              </a:spcBef>
+              <a:buFont typeface="Arial"/>
+              <a:buChar char="•"/>
+              <a:defRPr sz="1800" kern="1200">
+                <a:solidFill>
+                  <a:schemeClr val="tx1"/>
+                </a:solidFill>
+                <a:latin typeface="+mn-lt"/>
+                <a:ea typeface="+mn-ea"/>
+                <a:cs typeface="+mn-cs"/>
+              </a:defRPr>
+            </a:lvl8pPr>
+            <a:lvl9pPr marL="3886200" indent="-228600" algn="l" defTabSz="914400" rtl="0" eaLnBrk="1" latinLnBrk="0" hangingPunct="1">
+              <a:lnSpc>
+                <a:spcPct val="90000"/>
+              </a:lnSpc>
+              <a:spcBef>
+                <a:spcPts val="500"/>
+              </a:spcBef>
+              <a:buFont typeface="Arial"/>
+              <a:buChar char="•"/>
+              <a:defRPr sz="1800" kern="1200">
+                <a:solidFill>
+                  <a:schemeClr val="tx1"/>
+                </a:solidFill>
+                <a:latin typeface="+mn-lt"/>
+                <a:ea typeface="+mn-ea"/>
+                <a:cs typeface="+mn-cs"/>
+              </a:defRPr>
+            </a:lvl9pPr>
+          </a:lstStyle>
+          <a:p>
+            <a:r>
+              <a:rPr lang="en-US" dirty="0"/>
+              <a:t>But where is your email stored?</a:t>
+            </a:r>
+          </a:p>
+          <a:p>
+            <a:r>
+              <a:rPr lang="en-US" dirty="0"/>
+              <a:t>Who has access to it? </a:t>
+            </a:r>
+          </a:p>
+          <a:p>
+            <a:r>
+              <a:rPr lang="en-US" dirty="0"/>
+              <a:t>Why is it free? Is it really free??</a:t>
+            </a:r>
           </a:p>
         </p:txBody>
       </p:sp>
     </p:spTree>
     <p:extLst>
       <p:ext uri="{BB962C8B-B14F-4D97-AF65-F5344CB8AC3E}">
-        <p14:creationId xmlns:p14="http://schemas.microsoft.com/office/powerpoint/2010/main" val="273808282"/>
+        <p14:creationId xmlns:p14="http://schemas.microsoft.com/office/powerpoint/2010/main" val="403000722"/>
       </p:ext>
     </p:extLst>
   </p:cSld>
@@ -3652,90 +4069,124 @@
         </p:nvSpPr>
         <p:spPr/>
         <p:txBody>
-          <a:bodyPr/>
-          <a:lstStyle/>
-          <a:p>
-            <a:r>
-              <a:rPr lang="en-US" b="1" dirty="0"/>
-              <a:t>Security</a:t>
-            </a:r>
-          </a:p>
-        </p:txBody>
-      </p:sp>
-      <p:sp>
-        <p:nvSpPr>
-          <p:cNvPr id="3" name="Content Placeholder 2"/>
-          <p:cNvSpPr>
-            <a:spLocks noGrp="1"/>
-          </p:cNvSpPr>
-          <p:nvPr>
-            <p:ph idx="1"/>
-          </p:nvPr>
-        </p:nvSpPr>
-        <p:spPr/>
-        <p:txBody>
           <a:bodyPr>
             <a:normAutofit/>
           </a:bodyPr>
           <a:lstStyle/>
           <a:p>
             <a:r>
-              <a:rPr lang="en-US" dirty="0"/>
-              <a:t>Run secure pages from the mail server and secure SMTP to clients</a:t>
+              <a:rPr lang="en-US" sz="3600" b="1" dirty="0"/>
+              <a:t>Use Anti Spam and Anti Virus software</a:t>
+            </a:r>
+          </a:p>
+        </p:txBody>
+      </p:sp>
+      <p:sp>
+        <p:nvSpPr>
+          <p:cNvPr id="3" name="Content Placeholder 2"/>
+          <p:cNvSpPr>
+            <a:spLocks noGrp="1"/>
+          </p:cNvSpPr>
+          <p:nvPr>
+            <p:ph idx="1"/>
+          </p:nvPr>
+        </p:nvSpPr>
+        <p:spPr/>
+        <p:txBody>
+          <a:bodyPr>
+            <a:normAutofit/>
+          </a:bodyPr>
+          <a:lstStyle/>
+          <a:p>
+            <a:r>
+              <a:rPr lang="en-US" dirty="0"/>
+              <a:t>Will reduce overall spam and email received</a:t>
+            </a:r>
+          </a:p>
+          <a:p>
+            <a:r>
+              <a:rPr lang="en-US" dirty="0"/>
+              <a:t>You can also have a mail “firewall” or gateway aka Mail Filter to stop spam before it reaches your server</a:t>
+            </a:r>
+          </a:p>
+          <a:p>
+            <a:r>
+              <a:rPr lang="en-US" dirty="0"/>
+              <a:t>Some </a:t>
+            </a:r>
+            <a:r>
+              <a:rPr lang="en-US" dirty="0" err="1"/>
+              <a:t>softwares</a:t>
+            </a:r>
+            <a:r>
+              <a:rPr lang="en-US" dirty="0"/>
+              <a:t> are:</a:t>
             </a:r>
           </a:p>
           <a:p>
             <a:pPr lvl="1"/>
             <a:r>
-              <a:rPr lang="en-US" dirty="0"/>
-              <a:t>Secure Webmail – port 443</a:t>
+              <a:rPr lang="en-US" dirty="0" err="1"/>
+              <a:t>SpamAssassin</a:t>
+            </a:r>
+            <a:r>
+              <a:rPr lang="en-US" dirty="0"/>
+              <a:t> (AntiSpam) – renowned antivirus</a:t>
             </a:r>
           </a:p>
           <a:p>
             <a:pPr lvl="1"/>
             <a:r>
-              <a:rPr lang="en-US" dirty="0"/>
-              <a:t>Secure SMTP – port 465/587</a:t>
-            </a:r>
-          </a:p>
-          <a:p>
-            <a:r>
-              <a:rPr lang="en-US" dirty="0"/>
-              <a:t>Force clients to use secure IMAP or Secure POP</a:t>
+              <a:rPr lang="en-US" dirty="0" err="1"/>
+              <a:t>Rspamd</a:t>
+            </a:r>
+            <a:r>
+              <a:rPr lang="en-US" dirty="0"/>
+              <a:t> – powerful antispam Milter service</a:t>
             </a:r>
           </a:p>
           <a:p>
             <a:pPr lvl="1"/>
             <a:r>
-              <a:rPr lang="en-US" dirty="0"/>
-              <a:t>Secure POP – port 995</a:t>
+              <a:rPr lang="en-US" dirty="0" err="1"/>
+              <a:t>ClamAV</a:t>
+            </a:r>
+            <a:r>
+              <a:rPr lang="en-US" dirty="0"/>
+              <a:t> (</a:t>
+            </a:r>
+            <a:r>
+              <a:rPr lang="en-US" dirty="0" err="1"/>
+              <a:t>AntiVirus</a:t>
+            </a:r>
+            <a:r>
+              <a:rPr lang="en-US" dirty="0"/>
+              <a:t>) – renowned antivirus</a:t>
             </a:r>
           </a:p>
           <a:p>
             <a:pPr lvl="1"/>
             <a:r>
-              <a:rPr lang="en-US" dirty="0"/>
-              <a:t>Secure IMAP – port 993</a:t>
-            </a:r>
-          </a:p>
-          <a:p>
-            <a:r>
-              <a:rPr lang="en-US" dirty="0"/>
-              <a:t>Require authentication on your mail server before a mail enters the queue from a sending client aka SMTP AUTH</a:t>
-            </a:r>
-          </a:p>
-          <a:p>
-            <a:r>
-              <a:rPr lang="en-US" dirty="0"/>
-              <a:t>Lock down your box and block </a:t>
-            </a:r>
-            <a:r>
-              <a:rPr lang="en-US"/>
-              <a:t>all unnecessary </a:t>
-            </a:r>
-            <a:r>
-              <a:rPr lang="en-US" dirty="0"/>
-              <a:t>ports </a:t>
+              <a:rPr lang="en-US" dirty="0" err="1"/>
+              <a:t>MailScanner</a:t>
+            </a:r>
+            <a:r>
+              <a:rPr lang="en-US" dirty="0"/>
+              <a:t> and </a:t>
+            </a:r>
+            <a:r>
+              <a:rPr lang="en-US" dirty="0" err="1"/>
+              <a:t>Amavisd</a:t>
+            </a:r>
+            <a:r>
+              <a:rPr lang="en-US" dirty="0"/>
+              <a:t> (rely on the above)</a:t>
+            </a:r>
+          </a:p>
+          <a:p>
+            <a:r>
+              <a:rPr lang="en-US" dirty="0"/>
+              <a:t>When setup try a penetration testing site to see how well your server can protect you from SPAM and Viruses</a:t>
             </a:r>
           </a:p>
         </p:txBody>
@@ -3743,7 +4194,7 @@
     </p:spTree>
     <p:extLst>
       <p:ext uri="{BB962C8B-B14F-4D97-AF65-F5344CB8AC3E}">
-        <p14:creationId xmlns:p14="http://schemas.microsoft.com/office/powerpoint/2010/main" val="1985823700"/>
+        <p14:creationId xmlns:p14="http://schemas.microsoft.com/office/powerpoint/2010/main" val="439054320"/>
       </p:ext>
     </p:extLst>
   </p:cSld>
@@ -3786,9 +4237,10 @@
           <a:lstStyle/>
           <a:p>
             <a:r>
-              <a:rPr lang="en-US" b="1" dirty="0"/>
-              <a:t>Use Blacklist databases</a:t>
-            </a:r>
+              <a:rPr lang="en-US" b="1" dirty="0" err="1"/>
+              <a:t>GreyListing</a:t>
+            </a:r>
+            <a:endParaRPr lang="en-US" b="1" dirty="0"/>
           </a:p>
         </p:txBody>
       </p:sp>
@@ -3804,104 +4256,53 @@
         </p:nvSpPr>
         <p:spPr/>
         <p:txBody>
-          <a:bodyPr/>
-          <a:lstStyle/>
-          <a:p>
-            <a:r>
-              <a:rPr lang="en-US" dirty="0"/>
-              <a:t>Use DNSBL – DNS Based </a:t>
-            </a:r>
+          <a:bodyPr>
+            <a:normAutofit fontScale="92500"/>
+          </a:bodyPr>
+          <a:lstStyle/>
+          <a:p>
+            <a:r>
+              <a:rPr lang="en-US" dirty="0"/>
+              <a:t>Valid mail servers will have no problem if the receiving gives a soft error (4xx)</a:t>
+            </a:r>
+          </a:p>
+          <a:p>
+            <a:r>
+              <a:rPr lang="en-US" dirty="0"/>
+              <a:t>They will attempt to send the mail again after some time</a:t>
+            </a:r>
+          </a:p>
+          <a:p>
             <a:r>
               <a:rPr lang="en-US" dirty="0" err="1"/>
-              <a:t>Blackhole</a:t>
-            </a:r>
-            <a:r>
-              <a:rPr lang="en-US" dirty="0"/>
-              <a:t> Lists or RBL (Real Time </a:t>
-            </a:r>
-            <a:r>
-              <a:rPr lang="en-US" dirty="0" err="1"/>
-              <a:t>Blackhole</a:t>
-            </a:r>
-            <a:r>
-              <a:rPr lang="en-US" dirty="0"/>
-              <a:t> lists) to deny mail from well known spamming machines</a:t>
-            </a:r>
-          </a:p>
-          <a:p>
-            <a:r>
-              <a:rPr lang="en-US" dirty="0"/>
-              <a:t>Some well known good ones are</a:t>
-            </a:r>
-          </a:p>
-          <a:p>
-            <a:pPr lvl="1"/>
-            <a:r>
-              <a:rPr lang="en-US" dirty="0"/>
-              <a:t>SORBS – </a:t>
-            </a:r>
-            <a:r>
-              <a:rPr lang="en-US" dirty="0">
-                <a:hlinkClick r:id="rId2"/>
-              </a:rPr>
-              <a:t>http://sorbs.net</a:t>
-            </a:r>
+              <a:t>Greylisting</a:t>
+            </a:r>
+            <a:r>
+              <a:rPr lang="en-US" dirty="0"/>
+              <a:t> configured on a receiving mail server will give a soft error (4xx) to the sending server and store the IP/Hostname of the sending server in a file</a:t>
+            </a:r>
+          </a:p>
+          <a:p>
+            <a:r>
+              <a:rPr lang="en-US" dirty="0"/>
+              <a:t>If the sending server returns again after some time (can be specified usually 5min) the email is accepted</a:t>
+            </a:r>
+          </a:p>
+          <a:p>
+            <a:r>
+              <a:rPr lang="en-US" dirty="0"/>
+              <a:t>Used as a measure to deny mail from bots that are compromised to send mass mail. They often do not try again if the server did not accept the mail</a:t>
+            </a:r>
+          </a:p>
+          <a:p>
             <a:endParaRPr lang="en-US" dirty="0"/>
-          </a:p>
-          <a:p>
-            <a:pPr lvl="1"/>
-            <a:r>
-              <a:rPr lang="en-US" dirty="0"/>
-              <a:t>SPAMHAUS – </a:t>
-            </a:r>
-            <a:r>
-              <a:rPr lang="en-US" dirty="0">
-                <a:hlinkClick r:id="rId3"/>
-              </a:rPr>
-              <a:t>http://spamhaus.org</a:t>
-            </a:r>
-            <a:endParaRPr lang="en-US" dirty="0"/>
-          </a:p>
-          <a:p>
-            <a:pPr lvl="1"/>
-            <a:r>
-              <a:rPr lang="en-US" dirty="0"/>
-              <a:t>SPAMCOP – </a:t>
-            </a:r>
-            <a:r>
-              <a:rPr lang="en-US" dirty="0">
-                <a:hlinkClick r:id="rId4"/>
-              </a:rPr>
-              <a:t>http://spamcop.net</a:t>
-            </a:r>
-            <a:r>
-              <a:rPr lang="en-US" dirty="0"/>
-              <a:t> </a:t>
-            </a:r>
-          </a:p>
-          <a:p>
-            <a:pPr lvl="1"/>
-            <a:r>
-              <a:rPr lang="en-US" dirty="0"/>
-              <a:t>MANITU – </a:t>
-            </a:r>
-            <a:r>
-              <a:rPr lang="en-US" dirty="0">
-                <a:hlinkClick r:id="rId5"/>
-              </a:rPr>
-              <a:t>http://manitu.net</a:t>
-            </a:r>
-            <a:r>
-              <a:rPr lang="en-US" dirty="0"/>
-              <a:t> </a:t>
-            </a:r>
           </a:p>
         </p:txBody>
       </p:sp>
     </p:spTree>
     <p:extLst>
       <p:ext uri="{BB962C8B-B14F-4D97-AF65-F5344CB8AC3E}">
-        <p14:creationId xmlns:p14="http://schemas.microsoft.com/office/powerpoint/2010/main" val="1695567873"/>
+        <p14:creationId xmlns:p14="http://schemas.microsoft.com/office/powerpoint/2010/main" val="432145148"/>
       </p:ext>
     </p:extLst>
   </p:cSld>
@@ -3940,12 +4341,14 @@
         </p:nvSpPr>
         <p:spPr/>
         <p:txBody>
-          <a:bodyPr/>
+          <a:bodyPr>
+            <a:normAutofit/>
+          </a:bodyPr>
           <a:lstStyle/>
           <a:p>
             <a:r>
               <a:rPr lang="en-US" b="1" dirty="0"/>
-              <a:t>Require strong Passwords</a:t>
+              <a:t>Accept only well formatted messages</a:t>
             </a:r>
           </a:p>
         </p:txBody>
@@ -3962,18 +4365,14 @@
         </p:nvSpPr>
         <p:spPr/>
         <p:txBody>
-          <a:bodyPr/>
-          <a:lstStyle/>
-          <a:p>
-            <a:r>
-              <a:rPr lang="en-US" dirty="0"/>
-              <a:t>Advise users to use strong passwords or passphrases for their email</a:t>
-            </a:r>
-          </a:p>
-          <a:p>
-            <a:r>
-              <a:rPr lang="en-US" dirty="0"/>
-              <a:t>Alphanumeric passwords are better than normal passwords </a:t>
+          <a:bodyPr>
+            <a:normAutofit/>
+          </a:bodyPr>
+          <a:lstStyle/>
+          <a:p>
+            <a:r>
+              <a:rPr lang="en-US" dirty="0"/>
+              <a:t>Sender must be a valid name not an IP </a:t>
             </a:r>
             <a:r>
               <a:rPr lang="en-US" dirty="0" err="1"/>
@@ -3981,21 +4380,87 @@
             </a:r>
             <a:r>
               <a:rPr lang="en-US" dirty="0"/>
-              <a:t> combine letters with numbers</a:t>
-            </a:r>
-          </a:p>
-          <a:p>
-            <a:r>
-              <a:rPr lang="en-US" dirty="0"/>
-              <a:t>Passphrases are even better, more difficult to break </a:t>
-            </a:r>
+              <a:t> not </a:t>
+            </a:r>
+            <a:r>
+              <a:rPr lang="en-US" dirty="0">
+                <a:hlinkClick r:id="rId2"/>
+              </a:rPr>
+              <a:t>user@192.14.5.6</a:t>
+            </a:r>
+            <a:r>
+              <a:rPr lang="en-US" dirty="0"/>
+              <a:t> </a:t>
+            </a:r>
+          </a:p>
+          <a:p>
+            <a:r>
+              <a:rPr lang="en-US" dirty="0"/>
+              <a:t>Mail server HELO name must be resolvable </a:t>
+            </a:r>
+            <a:r>
+              <a:rPr lang="en-US" dirty="0" err="1"/>
+              <a:t>ie</a:t>
+            </a:r>
+            <a:r>
+              <a:rPr lang="en-US" dirty="0"/>
+              <a:t> FQDN</a:t>
+            </a:r>
+          </a:p>
+          <a:p>
+            <a:r>
+              <a:rPr lang="en-US" dirty="0"/>
+              <a:t>Server identification must resolve </a:t>
+            </a:r>
+            <a:r>
+              <a:rPr lang="en-US" dirty="0" err="1"/>
+              <a:t>ie</a:t>
+            </a:r>
+            <a:r>
+              <a:rPr lang="en-US" dirty="0"/>
+              <a:t> HELO/EHLO name must be </a:t>
+            </a:r>
+            <a:r>
+              <a:rPr lang="en-US" dirty="0" err="1"/>
+              <a:t>resolveable</a:t>
+            </a:r>
+            <a:endParaRPr lang="en-US" dirty="0"/>
+          </a:p>
+          <a:p>
+            <a:r>
+              <a:rPr lang="en-US" dirty="0"/>
+              <a:t>Email should be from a valid email address format </a:t>
+            </a:r>
+            <a:r>
+              <a:rPr lang="en-US" dirty="0" err="1"/>
+              <a:t>eg</a:t>
+            </a:r>
+            <a:r>
+              <a:rPr lang="en-US" dirty="0"/>
+              <a:t>: from </a:t>
+            </a:r>
+            <a:r>
+              <a:rPr lang="en-US" dirty="0">
+                <a:hlinkClick r:id="rId3"/>
+              </a:rPr>
+              <a:t>tom@example.com</a:t>
+            </a:r>
+            <a:r>
+              <a:rPr lang="en-US" dirty="0"/>
+              <a:t> and not from </a:t>
+            </a:r>
+            <a:r>
+              <a:rPr lang="en-US" dirty="0" err="1"/>
+              <a:t>tom@example</a:t>
+            </a:r>
+            <a:endParaRPr lang="en-US" dirty="0"/>
           </a:p>
         </p:txBody>
       </p:sp>
     </p:spTree>
     <p:extLst>
       <p:ext uri="{BB962C8B-B14F-4D97-AF65-F5344CB8AC3E}">
-        <p14:creationId xmlns:p14="http://schemas.microsoft.com/office/powerpoint/2010/main" val="301245821"/>
+        <p14:creationId xmlns:p14="http://schemas.microsoft.com/office/powerpoint/2010/main" val="273808282"/>
       </p:ext>
     </p:extLst>
   </p:cSld>
@@ -4039,7 +4504,7 @@
           <a:p>
             <a:r>
               <a:rPr lang="en-US" b="1" dirty="0"/>
-              <a:t>Backup and Redundancy</a:t>
+              <a:t>Security</a:t>
             </a:r>
           </a:p>
         </p:txBody>
@@ -4063,53 +4528,69 @@
           <a:p>
             <a:r>
               <a:rPr lang="en-US" dirty="0"/>
-              <a:t>Have multiple MX records so that your server is not the only one able to receive mail for you</a:t>
-            </a:r>
-          </a:p>
-          <a:p>
-            <a:r>
-              <a:rPr lang="en-US" dirty="0"/>
-              <a:t>Backup your mail, use tools like </a:t>
-            </a:r>
-            <a:r>
-              <a:rPr lang="en-US" dirty="0" err="1"/>
-              <a:t>Rsync</a:t>
-            </a:r>
-            <a:r>
-              <a:rPr lang="en-US" dirty="0"/>
-              <a:t> to copy mail to another server as often as you can</a:t>
-            </a:r>
-          </a:p>
-          <a:p>
-            <a:r>
-              <a:rPr lang="en-US" dirty="0"/>
-              <a:t>Ensure your DNS records (MX, NS etc ) are correct and test them when you complete you setup</a:t>
-            </a:r>
-          </a:p>
-          <a:p>
-            <a:r>
-              <a:rPr lang="en-US" dirty="0"/>
-              <a:t>Use online tests like</a:t>
+              <a:t>Run secure pages from the mail server and secure SMTP to clients</a:t>
             </a:r>
           </a:p>
           <a:p>
             <a:pPr lvl="1"/>
             <a:r>
               <a:rPr lang="en-US" dirty="0"/>
-              <a:t>http://</a:t>
-            </a:r>
-            <a:r>
-              <a:rPr lang="en-US" dirty="0" err="1"/>
-              <a:t>intodns.net</a:t>
-            </a:r>
-            <a:endParaRPr lang="en-US" dirty="0"/>
+              <a:t>Secure Webmail – port 443</a:t>
+            </a:r>
+          </a:p>
+          <a:p>
+            <a:pPr lvl="1"/>
+            <a:r>
+              <a:rPr lang="en-US" dirty="0"/>
+              <a:t>Secure SMTP – port 465/587</a:t>
+            </a:r>
+          </a:p>
+          <a:p>
+            <a:r>
+              <a:rPr lang="en-US" dirty="0"/>
+              <a:t>Force clients to use secure IMAP or Secure POP</a:t>
+            </a:r>
+          </a:p>
+          <a:p>
+            <a:pPr lvl="1"/>
+            <a:r>
+              <a:rPr lang="en-US" dirty="0"/>
+              <a:t>Secure POP – port 995</a:t>
+            </a:r>
+          </a:p>
+          <a:p>
+            <a:pPr lvl="1"/>
+            <a:r>
+              <a:rPr lang="en-US" dirty="0"/>
+              <a:t>Secure IMAP – port 993</a:t>
+            </a:r>
+          </a:p>
+          <a:p>
+            <a:r>
+              <a:rPr lang="en-US" dirty="0"/>
+              <a:t>Require authentication on your mail server before a mail enters the queue from a sending client aka SMTP AUTH</a:t>
+            </a:r>
+          </a:p>
+          <a:p>
+            <a:r>
+              <a:rPr lang="en-US" dirty="0"/>
+              <a:t>Lock down your box and block </a:t>
+            </a:r>
+            <a:r>
+              <a:rPr lang="en-US"/>
+              <a:t>all unnecessary </a:t>
+            </a:r>
+            <a:r>
+              <a:rPr lang="en-US" dirty="0"/>
+              <a:t>ports </a:t>
+            </a:r>
           </a:p>
         </p:txBody>
       </p:sp>
     </p:spTree>
     <p:extLst>
       <p:ext uri="{BB962C8B-B14F-4D97-AF65-F5344CB8AC3E}">
-        <p14:creationId xmlns:p14="http://schemas.microsoft.com/office/powerpoint/2010/main" val="1419557568"/>
+        <p14:creationId xmlns:p14="http://schemas.microsoft.com/office/powerpoint/2010/main" val="1985823700"/>
       </p:ext>
     </p:extLst>
   </p:cSld>
@@ -4153,7 +4634,7 @@
           <a:p>
             <a:r>
               <a:rPr lang="en-US" b="1" dirty="0"/>
-              <a:t>The question of Ethics</a:t>
+              <a:t>Use Blacklist databases</a:t>
             </a:r>
           </a:p>
         </p:txBody>
@@ -4170,53 +4651,104 @@
         </p:nvSpPr>
         <p:spPr/>
         <p:txBody>
-          <a:bodyPr>
-            <a:normAutofit/>
-          </a:bodyPr>
-          <a:lstStyle/>
-          <a:p>
-            <a:r>
-              <a:rPr lang="en-US" dirty="0"/>
-              <a:t>As an email administrator, its easy to view other people’s email at any time with admin rights</a:t>
-            </a:r>
-          </a:p>
-          <a:p>
-            <a:r>
-              <a:rPr lang="en-US" dirty="0"/>
-              <a:t>Emails are intended by the sender for the recipient(s) and many senders are oblivious to the fact that their email can be intercepted along the way</a:t>
+          <a:bodyPr/>
+          <a:lstStyle/>
+          <a:p>
+            <a:r>
+              <a:rPr lang="en-US" dirty="0"/>
+              <a:t>Use DNSBL – DNS Based </a:t>
+            </a:r>
+            <a:r>
+              <a:rPr lang="en-US" dirty="0" err="1"/>
+              <a:t>Blackhole</a:t>
+            </a:r>
+            <a:r>
+              <a:rPr lang="en-US" dirty="0"/>
+              <a:t> Lists or RBL (Real Time </a:t>
+            </a:r>
+            <a:r>
+              <a:rPr lang="en-US" dirty="0" err="1"/>
+              <a:t>Blackhole</a:t>
+            </a:r>
+            <a:r>
+              <a:rPr lang="en-US" dirty="0"/>
+              <a:t> lists) to deny mail from well known spamming machines</a:t>
+            </a:r>
+          </a:p>
+          <a:p>
+            <a:r>
+              <a:rPr lang="en-US" dirty="0"/>
+              <a:t>Some well known good ones are</a:t>
             </a:r>
           </a:p>
           <a:p>
             <a:pPr lvl="1"/>
             <a:r>
               <a:rPr lang="en-US" dirty="0"/>
-              <a:t>Hence the need for encryption  </a:t>
+              <a:t>SORBS – </a:t>
             </a:r>
             <a:r>
               <a:rPr lang="en-US" dirty="0">
-                <a:sym typeface="Wingdings"/>
+                <a:hlinkClick r:id="rId2"/>
               </a:rPr>
-              <a:t> </a:t>
-            </a:r>
-          </a:p>
-          <a:p>
+              <a:t>http://sorbs.net</a:t>
+            </a:r>
+            <a:endParaRPr lang="en-US" dirty="0"/>
+          </a:p>
+          <a:p>
+            <a:pPr lvl="1"/>
+            <a:r>
+              <a:rPr lang="en-US" dirty="0"/>
+              <a:t>SPAMHAUS – </a:t>
+            </a:r>
             <a:r>
               <a:rPr lang="en-US" dirty="0">
-                <a:sym typeface="Wingdings"/>
+                <a:hlinkClick r:id="rId3"/>
               </a:rPr>
-              <a:t>As an email administrator, you should be be professional and maintain ethics and etiquette  </a:t>
+              <a:t>http://spamhaus.org</a:t>
             </a:r>
             <a:endParaRPr lang="en-US" dirty="0"/>
           </a:p>
           <a:p>
-            <a:endParaRPr lang="en-US" dirty="0"/>
+            <a:pPr lvl="1"/>
+            <a:r>
+              <a:rPr lang="en-US" dirty="0"/>
+              <a:t>SPAMCOP – </a:t>
+            </a:r>
+            <a:r>
+              <a:rPr lang="en-US" dirty="0">
+                <a:hlinkClick r:id="rId4"/>
+              </a:rPr>
+              <a:t>http://spamcop.net</a:t>
+            </a:r>
+            <a:r>
+              <a:rPr lang="en-US" dirty="0"/>
+              <a:t> </a:t>
+            </a:r>
+          </a:p>
+          <a:p>
+            <a:pPr lvl="1"/>
+            <a:r>
+              <a:rPr lang="en-US" dirty="0"/>
+              <a:t>MANITU – </a:t>
+            </a:r>
+            <a:r>
+              <a:rPr lang="en-US" dirty="0">
+                <a:hlinkClick r:id="rId5"/>
+              </a:rPr>
+              <a:t>http://manitu.net</a:t>
+            </a:r>
+            <a:r>
+              <a:rPr lang="en-US" dirty="0"/>
+              <a:t> </a:t>
+            </a:r>
           </a:p>
         </p:txBody>
       </p:sp>
     </p:spTree>
     <p:extLst>
       <p:ext uri="{BB962C8B-B14F-4D97-AF65-F5344CB8AC3E}">
-        <p14:creationId xmlns:p14="http://schemas.microsoft.com/office/powerpoint/2010/main" val="2108210853"/>
+        <p14:creationId xmlns:p14="http://schemas.microsoft.com/office/powerpoint/2010/main" val="1695567873"/>
       </p:ext>
     </p:extLst>
   </p:cSld>
@@ -4260,7 +4792,7 @@
           <a:p>
             <a:r>
               <a:rPr lang="en-US" b="1" dirty="0"/>
-              <a:t>References</a:t>
+              <a:t>Require strong Passwords</a:t>
             </a:r>
           </a:p>
         </p:txBody>
@@ -4277,155 +4809,40 @@
         </p:nvSpPr>
         <p:spPr/>
         <p:txBody>
-          <a:bodyPr>
-            <a:normAutofit lnSpcReduction="10000"/>
-          </a:bodyPr>
-          <a:lstStyle/>
-          <a:p>
-            <a:r>
-              <a:rPr lang="en-US" dirty="0"/>
-              <a:t>Wikipedia</a:t>
-            </a:r>
-          </a:p>
-          <a:p>
-            <a:r>
-              <a:rPr lang="en-US" dirty="0">
-                <a:hlinkClick r:id="rId2"/>
-              </a:rPr>
-              <a:t>http://www.linuxmagic.com/best_practices</a:t>
-            </a:r>
-            <a:endParaRPr lang="en-US" dirty="0"/>
-          </a:p>
-          <a:p>
-            <a:r>
-              <a:rPr lang="en-US" dirty="0"/>
-              <a:t> Further reading:</a:t>
-            </a:r>
-          </a:p>
-          <a:p>
-            <a:pPr lvl="1"/>
-            <a:r>
-              <a:rPr lang="en-US" dirty="0"/>
-              <a:t>DMARC: </a:t>
-            </a:r>
-            <a:r>
-              <a:rPr lang="en-US" dirty="0">
-                <a:hlinkClick r:id="rId3"/>
-              </a:rPr>
-              <a:t>https://dmarc.org/</a:t>
-            </a:r>
-            <a:r>
-              <a:rPr lang="en-US" dirty="0"/>
-              <a:t> </a:t>
-            </a:r>
-          </a:p>
-          <a:p>
-            <a:pPr lvl="2"/>
-            <a:r>
-              <a:rPr lang="en-US" dirty="0">
-                <a:hlinkClick r:id="rId4"/>
-              </a:rPr>
-              <a:t>https://en.wikipedia.org/wiki/DMARC</a:t>
-            </a:r>
-            <a:r>
-              <a:rPr lang="en-US" dirty="0"/>
-              <a:t> </a:t>
-            </a:r>
-          </a:p>
-          <a:p>
-            <a:pPr lvl="1"/>
+          <a:bodyPr/>
+          <a:lstStyle/>
+          <a:p>
+            <a:r>
+              <a:rPr lang="en-US" dirty="0"/>
+              <a:t>Advise users to use strong passwords or passphrases for their email</a:t>
+            </a:r>
+          </a:p>
+          <a:p>
+            <a:r>
+              <a:rPr lang="en-US" dirty="0"/>
+              <a:t>Alphanumeric passwords are better than normal passwords </a:t>
+            </a:r>
             <a:r>
               <a:rPr lang="en-US" dirty="0" err="1"/>
-              <a:t>SpamAssassin</a:t>
-            </a:r>
-            <a:r>
-              <a:rPr lang="en-US" dirty="0"/>
-              <a:t> - </a:t>
-            </a:r>
-            <a:r>
-              <a:rPr lang="en-US" dirty="0">
-                <a:hlinkClick r:id="rId5"/>
-              </a:rPr>
-              <a:t>http://spamassassin.apache.org/</a:t>
-            </a:r>
-            <a:r>
-              <a:rPr lang="en-US" dirty="0"/>
-              <a:t> </a:t>
-            </a:r>
-          </a:p>
-          <a:p>
-            <a:pPr lvl="1"/>
-            <a:r>
-              <a:rPr lang="en-US" dirty="0" err="1"/>
-              <a:t>ClamAV</a:t>
-            </a:r>
-            <a:r>
-              <a:rPr lang="en-US" dirty="0"/>
-              <a:t> - </a:t>
-            </a:r>
-            <a:r>
-              <a:rPr lang="en-US" dirty="0">
-                <a:hlinkClick r:id="rId6"/>
-              </a:rPr>
-              <a:t>https://www.clamav.net/</a:t>
-            </a:r>
-            <a:r>
-              <a:rPr lang="en-US" dirty="0"/>
-              <a:t> </a:t>
-            </a:r>
-          </a:p>
-          <a:p>
-            <a:pPr lvl="1"/>
-            <a:r>
-              <a:rPr lang="en-US" dirty="0" err="1"/>
-              <a:t>AmavisD</a:t>
-            </a:r>
-            <a:r>
-              <a:rPr lang="en-US" dirty="0"/>
-              <a:t> - </a:t>
-            </a:r>
-            <a:r>
-              <a:rPr lang="en-US" dirty="0">
-                <a:hlinkClick r:id="rId7"/>
-              </a:rPr>
-              <a:t>https://www.ijs.si/software/amavisd/</a:t>
-            </a:r>
-            <a:endParaRPr lang="en-US" dirty="0"/>
-          </a:p>
-          <a:p>
-            <a:pPr lvl="1"/>
-            <a:r>
-              <a:rPr lang="en-US" dirty="0">
-                <a:hlinkClick r:id="rId8"/>
-              </a:rPr>
-              <a:t>https://protodave.com/security/checking-your-dkim-dns-record/</a:t>
-            </a:r>
-            <a:endParaRPr lang="en-US" dirty="0"/>
-          </a:p>
-          <a:p>
-            <a:pPr lvl="1"/>
-            <a:r>
-              <a:rPr lang="en-US" dirty="0"/>
-              <a:t>DANE: </a:t>
-            </a:r>
-            <a:r>
-              <a:rPr lang="en-US" dirty="0">
-                <a:hlinkClick r:id="rId9"/>
-              </a:rPr>
-              <a:t>https://en.wikipedia.org/wiki/DNS-based_Authentication_of_Named_Entities</a:t>
-            </a:r>
-            <a:r>
-              <a:rPr lang="en-US"/>
-              <a:t>   </a:t>
-            </a:r>
-            <a:endParaRPr lang="en-US" dirty="0"/>
+              <a:t>ie</a:t>
+            </a:r>
+            <a:r>
+              <a:rPr lang="en-US" dirty="0"/>
+              <a:t> combine letters with numbers</a:t>
+            </a:r>
+          </a:p>
+          <a:p>
+            <a:r>
+              <a:rPr lang="en-US" dirty="0"/>
+              <a:t>Passphrases are even better, more difficult to break </a:t>
+            </a:r>
           </a:p>
         </p:txBody>
       </p:sp>
     </p:spTree>
     <p:extLst>
       <p:ext uri="{BB962C8B-B14F-4D97-AF65-F5344CB8AC3E}">
-        <p14:creationId xmlns:p14="http://schemas.microsoft.com/office/powerpoint/2010/main" val="1367114518"/>
+        <p14:creationId xmlns:p14="http://schemas.microsoft.com/office/powerpoint/2010/main" val="301245821"/>
       </p:ext>
     </p:extLst>
   </p:cSld>
@@ -4539,6 +4956,436 @@
     <p:extLst>
       <p:ext uri="{BB962C8B-B14F-4D97-AF65-F5344CB8AC3E}">
         <p14:creationId xmlns:p14="http://schemas.microsoft.com/office/powerpoint/2010/main" val="1359036343"/>
+      </p:ext>
+    </p:extLst>
+  </p:cSld>
+  <p:clrMapOvr>
+    <a:masterClrMapping/>
+  </p:clrMapOvr>
+</p:sld>
+</file>
+
+<file path=ppt/slides/slide20.xml><?xml version="1.0" encoding="utf-8"?>
+<p:sld xmlns:a="http://schemas.openxmlformats.org/drawingml/2006/main" xmlns:r="http://schemas.openxmlformats.org/officeDocument/2006/relationships" xmlns:p="http://schemas.openxmlformats.org/presentationml/2006/main">
+  <p:cSld>
+    <p:spTree>
+      <p:nvGrpSpPr>
+        <p:cNvPr id="1" name=""/>
+        <p:cNvGrpSpPr/>
+        <p:nvPr/>
+      </p:nvGrpSpPr>
+      <p:grpSpPr>
+        <a:xfrm>
+          <a:off x="0" y="0"/>
+          <a:ext cx="0" cy="0"/>
+          <a:chOff x="0" y="0"/>
+          <a:chExt cx="0" cy="0"/>
+        </a:xfrm>
+      </p:grpSpPr>
+      <p:sp>
+        <p:nvSpPr>
+          <p:cNvPr id="2" name="Title 1"/>
+          <p:cNvSpPr>
+            <a:spLocks noGrp="1"/>
+          </p:cNvSpPr>
+          <p:nvPr>
+            <p:ph type="title"/>
+          </p:nvPr>
+        </p:nvSpPr>
+        <p:spPr/>
+        <p:txBody>
+          <a:bodyPr/>
+          <a:lstStyle/>
+          <a:p>
+            <a:r>
+              <a:rPr lang="en-US" b="1" dirty="0"/>
+              <a:t>Backup and Redundancy</a:t>
+            </a:r>
+          </a:p>
+        </p:txBody>
+      </p:sp>
+      <p:sp>
+        <p:nvSpPr>
+          <p:cNvPr id="3" name="Content Placeholder 2"/>
+          <p:cNvSpPr>
+            <a:spLocks noGrp="1"/>
+          </p:cNvSpPr>
+          <p:nvPr>
+            <p:ph idx="1"/>
+          </p:nvPr>
+        </p:nvSpPr>
+        <p:spPr/>
+        <p:txBody>
+          <a:bodyPr>
+            <a:normAutofit/>
+          </a:bodyPr>
+          <a:lstStyle/>
+          <a:p>
+            <a:r>
+              <a:rPr lang="en-US" dirty="0"/>
+              <a:t>Have multiple MX records so that your server is not the only one able to receive mail for you</a:t>
+            </a:r>
+          </a:p>
+          <a:p>
+            <a:r>
+              <a:rPr lang="en-US" dirty="0"/>
+              <a:t>Backup your mail, use tools like </a:t>
+            </a:r>
+            <a:r>
+              <a:rPr lang="en-US" dirty="0" err="1"/>
+              <a:t>Rsync</a:t>
+            </a:r>
+            <a:r>
+              <a:rPr lang="en-US" dirty="0"/>
+              <a:t> to copy mail to another server as often as you can</a:t>
+            </a:r>
+          </a:p>
+          <a:p>
+            <a:r>
+              <a:rPr lang="en-US" dirty="0"/>
+              <a:t>Ensure your DNS records (MX, NS etc ) are correct and test them when you complete you setup</a:t>
+            </a:r>
+          </a:p>
+          <a:p>
+            <a:r>
+              <a:rPr lang="en-US" dirty="0"/>
+              <a:t>Use online tests like</a:t>
+            </a:r>
+          </a:p>
+          <a:p>
+            <a:pPr lvl="1"/>
+            <a:r>
+              <a:rPr lang="en-US" dirty="0"/>
+              <a:t>http://</a:t>
+            </a:r>
+            <a:r>
+              <a:rPr lang="en-US" dirty="0" err="1"/>
+              <a:t>intodns.net</a:t>
+            </a:r>
+            <a:endParaRPr lang="en-US" dirty="0"/>
+          </a:p>
+        </p:txBody>
+      </p:sp>
+    </p:spTree>
+    <p:extLst>
+      <p:ext uri="{BB962C8B-B14F-4D97-AF65-F5344CB8AC3E}">
+        <p14:creationId xmlns:p14="http://schemas.microsoft.com/office/powerpoint/2010/main" val="1419557568"/>
+      </p:ext>
+    </p:extLst>
+  </p:cSld>
+  <p:clrMapOvr>
+    <a:masterClrMapping/>
+  </p:clrMapOvr>
+</p:sld>
+</file>
+
+<file path=ppt/slides/slide21.xml><?xml version="1.0" encoding="utf-8"?>
+<p:sld xmlns:a="http://schemas.openxmlformats.org/drawingml/2006/main" xmlns:r="http://schemas.openxmlformats.org/officeDocument/2006/relationships" xmlns:p="http://schemas.openxmlformats.org/presentationml/2006/main">
+  <p:cSld>
+    <p:spTree>
+      <p:nvGrpSpPr>
+        <p:cNvPr id="1" name=""/>
+        <p:cNvGrpSpPr/>
+        <p:nvPr/>
+      </p:nvGrpSpPr>
+      <p:grpSpPr>
+        <a:xfrm>
+          <a:off x="0" y="0"/>
+          <a:ext cx="0" cy="0"/>
+          <a:chOff x="0" y="0"/>
+          <a:chExt cx="0" cy="0"/>
+        </a:xfrm>
+      </p:grpSpPr>
+      <p:sp>
+        <p:nvSpPr>
+          <p:cNvPr id="2" name="Title 1"/>
+          <p:cNvSpPr>
+            <a:spLocks noGrp="1"/>
+          </p:cNvSpPr>
+          <p:nvPr>
+            <p:ph type="title"/>
+          </p:nvPr>
+        </p:nvSpPr>
+        <p:spPr/>
+        <p:txBody>
+          <a:bodyPr/>
+          <a:lstStyle/>
+          <a:p>
+            <a:r>
+              <a:rPr lang="en-US" b="1" dirty="0"/>
+              <a:t>The question of Ethics</a:t>
+            </a:r>
+          </a:p>
+        </p:txBody>
+      </p:sp>
+      <p:sp>
+        <p:nvSpPr>
+          <p:cNvPr id="3" name="Content Placeholder 2"/>
+          <p:cNvSpPr>
+            <a:spLocks noGrp="1"/>
+          </p:cNvSpPr>
+          <p:nvPr>
+            <p:ph idx="1"/>
+          </p:nvPr>
+        </p:nvSpPr>
+        <p:spPr/>
+        <p:txBody>
+          <a:bodyPr>
+            <a:normAutofit/>
+          </a:bodyPr>
+          <a:lstStyle/>
+          <a:p>
+            <a:r>
+              <a:rPr lang="en-US" dirty="0"/>
+              <a:t>As an email administrator, its easy to view other people’s email at any time with admin rights</a:t>
+            </a:r>
+          </a:p>
+          <a:p>
+            <a:r>
+              <a:rPr lang="en-US" dirty="0"/>
+              <a:t>Emails are intended by the sender for the recipient(s) and many senders are oblivious to the fact that their email can be intercepted along the way</a:t>
+            </a:r>
+          </a:p>
+          <a:p>
+            <a:pPr lvl="1"/>
+            <a:r>
+              <a:rPr lang="en-US" dirty="0"/>
+              <a:t>Hence the need for encryption  </a:t>
+            </a:r>
+            <a:r>
+              <a:rPr lang="en-US" dirty="0">
+                <a:sym typeface="Wingdings"/>
+              </a:rPr>
+              <a:t> </a:t>
+            </a:r>
+          </a:p>
+          <a:p>
+            <a:r>
+              <a:rPr lang="en-US" dirty="0">
+                <a:sym typeface="Wingdings"/>
+              </a:rPr>
+              <a:t>As an email administrator, you should be be professional and maintain ethics and etiquette  </a:t>
+            </a:r>
+            <a:endParaRPr lang="en-US" dirty="0"/>
+          </a:p>
+          <a:p>
+            <a:endParaRPr lang="en-US" dirty="0"/>
+          </a:p>
+        </p:txBody>
+      </p:sp>
+    </p:spTree>
+    <p:extLst>
+      <p:ext uri="{BB962C8B-B14F-4D97-AF65-F5344CB8AC3E}">
+        <p14:creationId xmlns:p14="http://schemas.microsoft.com/office/powerpoint/2010/main" val="2108210853"/>
+      </p:ext>
+    </p:extLst>
+  </p:cSld>
+  <p:clrMapOvr>
+    <a:masterClrMapping/>
+  </p:clrMapOvr>
+</p:sld>
+</file>
+
+<file path=ppt/slides/slide22.xml><?xml version="1.0" encoding="utf-8"?>
+<p:sld xmlns:a="http://schemas.openxmlformats.org/drawingml/2006/main" xmlns:r="http://schemas.openxmlformats.org/officeDocument/2006/relationships" xmlns:p="http://schemas.openxmlformats.org/presentationml/2006/main">
+  <p:cSld>
+    <p:spTree>
+      <p:nvGrpSpPr>
+        <p:cNvPr id="1" name=""/>
+        <p:cNvGrpSpPr/>
+        <p:nvPr/>
+      </p:nvGrpSpPr>
+      <p:grpSpPr>
+        <a:xfrm>
+          <a:off x="0" y="0"/>
+          <a:ext cx="0" cy="0"/>
+          <a:chOff x="0" y="0"/>
+          <a:chExt cx="0" cy="0"/>
+        </a:xfrm>
+      </p:grpSpPr>
+      <p:sp>
+        <p:nvSpPr>
+          <p:cNvPr id="2" name="Title 1"/>
+          <p:cNvSpPr>
+            <a:spLocks noGrp="1"/>
+          </p:cNvSpPr>
+          <p:nvPr>
+            <p:ph type="title"/>
+          </p:nvPr>
+        </p:nvSpPr>
+        <p:spPr/>
+        <p:txBody>
+          <a:bodyPr/>
+          <a:lstStyle/>
+          <a:p>
+            <a:r>
+              <a:rPr lang="en-US" b="1" dirty="0"/>
+              <a:t>References</a:t>
+            </a:r>
+          </a:p>
+        </p:txBody>
+      </p:sp>
+      <p:sp>
+        <p:nvSpPr>
+          <p:cNvPr id="3" name="Content Placeholder 2"/>
+          <p:cNvSpPr>
+            <a:spLocks noGrp="1"/>
+          </p:cNvSpPr>
+          <p:nvPr>
+            <p:ph idx="1"/>
+          </p:nvPr>
+        </p:nvSpPr>
+        <p:spPr/>
+        <p:txBody>
+          <a:bodyPr>
+            <a:normAutofit lnSpcReduction="10000"/>
+          </a:bodyPr>
+          <a:lstStyle/>
+          <a:p>
+            <a:r>
+              <a:rPr lang="en-US" dirty="0"/>
+              <a:t>Wikipedia</a:t>
+            </a:r>
+          </a:p>
+          <a:p>
+            <a:r>
+              <a:rPr lang="en-US" dirty="0">
+                <a:hlinkClick r:id="rId2"/>
+              </a:rPr>
+              <a:t>http://www.linuxmagic.com/best_practices</a:t>
+            </a:r>
+            <a:endParaRPr lang="en-US" dirty="0"/>
+          </a:p>
+          <a:p>
+            <a:r>
+              <a:rPr lang="en-US" dirty="0"/>
+              <a:t> Further reading:</a:t>
+            </a:r>
+          </a:p>
+          <a:p>
+            <a:pPr lvl="1"/>
+            <a:r>
+              <a:rPr lang="en-US" dirty="0"/>
+              <a:t>DMARC: </a:t>
+            </a:r>
+            <a:r>
+              <a:rPr lang="en-US" dirty="0">
+                <a:hlinkClick r:id="rId3"/>
+              </a:rPr>
+              <a:t>https://dmarc.org/</a:t>
+            </a:r>
+            <a:r>
+              <a:rPr lang="en-US" dirty="0"/>
+              <a:t> </a:t>
+            </a:r>
+          </a:p>
+          <a:p>
+            <a:pPr lvl="2"/>
+            <a:r>
+              <a:rPr lang="en-US" dirty="0">
+                <a:hlinkClick r:id="rId4"/>
+              </a:rPr>
+              <a:t>https://en.wikipedia.org/wiki/DMARC</a:t>
+            </a:r>
+            <a:r>
+              <a:rPr lang="en-US" dirty="0"/>
+              <a:t> </a:t>
+            </a:r>
+          </a:p>
+          <a:p>
+            <a:pPr lvl="1"/>
+            <a:r>
+              <a:rPr lang="en-US" dirty="0" err="1"/>
+              <a:t>SpamAssassin</a:t>
+            </a:r>
+            <a:r>
+              <a:rPr lang="en-US" dirty="0"/>
+              <a:t> - </a:t>
+            </a:r>
+            <a:r>
+              <a:rPr lang="en-US" dirty="0">
+                <a:hlinkClick r:id="rId5"/>
+              </a:rPr>
+              <a:t>http://spamassassin.apache.org/</a:t>
+            </a:r>
+            <a:r>
+              <a:rPr lang="en-US" dirty="0"/>
+              <a:t> </a:t>
+            </a:r>
+          </a:p>
+          <a:p>
+            <a:pPr lvl="1"/>
+            <a:r>
+              <a:rPr lang="en-US" dirty="0" err="1"/>
+              <a:t>ClamAV</a:t>
+            </a:r>
+            <a:r>
+              <a:rPr lang="en-US" dirty="0"/>
+              <a:t> - </a:t>
+            </a:r>
+            <a:r>
+              <a:rPr lang="en-US" dirty="0">
+                <a:hlinkClick r:id="rId6"/>
+              </a:rPr>
+              <a:t>https://www.clamav.net/</a:t>
+            </a:r>
+            <a:r>
+              <a:rPr lang="en-US" dirty="0"/>
+              <a:t> </a:t>
+            </a:r>
+          </a:p>
+          <a:p>
+            <a:pPr lvl="1"/>
+            <a:r>
+              <a:rPr lang="en-US" dirty="0" err="1"/>
+              <a:t>AmavisD</a:t>
+            </a:r>
+            <a:r>
+              <a:rPr lang="en-US" dirty="0"/>
+              <a:t> - </a:t>
+            </a:r>
+            <a:r>
+              <a:rPr lang="en-US" dirty="0">
+                <a:hlinkClick r:id="rId7"/>
+              </a:rPr>
+              <a:t>https://www.ijs.si/software/amavisd/</a:t>
+            </a:r>
+            <a:endParaRPr lang="en-US" dirty="0"/>
+          </a:p>
+          <a:p>
+            <a:pPr lvl="1"/>
+            <a:r>
+              <a:rPr lang="en-US" dirty="0">
+                <a:hlinkClick r:id="rId8"/>
+              </a:rPr>
+              <a:t>https://protodave.com/security/checking-your-dkim-dns-record/</a:t>
+            </a:r>
+            <a:endParaRPr lang="en-US" dirty="0"/>
+          </a:p>
+          <a:p>
+            <a:pPr lvl="1"/>
+            <a:r>
+              <a:rPr lang="en-US" dirty="0"/>
+              <a:t>DANE: </a:t>
+            </a:r>
+            <a:r>
+              <a:rPr lang="en-US" dirty="0">
+                <a:hlinkClick r:id="rId9"/>
+              </a:rPr>
+              <a:t>https://en.wikipedia.org/wiki/DNS-based_Authentication_of_Named_Entities</a:t>
+            </a:r>
+            <a:r>
+              <a:rPr lang="en-US"/>
+              <a:t>   </a:t>
+            </a:r>
+            <a:endParaRPr lang="en-US" dirty="0"/>
+          </a:p>
+        </p:txBody>
+      </p:sp>
+    </p:spTree>
+    <p:extLst>
+      <p:ext uri="{BB962C8B-B14F-4D97-AF65-F5344CB8AC3E}">
+        <p14:creationId xmlns:p14="http://schemas.microsoft.com/office/powerpoint/2010/main" val="1367114518"/>
       </p:ext>
     </p:extLst>
   </p:cSld>
@@ -5161,7 +6008,7 @@
         </p:blipFill>
         <p:spPr>
           <a:xfrm>
-            <a:off x="1810354" y="1692165"/>
+            <a:off x="1690432" y="1347391"/>
             <a:ext cx="8571292" cy="4620697"/>
           </a:xfrm>
           <a:prstGeom prst="rect">
@@ -5177,7 +6024,7 @@
         </p:nvSpPr>
         <p:spPr>
           <a:xfrm>
-            <a:off x="3815256" y="6474372"/>
+            <a:off x="3785276" y="6174569"/>
             <a:ext cx="3547311" cy="369332"/>
           </a:xfrm>
           <a:prstGeom prst="rect">
@@ -5558,7 +6405,7 @@
           <a:p>
             <a:r>
               <a:rPr lang="en-US" dirty="0"/>
-              <a:t>Using DANE therefore will ensure that the email sent to you was transmitted over TLS (encrypted) and so that much more difficult for a snoop to read your email</a:t>
+              <a:t>Using DANE therefore will ensure that the email sent to you was transmitted over TLS (encrypted) and so its much more difficult for an eaves dropper to read your email</a:t>
             </a:r>
           </a:p>
           <a:p>

--- a/postfix/emailbestpractices_old.pptx
+++ b/postfix/emailbestpractices_old.pptx
@@ -7,26 +7,27 @@
   <p:sldIdLst>
     <p:sldId id="257" r:id="rId2"/>
     <p:sldId id="258" r:id="rId3"/>
-    <p:sldId id="259" r:id="rId4"/>
-    <p:sldId id="260" r:id="rId5"/>
-    <p:sldId id="261" r:id="rId6"/>
-    <p:sldId id="262" r:id="rId7"/>
-    <p:sldId id="263" r:id="rId8"/>
-    <p:sldId id="264" r:id="rId9"/>
-    <p:sldId id="275" r:id="rId10"/>
-    <p:sldId id="265" r:id="rId11"/>
-    <p:sldId id="277" r:id="rId12"/>
-    <p:sldId id="276" r:id="rId13"/>
-    <p:sldId id="278" r:id="rId14"/>
-    <p:sldId id="266" r:id="rId15"/>
-    <p:sldId id="267" r:id="rId16"/>
-    <p:sldId id="268" r:id="rId17"/>
-    <p:sldId id="269" r:id="rId18"/>
-    <p:sldId id="270" r:id="rId19"/>
-    <p:sldId id="271" r:id="rId20"/>
-    <p:sldId id="272" r:id="rId21"/>
-    <p:sldId id="273" r:id="rId22"/>
-    <p:sldId id="274" r:id="rId23"/>
+    <p:sldId id="269" r:id="rId4"/>
+    <p:sldId id="279" r:id="rId5"/>
+    <p:sldId id="259" r:id="rId6"/>
+    <p:sldId id="260" r:id="rId7"/>
+    <p:sldId id="261" r:id="rId8"/>
+    <p:sldId id="262" r:id="rId9"/>
+    <p:sldId id="263" r:id="rId10"/>
+    <p:sldId id="264" r:id="rId11"/>
+    <p:sldId id="275" r:id="rId12"/>
+    <p:sldId id="265" r:id="rId13"/>
+    <p:sldId id="277" r:id="rId14"/>
+    <p:sldId id="276" r:id="rId15"/>
+    <p:sldId id="278" r:id="rId16"/>
+    <p:sldId id="266" r:id="rId17"/>
+    <p:sldId id="267" r:id="rId18"/>
+    <p:sldId id="268" r:id="rId19"/>
+    <p:sldId id="270" r:id="rId20"/>
+    <p:sldId id="271" r:id="rId21"/>
+    <p:sldId id="272" r:id="rId22"/>
+    <p:sldId id="273" r:id="rId23"/>
+    <p:sldId id="274" r:id="rId24"/>
   </p:sldIdLst>
   <p:sldSz cx="12192000" cy="6858000"/>
   <p:notesSz cx="6858000" cy="9144000"/>
@@ -262,7 +263,7 @@
           <a:p>
             <a:fld id="{0FCFF65A-1B82-EC42-8471-385BCA80589D}" type="datetimeFigureOut">
               <a:rPr lang="en-US" smtClean="0"/>
-              <a:t>6/12/19</a:t>
+              <a:t>6/13/19</a:t>
             </a:fld>
             <a:endParaRPr lang="en-US"/>
           </a:p>
@@ -430,7 +431,7 @@
           <a:p>
             <a:fld id="{0FCFF65A-1B82-EC42-8471-385BCA80589D}" type="datetimeFigureOut">
               <a:rPr lang="en-US" smtClean="0"/>
-              <a:t>6/12/19</a:t>
+              <a:t>6/13/19</a:t>
             </a:fld>
             <a:endParaRPr lang="en-US"/>
           </a:p>
@@ -608,7 +609,7 @@
           <a:p>
             <a:fld id="{0FCFF65A-1B82-EC42-8471-385BCA80589D}" type="datetimeFigureOut">
               <a:rPr lang="en-US" smtClean="0"/>
-              <a:t>6/12/19</a:t>
+              <a:t>6/13/19</a:t>
             </a:fld>
             <a:endParaRPr lang="en-US"/>
           </a:p>
@@ -776,7 +777,7 @@
           <a:p>
             <a:fld id="{0FCFF65A-1B82-EC42-8471-385BCA80589D}" type="datetimeFigureOut">
               <a:rPr lang="en-US" smtClean="0"/>
-              <a:t>6/12/19</a:t>
+              <a:t>6/13/19</a:t>
             </a:fld>
             <a:endParaRPr lang="en-US"/>
           </a:p>
@@ -1021,7 +1022,7 @@
           <a:p>
             <a:fld id="{0FCFF65A-1B82-EC42-8471-385BCA80589D}" type="datetimeFigureOut">
               <a:rPr lang="en-US" smtClean="0"/>
-              <a:t>6/12/19</a:t>
+              <a:t>6/13/19</a:t>
             </a:fld>
             <a:endParaRPr lang="en-US"/>
           </a:p>
@@ -1250,7 +1251,7 @@
           <a:p>
             <a:fld id="{0FCFF65A-1B82-EC42-8471-385BCA80589D}" type="datetimeFigureOut">
               <a:rPr lang="en-US" smtClean="0"/>
-              <a:t>6/12/19</a:t>
+              <a:t>6/13/19</a:t>
             </a:fld>
             <a:endParaRPr lang="en-US"/>
           </a:p>
@@ -1614,7 +1615,7 @@
           <a:p>
             <a:fld id="{0FCFF65A-1B82-EC42-8471-385BCA80589D}" type="datetimeFigureOut">
               <a:rPr lang="en-US" smtClean="0"/>
-              <a:t>6/12/19</a:t>
+              <a:t>6/13/19</a:t>
             </a:fld>
             <a:endParaRPr lang="en-US"/>
           </a:p>
@@ -1731,7 +1732,7 @@
           <a:p>
             <a:fld id="{0FCFF65A-1B82-EC42-8471-385BCA80589D}" type="datetimeFigureOut">
               <a:rPr lang="en-US" smtClean="0"/>
-              <a:t>6/12/19</a:t>
+              <a:t>6/13/19</a:t>
             </a:fld>
             <a:endParaRPr lang="en-US"/>
           </a:p>
@@ -1826,7 +1827,7 @@
           <a:p>
             <a:fld id="{0FCFF65A-1B82-EC42-8471-385BCA80589D}" type="datetimeFigureOut">
               <a:rPr lang="en-US" smtClean="0"/>
-              <a:t>6/12/19</a:t>
+              <a:t>6/13/19</a:t>
             </a:fld>
             <a:endParaRPr lang="en-US"/>
           </a:p>
@@ -2101,7 +2102,7 @@
           <a:p>
             <a:fld id="{0FCFF65A-1B82-EC42-8471-385BCA80589D}" type="datetimeFigureOut">
               <a:rPr lang="en-US" smtClean="0"/>
-              <a:t>6/12/19</a:t>
+              <a:t>6/13/19</a:t>
             </a:fld>
             <a:endParaRPr lang="en-US"/>
           </a:p>
@@ -2353,7 +2354,7 @@
           <a:p>
             <a:fld id="{0FCFF65A-1B82-EC42-8471-385BCA80589D}" type="datetimeFigureOut">
               <a:rPr lang="en-US" smtClean="0"/>
-              <a:t>6/12/19</a:t>
+              <a:t>6/13/19</a:t>
             </a:fld>
             <a:endParaRPr lang="en-US"/>
           </a:p>
@@ -2564,7 +2565,7 @@
           <a:p>
             <a:fld id="{0FCFF65A-1B82-EC42-8471-385BCA80589D}" type="datetimeFigureOut">
               <a:rPr lang="en-US" smtClean="0"/>
-              <a:t>6/12/19</a:t>
+              <a:t>6/13/19</a:t>
             </a:fld>
             <a:endParaRPr lang="en-US"/>
           </a:p>
@@ -3077,7 +3078,7 @@
           <a:p>
             <a:r>
               <a:rPr lang="en-US" b="1" dirty="0"/>
-              <a:t>Reverse Records</a:t>
+              <a:t>SPF, DKIM and DMARC</a:t>
             </a:r>
           </a:p>
         </p:txBody>
@@ -3101,87 +3102,190 @@
           <a:p>
             <a:r>
               <a:rPr lang="en-US" dirty="0"/>
-              <a:t>Have reverse records (PTR) for your mail server so that it is resolvable from the IP</a:t>
-            </a:r>
-          </a:p>
-          <a:p>
-            <a:r>
-              <a:rPr lang="en-US" dirty="0"/>
-              <a:t>Mandatory by most servers these days</a:t>
-            </a:r>
-          </a:p>
-          <a:p>
-            <a:r>
-              <a:rPr lang="en-US" dirty="0"/>
-              <a:t>Used to verify authenticity of the sending mail server</a:t>
-            </a:r>
-          </a:p>
-          <a:p>
-            <a:r>
-              <a:rPr lang="en-US" dirty="0"/>
-              <a:t>The IP Address must resolve back to the mail server name</a:t>
-            </a:r>
-          </a:p>
-          <a:p>
-            <a:r>
-              <a:rPr lang="en-US" dirty="0"/>
-              <a:t>You can have multiple reverse records</a:t>
-            </a:r>
-          </a:p>
-          <a:p>
-            <a:r>
-              <a:rPr lang="en-US" dirty="0"/>
-              <a:t>You can have an SPF record that states that any IP that has a reverse record can send email from your domain</a:t>
-            </a:r>
-          </a:p>
-          <a:p>
-            <a:r>
-              <a:rPr lang="en-US" i="1" dirty="0"/>
-              <a:t>IN TXT “</a:t>
-            </a:r>
-            <a:r>
-              <a:rPr lang="en-US" i="1" dirty="0" err="1"/>
-              <a:t>v</a:t>
-            </a:r>
-            <a:r>
-              <a:rPr lang="en-US" i="1" dirty="0"/>
-              <a:t>=spf1 </a:t>
-            </a:r>
-            <a:r>
-              <a:rPr lang="en-US" i="1" dirty="0" err="1"/>
-              <a:t>ptr:domain.co.tz</a:t>
-            </a:r>
-            <a:r>
-              <a:rPr lang="en-US" i="1" dirty="0"/>
-              <a:t> ip4:1.2.3.4 </a:t>
-            </a:r>
-            <a:r>
-              <a:rPr lang="en-US" i="1" dirty="0" err="1"/>
-              <a:t>mx</a:t>
-            </a:r>
-            <a:r>
-              <a:rPr lang="en-US" i="1" dirty="0"/>
-              <a:t> -all”</a:t>
-            </a:r>
-          </a:p>
-          <a:p>
-            <a:endParaRPr lang="en-US" dirty="0"/>
-          </a:p>
-          <a:p>
-            <a:endParaRPr lang="en-US" dirty="0"/>
-          </a:p>
-          <a:p>
-            <a:endParaRPr lang="en-US" dirty="0"/>
-          </a:p>
-          <a:p>
-            <a:endParaRPr lang="en-US" dirty="0"/>
+              <a:t>All published in DNS!</a:t>
+            </a:r>
+          </a:p>
+          <a:p>
+            <a:r>
+              <a:rPr lang="en-US" dirty="0"/>
+              <a:t>SPF sample: </a:t>
+            </a:r>
+            <a:r>
+              <a:rPr lang="en-US" sz="2000" dirty="0">
+                <a:solidFill>
+                  <a:srgbClr val="FF0000"/>
+                </a:solidFill>
+              </a:rPr>
+              <a:t>$dig TXT </a:t>
+            </a:r>
+            <a:r>
+              <a:rPr lang="en-US" sz="2000" dirty="0" err="1">
+                <a:solidFill>
+                  <a:srgbClr val="FF0000"/>
+                </a:solidFill>
+              </a:rPr>
+              <a:t>facebook.com</a:t>
+            </a:r>
+            <a:br>
+              <a:rPr lang="en-US" dirty="0">
+                <a:solidFill>
+                  <a:srgbClr val="FF0000"/>
+                </a:solidFill>
+              </a:rPr>
+            </a:br>
+            <a:r>
+              <a:rPr lang="en-US" sz="1800" dirty="0"/>
+              <a:t>“</a:t>
+            </a:r>
+            <a:r>
+              <a:rPr lang="en-US" sz="1800" i="1" dirty="0"/>
+              <a:t>v=spf1 redirect=_</a:t>
+            </a:r>
+            <a:r>
+              <a:rPr lang="en-US" sz="1800" i="1" dirty="0" err="1"/>
+              <a:t>spf.facebook.com</a:t>
+            </a:r>
+            <a:r>
+              <a:rPr lang="en-US" sz="1800" i="1" dirty="0"/>
+              <a:t>”</a:t>
+            </a:r>
+          </a:p>
+          <a:p>
+            <a:r>
+              <a:rPr lang="en-US" dirty="0"/>
+              <a:t>DKIM sample: </a:t>
+            </a:r>
+            <a:r>
+              <a:rPr lang="en-US" sz="1800" i="1" dirty="0">
+                <a:solidFill>
+                  <a:srgbClr val="FF0000"/>
+                </a:solidFill>
+              </a:rPr>
+              <a:t>$</a:t>
+            </a:r>
+            <a:r>
+              <a:rPr lang="en-US" sz="2100" dirty="0">
+                <a:solidFill>
+                  <a:srgbClr val="FF0000"/>
+                </a:solidFill>
+              </a:rPr>
+              <a:t>dig google._</a:t>
+            </a:r>
+            <a:r>
+              <a:rPr lang="en-US" sz="2100" dirty="0" err="1">
+                <a:solidFill>
+                  <a:srgbClr val="FF0000"/>
+                </a:solidFill>
+              </a:rPr>
+              <a:t>domainkey.protodave.com</a:t>
+            </a:r>
+            <a:r>
+              <a:rPr lang="en-US" sz="2100" dirty="0">
+                <a:solidFill>
+                  <a:srgbClr val="FF0000"/>
+                </a:solidFill>
+              </a:rPr>
+              <a:t> TXT</a:t>
+            </a:r>
+            <a:br>
+              <a:rPr lang="en-US" sz="2100" dirty="0">
+                <a:solidFill>
+                  <a:srgbClr val="FF0000"/>
+                </a:solidFill>
+              </a:rPr>
+            </a:br>
+            <a:r>
+              <a:rPr lang="en-US" sz="1800" i="1" dirty="0"/>
+              <a:t>google._</a:t>
+            </a:r>
+            <a:r>
+              <a:rPr lang="en-US" sz="1800" i="1" dirty="0" err="1"/>
+              <a:t>domainkey.protodave.com</a:t>
+            </a:r>
+            <a:r>
+              <a:rPr lang="en-US" sz="1800" i="1" dirty="0"/>
+              <a:t>. 3600 IN TXT	"v=DKIM1\; k=</a:t>
+            </a:r>
+            <a:r>
+              <a:rPr lang="en-US" sz="1800" i="1" dirty="0" err="1"/>
+              <a:t>rsa</a:t>
+            </a:r>
+            <a:r>
+              <a:rPr lang="en-US" sz="1800" i="1" dirty="0"/>
+              <a:t>\; p=MIIBIjANBgkqhkiG9w0BAQEFAAOCAQ8AMIIBCgKCAQEAhArxYH88+A76Gk7/8ENefN5RhMFhoYJp8T3KLPYYpejDI45PKWTO+2r8ZJZOtuk7tsG07bmJyU8PFvU48Lf1xtb4WcFxKKjd7N5MF6JcHD51Xb8XDAJA2ldqxH4hBbw9dRjsT7WBFXbp2x6MSWxgi9f1w+7Z2IFG+AtUjrf8/9N3gLieaZKZT1SEhR8TnhfOm" "FG0LfMyS0YtfHKrkUkBCEmWBPisB2CcZBShKr6/T8/UB/oZF8XMRd0NOsru9MGx9Yp89jIYS5YRuvbA0/TLgOOiqrSU5Ms1egMwfFyy4BMDUKayZzF6BxNPc/+</a:t>
+            </a:r>
+            <a:r>
+              <a:rPr lang="en-US" sz="1800" i="1" dirty="0" err="1"/>
+              <a:t>UoFrYHKRZpyD</a:t>
+            </a:r>
+            <a:r>
+              <a:rPr lang="en-US" sz="1800" i="1" dirty="0"/>
+              <a:t>/kEd4FXNEddlksQIDAQAB</a:t>
+            </a:r>
+            <a:r>
+              <a:rPr lang="en-US" sz="1600" dirty="0"/>
+              <a:t>”</a:t>
+            </a:r>
+          </a:p>
+          <a:p>
+            <a:r>
+              <a:rPr lang="en-US" dirty="0"/>
+              <a:t>DMARC sample: </a:t>
+            </a:r>
+            <a:r>
+              <a:rPr lang="en-US" sz="2000" dirty="0">
+                <a:solidFill>
+                  <a:srgbClr val="FF0000"/>
+                </a:solidFill>
+              </a:rPr>
+              <a:t>dig TXT _</a:t>
+            </a:r>
+            <a:r>
+              <a:rPr lang="en-US" sz="2000" dirty="0" err="1">
+                <a:solidFill>
+                  <a:srgbClr val="FF0000"/>
+                </a:solidFill>
+              </a:rPr>
+              <a:t>dmarc.google.com</a:t>
+            </a:r>
+            <a:br>
+              <a:rPr lang="en-US" dirty="0">
+                <a:solidFill>
+                  <a:srgbClr val="FF0000"/>
+                </a:solidFill>
+              </a:rPr>
+            </a:br>
+            <a:r>
+              <a:rPr lang="en-US" sz="2200" i="1" dirty="0"/>
+              <a:t>"v=DMARC1;p=</a:t>
+            </a:r>
+            <a:r>
+              <a:rPr lang="en-US" sz="2200" i="1" dirty="0" err="1"/>
+              <a:t>reject;pct</a:t>
+            </a:r>
+            <a:r>
+              <a:rPr lang="en-US" sz="2200" i="1" dirty="0"/>
+              <a:t>=100;rua=</a:t>
+            </a:r>
+            <a:r>
+              <a:rPr lang="en-US" sz="2200" i="1" dirty="0" err="1"/>
+              <a:t>mailto:postmaster@dmarcdomain.com</a:t>
+            </a:r>
+            <a:r>
+              <a:rPr lang="en-US" sz="2200" i="1" dirty="0"/>
+              <a:t>”</a:t>
+            </a:r>
+            <a:br>
+              <a:rPr lang="en-US" sz="2200" i="1" dirty="0"/>
+            </a:br>
+            <a:endParaRPr lang="en-US" sz="2200" i="1" dirty="0"/>
           </a:p>
         </p:txBody>
       </p:sp>
     </p:spTree>
     <p:extLst>
       <p:ext uri="{BB962C8B-B14F-4D97-AF65-F5344CB8AC3E}">
-        <p14:creationId xmlns:p14="http://schemas.microsoft.com/office/powerpoint/2010/main" val="382195671"/>
+        <p14:creationId xmlns:p14="http://schemas.microsoft.com/office/powerpoint/2010/main" val="1833056619"/>
       </p:ext>
     </p:extLst>
   </p:cSld>
@@ -3213,7 +3317,7 @@
           <p:cNvPr id="2" name="Title 1">
             <a:extLst>
               <a:ext uri="{FF2B5EF4-FFF2-40B4-BE49-F238E27FC236}">
-                <a16:creationId xmlns:a16="http://schemas.microsoft.com/office/drawing/2014/main" id="{6A330672-65AB-5C49-87F0-F47A26D48764}"/>
+                <a16:creationId xmlns:a16="http://schemas.microsoft.com/office/drawing/2014/main" id="{6BD1BB43-1CF8-E140-A565-DA2D72EE8D9F}"/>
               </a:ext>
             </a:extLst>
           </p:cNvPr>
@@ -3231,7 +3335,7 @@
           <a:p>
             <a:r>
               <a:rPr lang="en-US" b="1" dirty="0"/>
-              <a:t>What to use to secure email transport?</a:t>
+              <a:t>DANE – Encrypting email transfer from sender to recipient</a:t>
             </a:r>
           </a:p>
         </p:txBody>
@@ -3241,7 +3345,7 @@
           <p:cNvPr id="3" name="Content Placeholder 2">
             <a:extLst>
               <a:ext uri="{FF2B5EF4-FFF2-40B4-BE49-F238E27FC236}">
-                <a16:creationId xmlns:a16="http://schemas.microsoft.com/office/drawing/2014/main" id="{0699C35F-C058-2544-A4DB-251B3ECF98D3}"/>
+                <a16:creationId xmlns:a16="http://schemas.microsoft.com/office/drawing/2014/main" id="{717742A2-4066-1643-86B0-70FC30A812B6}"/>
               </a:ext>
             </a:extLst>
           </p:cNvPr>
@@ -3252,90 +3356,51 @@
             <p:ph idx="1"/>
           </p:nvPr>
         </p:nvSpPr>
-        <p:spPr>
-          <a:xfrm>
-            <a:off x="718279" y="1690688"/>
-            <a:ext cx="10515600" cy="4947770"/>
-          </a:xfrm>
-        </p:spPr>
-        <p:txBody>
-          <a:bodyPr/>
-          <a:lstStyle/>
-          <a:p>
-            <a:r>
-              <a:rPr lang="en-US" dirty="0"/>
-              <a:t>Many upcoming protocols and methods to secure email</a:t>
-            </a:r>
-          </a:p>
-          <a:p>
-            <a:pPr lvl="1"/>
-            <a:r>
-              <a:rPr lang="en-US" dirty="0"/>
-              <a:t>MTA-STS - SMTP MTA Strict Transport Security</a:t>
-            </a:r>
-          </a:p>
-          <a:p>
-            <a:pPr lvl="2"/>
-            <a:r>
-              <a:rPr lang="en-US" dirty="0">
-                <a:hlinkClick r:id="rId2"/>
-              </a:rPr>
-              <a:t>https://tools.ietf.org/html/rfc8461</a:t>
-            </a:r>
-            <a:endParaRPr lang="en-US" dirty="0"/>
-          </a:p>
-          <a:p>
-            <a:pPr lvl="2"/>
-            <a:r>
-              <a:rPr lang="en-US" dirty="0">
-                <a:hlinkClick r:id="rId3"/>
-              </a:rPr>
-              <a:t>https://www.uriports.com/blog/mta-sts-explained/</a:t>
-            </a:r>
-            <a:endParaRPr lang="en-US" dirty="0"/>
-          </a:p>
-          <a:p>
-            <a:pPr lvl="1"/>
-            <a:r>
-              <a:rPr lang="en-US" dirty="0"/>
-              <a:t>ARC – Authenticated Received Chain</a:t>
-            </a:r>
-          </a:p>
-          <a:p>
-            <a:pPr lvl="2"/>
-            <a:r>
-              <a:rPr lang="en-US" dirty="0">
-                <a:hlinkClick r:id="rId4"/>
-              </a:rPr>
-              <a:t>https://en.wikipedia.org/wiki/Authenticated_Received_Chain</a:t>
-            </a:r>
-            <a:r>
-              <a:rPr lang="en-US" dirty="0"/>
-              <a:t> </a:t>
-            </a:r>
-          </a:p>
-          <a:p>
-            <a:r>
-              <a:rPr lang="en-US" dirty="0"/>
-              <a:t>DKIM and DMARC have been around for sometime but not widely used. Keeping up with all these solutions is challenging</a:t>
-            </a:r>
-          </a:p>
-          <a:p>
-            <a:pPr lvl="1"/>
-            <a:r>
-              <a:rPr lang="en-US" dirty="0"/>
-              <a:t>Needs lots of testing before implementation or you break your email</a:t>
-            </a:r>
-          </a:p>
-          <a:p>
-            <a:pPr lvl="1"/>
-            <a:r>
-              <a:rPr lang="en-US" dirty="0"/>
-              <a:t>DANE and MTA-STS are similar. Do you need to implement both?</a:t>
-            </a:r>
-          </a:p>
-          <a:p>
-            <a:pPr lvl="1"/>
+        <p:spPr/>
+        <p:txBody>
+          <a:bodyPr>
+            <a:normAutofit fontScale="92500" lnSpcReduction="10000"/>
+          </a:bodyPr>
+          <a:lstStyle/>
+          <a:p>
+            <a:r>
+              <a:rPr lang="en-US" dirty="0"/>
+              <a:t>DNS-based Authentication of Named Entities</a:t>
+            </a:r>
+          </a:p>
+          <a:p>
+            <a:r>
+              <a:rPr lang="en-US" dirty="0"/>
+              <a:t>Described in RFC 6698 and proposed as  way to authenticated TLS certificates to be bound to DNS using DNSSEC</a:t>
+            </a:r>
+          </a:p>
+          <a:p>
+            <a:r>
+              <a:rPr lang="en-US" dirty="0"/>
+              <a:t>Having a DANE Record indicates that a sender of an email must use encryption (TLS) to transmit the email from the sending server to the recipient email</a:t>
+            </a:r>
+          </a:p>
+          <a:p>
+            <a:r>
+              <a:rPr lang="en-US" dirty="0"/>
+              <a:t>Using DANE therefore will ensure that the email sent to you was transmitted over TLS (encrypted) and so its much more difficult for an eaves dropper to read your email</a:t>
+            </a:r>
+          </a:p>
+          <a:p>
+            <a:r>
+              <a:rPr lang="en-US" dirty="0"/>
+              <a:t>Without DANE, email uses opportunistic encryption to secure SMTP – </a:t>
+            </a:r>
+            <a:r>
+              <a:rPr lang="en-US" dirty="0" err="1"/>
+              <a:t>ie</a:t>
+            </a:r>
+            <a:r>
+              <a:rPr lang="en-US" dirty="0"/>
+              <a:t> it will be used if available</a:t>
+            </a:r>
+          </a:p>
+          <a:p>
             <a:endParaRPr lang="en-US" dirty="0"/>
           </a:p>
           <a:p>
@@ -3346,7 +3411,7 @@
     </p:spTree>
     <p:extLst>
       <p:ext uri="{BB962C8B-B14F-4D97-AF65-F5344CB8AC3E}">
-        <p14:creationId xmlns:p14="http://schemas.microsoft.com/office/powerpoint/2010/main" val="797171451"/>
+        <p14:creationId xmlns:p14="http://schemas.microsoft.com/office/powerpoint/2010/main" val="1318849933"/>
       </p:ext>
     </p:extLst>
   </p:cSld>
@@ -3375,6 +3440,319 @@
       </p:grpSpPr>
       <p:sp>
         <p:nvSpPr>
+          <p:cNvPr id="2" name="Title 1"/>
+          <p:cNvSpPr>
+            <a:spLocks noGrp="1"/>
+          </p:cNvSpPr>
+          <p:nvPr>
+            <p:ph type="title"/>
+          </p:nvPr>
+        </p:nvSpPr>
+        <p:spPr/>
+        <p:txBody>
+          <a:bodyPr/>
+          <a:lstStyle/>
+          <a:p>
+            <a:r>
+              <a:rPr lang="en-US" b="1" dirty="0"/>
+              <a:t>Reverse Records</a:t>
+            </a:r>
+          </a:p>
+        </p:txBody>
+      </p:sp>
+      <p:sp>
+        <p:nvSpPr>
+          <p:cNvPr id="3" name="Content Placeholder 2"/>
+          <p:cNvSpPr>
+            <a:spLocks noGrp="1"/>
+          </p:cNvSpPr>
+          <p:nvPr>
+            <p:ph idx="1"/>
+          </p:nvPr>
+        </p:nvSpPr>
+        <p:spPr/>
+        <p:txBody>
+          <a:bodyPr>
+            <a:normAutofit/>
+          </a:bodyPr>
+          <a:lstStyle/>
+          <a:p>
+            <a:r>
+              <a:rPr lang="en-US" dirty="0"/>
+              <a:t>Have reverse records (PTR) for your mail server so that it is resolvable from the IP</a:t>
+            </a:r>
+          </a:p>
+          <a:p>
+            <a:r>
+              <a:rPr lang="en-US" dirty="0"/>
+              <a:t>Mandatory by most servers these days</a:t>
+            </a:r>
+          </a:p>
+          <a:p>
+            <a:r>
+              <a:rPr lang="en-US" dirty="0"/>
+              <a:t>Used to verify authenticity of the sending mail server</a:t>
+            </a:r>
+          </a:p>
+          <a:p>
+            <a:r>
+              <a:rPr lang="en-US" dirty="0"/>
+              <a:t>The IP Address must resolve back to the mail server name</a:t>
+            </a:r>
+          </a:p>
+          <a:p>
+            <a:r>
+              <a:rPr lang="en-US" dirty="0"/>
+              <a:t>You can have multiple reverse records</a:t>
+            </a:r>
+          </a:p>
+          <a:p>
+            <a:r>
+              <a:rPr lang="en-US" dirty="0"/>
+              <a:t>You can have an SPF record that states that any IP that has a reverse record can send email from your domain</a:t>
+            </a:r>
+          </a:p>
+          <a:p>
+            <a:r>
+              <a:rPr lang="en-US" i="1" dirty="0"/>
+              <a:t>IN TXT “</a:t>
+            </a:r>
+            <a:r>
+              <a:rPr lang="en-US" i="1" dirty="0" err="1"/>
+              <a:t>v</a:t>
+            </a:r>
+            <a:r>
+              <a:rPr lang="en-US" i="1" dirty="0"/>
+              <a:t>=spf1 </a:t>
+            </a:r>
+            <a:r>
+              <a:rPr lang="en-US" i="1" dirty="0" err="1"/>
+              <a:t>ptr:domain.co.tz</a:t>
+            </a:r>
+            <a:r>
+              <a:rPr lang="en-US" i="1" dirty="0"/>
+              <a:t> ip4:1.2.3.4 </a:t>
+            </a:r>
+            <a:r>
+              <a:rPr lang="en-US" i="1" dirty="0" err="1"/>
+              <a:t>mx</a:t>
+            </a:r>
+            <a:r>
+              <a:rPr lang="en-US" i="1" dirty="0"/>
+              <a:t> -all”</a:t>
+            </a:r>
+          </a:p>
+          <a:p>
+            <a:endParaRPr lang="en-US" dirty="0"/>
+          </a:p>
+          <a:p>
+            <a:endParaRPr lang="en-US" dirty="0"/>
+          </a:p>
+          <a:p>
+            <a:endParaRPr lang="en-US" dirty="0"/>
+          </a:p>
+          <a:p>
+            <a:endParaRPr lang="en-US" dirty="0"/>
+          </a:p>
+        </p:txBody>
+      </p:sp>
+    </p:spTree>
+    <p:extLst>
+      <p:ext uri="{BB962C8B-B14F-4D97-AF65-F5344CB8AC3E}">
+        <p14:creationId xmlns:p14="http://schemas.microsoft.com/office/powerpoint/2010/main" val="382195671"/>
+      </p:ext>
+    </p:extLst>
+  </p:cSld>
+  <p:clrMapOvr>
+    <a:masterClrMapping/>
+  </p:clrMapOvr>
+</p:sld>
+</file>
+
+<file path=ppt/slides/slide13.xml><?xml version="1.0" encoding="utf-8"?>
+<p:sld xmlns:a="http://schemas.openxmlformats.org/drawingml/2006/main" xmlns:r="http://schemas.openxmlformats.org/officeDocument/2006/relationships" xmlns:p="http://schemas.openxmlformats.org/presentationml/2006/main">
+  <p:cSld>
+    <p:spTree>
+      <p:nvGrpSpPr>
+        <p:cNvPr id="1" name=""/>
+        <p:cNvGrpSpPr/>
+        <p:nvPr/>
+      </p:nvGrpSpPr>
+      <p:grpSpPr>
+        <a:xfrm>
+          <a:off x="0" y="0"/>
+          <a:ext cx="0" cy="0"/>
+          <a:chOff x="0" y="0"/>
+          <a:chExt cx="0" cy="0"/>
+        </a:xfrm>
+      </p:grpSpPr>
+      <p:sp>
+        <p:nvSpPr>
+          <p:cNvPr id="2" name="Title 1">
+            <a:extLst>
+              <a:ext uri="{FF2B5EF4-FFF2-40B4-BE49-F238E27FC236}">
+                <a16:creationId xmlns:a16="http://schemas.microsoft.com/office/drawing/2014/main" id="{6A330672-65AB-5C49-87F0-F47A26D48764}"/>
+              </a:ext>
+            </a:extLst>
+          </p:cNvPr>
+          <p:cNvSpPr>
+            <a:spLocks noGrp="1"/>
+          </p:cNvSpPr>
+          <p:nvPr>
+            <p:ph type="title"/>
+          </p:nvPr>
+        </p:nvSpPr>
+        <p:spPr/>
+        <p:txBody>
+          <a:bodyPr/>
+          <a:lstStyle/>
+          <a:p>
+            <a:r>
+              <a:rPr lang="en-US" b="1" dirty="0"/>
+              <a:t>What to use to secure email transport?</a:t>
+            </a:r>
+          </a:p>
+        </p:txBody>
+      </p:sp>
+      <p:sp>
+        <p:nvSpPr>
+          <p:cNvPr id="3" name="Content Placeholder 2">
+            <a:extLst>
+              <a:ext uri="{FF2B5EF4-FFF2-40B4-BE49-F238E27FC236}">
+                <a16:creationId xmlns:a16="http://schemas.microsoft.com/office/drawing/2014/main" id="{0699C35F-C058-2544-A4DB-251B3ECF98D3}"/>
+              </a:ext>
+            </a:extLst>
+          </p:cNvPr>
+          <p:cNvSpPr>
+            <a:spLocks noGrp="1"/>
+          </p:cNvSpPr>
+          <p:nvPr>
+            <p:ph idx="1"/>
+          </p:nvPr>
+        </p:nvSpPr>
+        <p:spPr>
+          <a:xfrm>
+            <a:off x="718279" y="1690688"/>
+            <a:ext cx="10515600" cy="4947770"/>
+          </a:xfrm>
+        </p:spPr>
+        <p:txBody>
+          <a:bodyPr/>
+          <a:lstStyle/>
+          <a:p>
+            <a:r>
+              <a:rPr lang="en-US" dirty="0"/>
+              <a:t>Many upcoming protocols and methods to secure email</a:t>
+            </a:r>
+          </a:p>
+          <a:p>
+            <a:pPr lvl="1"/>
+            <a:r>
+              <a:rPr lang="en-US" dirty="0"/>
+              <a:t>MTA-STS - SMTP MTA Strict Transport Security</a:t>
+            </a:r>
+          </a:p>
+          <a:p>
+            <a:pPr lvl="2"/>
+            <a:r>
+              <a:rPr lang="en-US" dirty="0">
+                <a:hlinkClick r:id="rId2"/>
+              </a:rPr>
+              <a:t>https://tools.ietf.org/html/rfc8461</a:t>
+            </a:r>
+            <a:endParaRPr lang="en-US" dirty="0"/>
+          </a:p>
+          <a:p>
+            <a:pPr lvl="2"/>
+            <a:r>
+              <a:rPr lang="en-US" dirty="0">
+                <a:hlinkClick r:id="rId3"/>
+              </a:rPr>
+              <a:t>https://www.uriports.com/blog/mta-sts-explained/</a:t>
+            </a:r>
+            <a:endParaRPr lang="en-US" dirty="0"/>
+          </a:p>
+          <a:p>
+            <a:pPr lvl="1"/>
+            <a:r>
+              <a:rPr lang="en-US" dirty="0"/>
+              <a:t>ARC – Authenticated Received Chain</a:t>
+            </a:r>
+          </a:p>
+          <a:p>
+            <a:pPr lvl="2"/>
+            <a:r>
+              <a:rPr lang="en-US" dirty="0">
+                <a:hlinkClick r:id="rId4"/>
+              </a:rPr>
+              <a:t>https://en.wikipedia.org/wiki/Authenticated_Received_Chain</a:t>
+            </a:r>
+            <a:r>
+              <a:rPr lang="en-US" dirty="0"/>
+              <a:t> </a:t>
+            </a:r>
+          </a:p>
+          <a:p>
+            <a:r>
+              <a:rPr lang="en-US" dirty="0"/>
+              <a:t>DKIM and DMARC have been around for sometime but not widely used. Keeping up with all these solutions is challenging</a:t>
+            </a:r>
+          </a:p>
+          <a:p>
+            <a:pPr lvl="1"/>
+            <a:r>
+              <a:rPr lang="en-US" dirty="0"/>
+              <a:t>Needs lots of testing before implementation or you break your email</a:t>
+            </a:r>
+          </a:p>
+          <a:p>
+            <a:pPr lvl="1"/>
+            <a:r>
+              <a:rPr lang="en-US" dirty="0"/>
+              <a:t>DANE and MTA-STS are similar. Do you need to implement both?</a:t>
+            </a:r>
+          </a:p>
+          <a:p>
+            <a:pPr lvl="1"/>
+            <a:endParaRPr lang="en-US" dirty="0"/>
+          </a:p>
+          <a:p>
+            <a:endParaRPr lang="en-US" dirty="0"/>
+          </a:p>
+        </p:txBody>
+      </p:sp>
+    </p:spTree>
+    <p:extLst>
+      <p:ext uri="{BB962C8B-B14F-4D97-AF65-F5344CB8AC3E}">
+        <p14:creationId xmlns:p14="http://schemas.microsoft.com/office/powerpoint/2010/main" val="797171451"/>
+      </p:ext>
+    </p:extLst>
+  </p:cSld>
+  <p:clrMapOvr>
+    <a:masterClrMapping/>
+  </p:clrMapOvr>
+</p:sld>
+</file>
+
+<file path=ppt/slides/slide14.xml><?xml version="1.0" encoding="utf-8"?>
+<p:sld xmlns:a="http://schemas.openxmlformats.org/drawingml/2006/main" xmlns:r="http://schemas.openxmlformats.org/officeDocument/2006/relationships" xmlns:p="http://schemas.openxmlformats.org/presentationml/2006/main">
+  <p:cSld>
+    <p:spTree>
+      <p:nvGrpSpPr>
+        <p:cNvPr id="1" name=""/>
+        <p:cNvGrpSpPr/>
+        <p:nvPr/>
+      </p:nvGrpSpPr>
+      <p:grpSpPr>
+        <a:xfrm>
+          <a:off x="0" y="0"/>
+          <a:ext cx="0" cy="0"/>
+          <a:chOff x="0" y="0"/>
+          <a:chExt cx="0" cy="0"/>
+        </a:xfrm>
+      </p:grpSpPr>
+      <p:sp>
+        <p:nvSpPr>
           <p:cNvPr id="2" name="Title 1">
             <a:extLst>
               <a:ext uri="{FF2B5EF4-FFF2-40B4-BE49-F238E27FC236}">
@@ -3511,7 +3889,7 @@
 </p:sld>
 </file>
 
-<file path=ppt/slides/slide13.xml><?xml version="1.0" encoding="utf-8"?>
+<file path=ppt/slides/slide15.xml><?xml version="1.0" encoding="utf-8"?>
 <p:sld xmlns:a="http://schemas.openxmlformats.org/drawingml/2006/main" xmlns:r="http://schemas.openxmlformats.org/officeDocument/2006/relationships" xmlns:p="http://schemas.openxmlformats.org/presentationml/2006/main">
   <p:cSld>
     <p:spTree>
@@ -4040,278 +4418,6 @@
 </p:sld>
 </file>
 
-<file path=ppt/slides/slide14.xml><?xml version="1.0" encoding="utf-8"?>
-<p:sld xmlns:a="http://schemas.openxmlformats.org/drawingml/2006/main" xmlns:r="http://schemas.openxmlformats.org/officeDocument/2006/relationships" xmlns:p="http://schemas.openxmlformats.org/presentationml/2006/main">
-  <p:cSld>
-    <p:spTree>
-      <p:nvGrpSpPr>
-        <p:cNvPr id="1" name=""/>
-        <p:cNvGrpSpPr/>
-        <p:nvPr/>
-      </p:nvGrpSpPr>
-      <p:grpSpPr>
-        <a:xfrm>
-          <a:off x="0" y="0"/>
-          <a:ext cx="0" cy="0"/>
-          <a:chOff x="0" y="0"/>
-          <a:chExt cx="0" cy="0"/>
-        </a:xfrm>
-      </p:grpSpPr>
-      <p:sp>
-        <p:nvSpPr>
-          <p:cNvPr id="2" name="Title 1"/>
-          <p:cNvSpPr>
-            <a:spLocks noGrp="1"/>
-          </p:cNvSpPr>
-          <p:nvPr>
-            <p:ph type="title"/>
-          </p:nvPr>
-        </p:nvSpPr>
-        <p:spPr/>
-        <p:txBody>
-          <a:bodyPr>
-            <a:normAutofit/>
-          </a:bodyPr>
-          <a:lstStyle/>
-          <a:p>
-            <a:r>
-              <a:rPr lang="en-US" sz="3600" b="1" dirty="0"/>
-              <a:t>Use Anti Spam and Anti Virus software</a:t>
-            </a:r>
-          </a:p>
-        </p:txBody>
-      </p:sp>
-      <p:sp>
-        <p:nvSpPr>
-          <p:cNvPr id="3" name="Content Placeholder 2"/>
-          <p:cNvSpPr>
-            <a:spLocks noGrp="1"/>
-          </p:cNvSpPr>
-          <p:nvPr>
-            <p:ph idx="1"/>
-          </p:nvPr>
-        </p:nvSpPr>
-        <p:spPr/>
-        <p:txBody>
-          <a:bodyPr>
-            <a:normAutofit/>
-          </a:bodyPr>
-          <a:lstStyle/>
-          <a:p>
-            <a:r>
-              <a:rPr lang="en-US" dirty="0"/>
-              <a:t>Will reduce overall spam and email received</a:t>
-            </a:r>
-          </a:p>
-          <a:p>
-            <a:r>
-              <a:rPr lang="en-US" dirty="0"/>
-              <a:t>You can also have a mail “firewall” or gateway aka Mail Filter to stop spam before it reaches your server</a:t>
-            </a:r>
-          </a:p>
-          <a:p>
-            <a:r>
-              <a:rPr lang="en-US" dirty="0"/>
-              <a:t>Some </a:t>
-            </a:r>
-            <a:r>
-              <a:rPr lang="en-US" dirty="0" err="1"/>
-              <a:t>softwares</a:t>
-            </a:r>
-            <a:r>
-              <a:rPr lang="en-US" dirty="0"/>
-              <a:t> are:</a:t>
-            </a:r>
-          </a:p>
-          <a:p>
-            <a:pPr lvl="1"/>
-            <a:r>
-              <a:rPr lang="en-US" dirty="0" err="1"/>
-              <a:t>SpamAssassin</a:t>
-            </a:r>
-            <a:r>
-              <a:rPr lang="en-US" dirty="0"/>
-              <a:t> (AntiSpam) – renowned antivirus</a:t>
-            </a:r>
-          </a:p>
-          <a:p>
-            <a:pPr lvl="1"/>
-            <a:r>
-              <a:rPr lang="en-US" dirty="0" err="1"/>
-              <a:t>Rspamd</a:t>
-            </a:r>
-            <a:r>
-              <a:rPr lang="en-US" dirty="0"/>
-              <a:t> – powerful antispam Milter service</a:t>
-            </a:r>
-          </a:p>
-          <a:p>
-            <a:pPr lvl="1"/>
-            <a:r>
-              <a:rPr lang="en-US" dirty="0" err="1"/>
-              <a:t>ClamAV</a:t>
-            </a:r>
-            <a:r>
-              <a:rPr lang="en-US" dirty="0"/>
-              <a:t> (</a:t>
-            </a:r>
-            <a:r>
-              <a:rPr lang="en-US" dirty="0" err="1"/>
-              <a:t>AntiVirus</a:t>
-            </a:r>
-            <a:r>
-              <a:rPr lang="en-US" dirty="0"/>
-              <a:t>) – renowned antivirus</a:t>
-            </a:r>
-          </a:p>
-          <a:p>
-            <a:pPr lvl="1"/>
-            <a:r>
-              <a:rPr lang="en-US" dirty="0" err="1"/>
-              <a:t>MailScanner</a:t>
-            </a:r>
-            <a:r>
-              <a:rPr lang="en-US" dirty="0"/>
-              <a:t> and </a:t>
-            </a:r>
-            <a:r>
-              <a:rPr lang="en-US" dirty="0" err="1"/>
-              <a:t>Amavisd</a:t>
-            </a:r>
-            <a:r>
-              <a:rPr lang="en-US" dirty="0"/>
-              <a:t> (rely on the above)</a:t>
-            </a:r>
-          </a:p>
-          <a:p>
-            <a:r>
-              <a:rPr lang="en-US" dirty="0"/>
-              <a:t>When setup try a penetration testing site to see how well your server can protect you from SPAM and Viruses</a:t>
-            </a:r>
-          </a:p>
-        </p:txBody>
-      </p:sp>
-    </p:spTree>
-    <p:extLst>
-      <p:ext uri="{BB962C8B-B14F-4D97-AF65-F5344CB8AC3E}">
-        <p14:creationId xmlns:p14="http://schemas.microsoft.com/office/powerpoint/2010/main" val="439054320"/>
-      </p:ext>
-    </p:extLst>
-  </p:cSld>
-  <p:clrMapOvr>
-    <a:masterClrMapping/>
-  </p:clrMapOvr>
-</p:sld>
-</file>
-
-<file path=ppt/slides/slide15.xml><?xml version="1.0" encoding="utf-8"?>
-<p:sld xmlns:a="http://schemas.openxmlformats.org/drawingml/2006/main" xmlns:r="http://schemas.openxmlformats.org/officeDocument/2006/relationships" xmlns:p="http://schemas.openxmlformats.org/presentationml/2006/main">
-  <p:cSld>
-    <p:spTree>
-      <p:nvGrpSpPr>
-        <p:cNvPr id="1" name=""/>
-        <p:cNvGrpSpPr/>
-        <p:nvPr/>
-      </p:nvGrpSpPr>
-      <p:grpSpPr>
-        <a:xfrm>
-          <a:off x="0" y="0"/>
-          <a:ext cx="0" cy="0"/>
-          <a:chOff x="0" y="0"/>
-          <a:chExt cx="0" cy="0"/>
-        </a:xfrm>
-      </p:grpSpPr>
-      <p:sp>
-        <p:nvSpPr>
-          <p:cNvPr id="2" name="Title 1"/>
-          <p:cNvSpPr>
-            <a:spLocks noGrp="1"/>
-          </p:cNvSpPr>
-          <p:nvPr>
-            <p:ph type="title"/>
-          </p:nvPr>
-        </p:nvSpPr>
-        <p:spPr/>
-        <p:txBody>
-          <a:bodyPr/>
-          <a:lstStyle/>
-          <a:p>
-            <a:r>
-              <a:rPr lang="en-US" b="1" dirty="0" err="1"/>
-              <a:t>GreyListing</a:t>
-            </a:r>
-            <a:endParaRPr lang="en-US" b="1" dirty="0"/>
-          </a:p>
-        </p:txBody>
-      </p:sp>
-      <p:sp>
-        <p:nvSpPr>
-          <p:cNvPr id="3" name="Content Placeholder 2"/>
-          <p:cNvSpPr>
-            <a:spLocks noGrp="1"/>
-          </p:cNvSpPr>
-          <p:nvPr>
-            <p:ph idx="1"/>
-          </p:nvPr>
-        </p:nvSpPr>
-        <p:spPr/>
-        <p:txBody>
-          <a:bodyPr>
-            <a:normAutofit fontScale="92500"/>
-          </a:bodyPr>
-          <a:lstStyle/>
-          <a:p>
-            <a:r>
-              <a:rPr lang="en-US" dirty="0"/>
-              <a:t>Valid mail servers will have no problem if the receiving gives a soft error (4xx)</a:t>
-            </a:r>
-          </a:p>
-          <a:p>
-            <a:r>
-              <a:rPr lang="en-US" dirty="0"/>
-              <a:t>They will attempt to send the mail again after some time</a:t>
-            </a:r>
-          </a:p>
-          <a:p>
-            <a:r>
-              <a:rPr lang="en-US" dirty="0" err="1"/>
-              <a:t>Greylisting</a:t>
-            </a:r>
-            <a:r>
-              <a:rPr lang="en-US" dirty="0"/>
-              <a:t> configured on a receiving mail server will give a soft error (4xx) to the sending server and store the IP/Hostname of the sending server in a file</a:t>
-            </a:r>
-          </a:p>
-          <a:p>
-            <a:r>
-              <a:rPr lang="en-US" dirty="0"/>
-              <a:t>If the sending server returns again after some time (can be specified usually 5min) the email is accepted</a:t>
-            </a:r>
-          </a:p>
-          <a:p>
-            <a:r>
-              <a:rPr lang="en-US" dirty="0"/>
-              <a:t>Used as a measure to deny mail from bots that are compromised to send mass mail. They often do not try again if the server did not accept the mail</a:t>
-            </a:r>
-          </a:p>
-          <a:p>
-            <a:endParaRPr lang="en-US" dirty="0"/>
-          </a:p>
-        </p:txBody>
-      </p:sp>
-    </p:spTree>
-    <p:extLst>
-      <p:ext uri="{BB962C8B-B14F-4D97-AF65-F5344CB8AC3E}">
-        <p14:creationId xmlns:p14="http://schemas.microsoft.com/office/powerpoint/2010/main" val="432145148"/>
-      </p:ext>
-    </p:extLst>
-  </p:cSld>
-  <p:clrMapOvr>
-    <a:masterClrMapping/>
-  </p:clrMapOvr>
-</p:sld>
-</file>
-
 <file path=ppt/slides/slide16.xml><?xml version="1.0" encoding="utf-8"?>
 <p:sld xmlns:a="http://schemas.openxmlformats.org/drawingml/2006/main" xmlns:r="http://schemas.openxmlformats.org/officeDocument/2006/relationships" xmlns:p="http://schemas.openxmlformats.org/presentationml/2006/main">
   <p:cSld>
@@ -4347,8 +4453,8 @@
           <a:lstStyle/>
           <a:p>
             <a:r>
-              <a:rPr lang="en-US" b="1" dirty="0"/>
-              <a:t>Accept only well formatted messages</a:t>
+              <a:rPr lang="en-US" sz="3600" b="1" dirty="0"/>
+              <a:t>Use Anti Spam and Anti Virus software</a:t>
             </a:r>
           </a:p>
         </p:txBody>
@@ -4372,95 +4478,101 @@
           <a:p>
             <a:r>
               <a:rPr lang="en-US" dirty="0"/>
-              <a:t>Sender must be a valid name not an IP </a:t>
+              <a:t>Will reduce overall spam and email received</a:t>
+            </a:r>
+          </a:p>
+          <a:p>
+            <a:r>
+              <a:rPr lang="en-US" dirty="0"/>
+              <a:t>You can also have a mail “firewall” or gateway aka Mail Filter to stop spam before it reaches your server</a:t>
+            </a:r>
+          </a:p>
+          <a:p>
+            <a:r>
+              <a:rPr lang="en-US" dirty="0"/>
+              <a:t>Some </a:t>
             </a:r>
             <a:r>
               <a:rPr lang="en-US" dirty="0" err="1"/>
-              <a:t>ie</a:t>
-            </a:r>
-            <a:r>
-              <a:rPr lang="en-US" dirty="0"/>
-              <a:t> not </a:t>
-            </a:r>
-            <a:r>
-              <a:rPr lang="en-US" dirty="0">
-                <a:hlinkClick r:id="rId2"/>
-              </a:rPr>
-              <a:t>user@192.14.5.6</a:t>
-            </a:r>
-            <a:r>
-              <a:rPr lang="en-US" dirty="0"/>
-              <a:t> </a:t>
-            </a:r>
-          </a:p>
-          <a:p>
-            <a:r>
-              <a:rPr lang="en-US" dirty="0"/>
-              <a:t>Mail server HELO name must be resolvable </a:t>
-            </a:r>
+              <a:t>softwares</a:t>
+            </a:r>
+            <a:r>
+              <a:rPr lang="en-US" dirty="0"/>
+              <a:t> are:</a:t>
+            </a:r>
+          </a:p>
+          <a:p>
+            <a:pPr lvl="1"/>
             <a:r>
               <a:rPr lang="en-US" dirty="0" err="1"/>
-              <a:t>ie</a:t>
-            </a:r>
-            <a:r>
-              <a:rPr lang="en-US" dirty="0"/>
-              <a:t> FQDN</a:t>
-            </a:r>
-          </a:p>
-          <a:p>
-            <a:r>
-              <a:rPr lang="en-US" dirty="0"/>
-              <a:t>Server identification must resolve </a:t>
-            </a:r>
+              <a:t>SpamAssassin</a:t>
+            </a:r>
+            <a:r>
+              <a:rPr lang="en-US" dirty="0"/>
+              <a:t> (AntiSpam) – renowned antivirus</a:t>
+            </a:r>
+          </a:p>
+          <a:p>
+            <a:pPr lvl="1"/>
             <a:r>
               <a:rPr lang="en-US" dirty="0" err="1"/>
-              <a:t>ie</a:t>
-            </a:r>
-            <a:r>
-              <a:rPr lang="en-US" dirty="0"/>
-              <a:t> HELO/EHLO name must be </a:t>
-            </a:r>
+              <a:t>Rspamd</a:t>
+            </a:r>
+            <a:r>
+              <a:rPr lang="en-US" dirty="0"/>
+              <a:t> – powerful antispam Milter service</a:t>
+            </a:r>
+          </a:p>
+          <a:p>
+            <a:pPr lvl="1"/>
             <a:r>
               <a:rPr lang="en-US" dirty="0" err="1"/>
-              <a:t>resolveable</a:t>
-            </a:r>
-            <a:endParaRPr lang="en-US" dirty="0"/>
-          </a:p>
-          <a:p>
-            <a:r>
-              <a:rPr lang="en-US" dirty="0"/>
-              <a:t>Email should be from a valid email address format </a:t>
+              <a:t>ClamAV</a:t>
+            </a:r>
+            <a:r>
+              <a:rPr lang="en-US" dirty="0"/>
+              <a:t> (</a:t>
             </a:r>
             <a:r>
               <a:rPr lang="en-US" dirty="0" err="1"/>
-              <a:t>eg</a:t>
-            </a:r>
-            <a:r>
-              <a:rPr lang="en-US" dirty="0"/>
-              <a:t>: from </a:t>
-            </a:r>
-            <a:r>
-              <a:rPr lang="en-US" dirty="0">
-                <a:hlinkClick r:id="rId3"/>
-              </a:rPr>
-              <a:t>tom@example.com</a:t>
-            </a:r>
-            <a:r>
-              <a:rPr lang="en-US" dirty="0"/>
-              <a:t> and not from </a:t>
-            </a:r>
+              <a:t>AntiVirus</a:t>
+            </a:r>
+            <a:r>
+              <a:rPr lang="en-US" dirty="0"/>
+              <a:t>) – renowned antivirus</a:t>
+            </a:r>
+          </a:p>
+          <a:p>
+            <a:pPr lvl="1"/>
             <a:r>
               <a:rPr lang="en-US" dirty="0" err="1"/>
-              <a:t>tom@example</a:t>
-            </a:r>
-            <a:endParaRPr lang="en-US" dirty="0"/>
+              <a:t>MailScanner</a:t>
+            </a:r>
+            <a:r>
+              <a:rPr lang="en-US" dirty="0"/>
+              <a:t> and </a:t>
+            </a:r>
+            <a:r>
+              <a:rPr lang="en-US" dirty="0" err="1"/>
+              <a:t>Amavisd</a:t>
+            </a:r>
+            <a:r>
+              <a:rPr lang="en-US" dirty="0"/>
+              <a:t> (rely on the above)</a:t>
+            </a:r>
+          </a:p>
+          <a:p>
+            <a:r>
+              <a:rPr lang="en-US" dirty="0"/>
+              <a:t>When setup try a penetration testing site to see how well your server can protect you from SPAM and Viruses</a:t>
+            </a:r>
           </a:p>
         </p:txBody>
       </p:sp>
     </p:spTree>
     <p:extLst>
       <p:ext uri="{BB962C8B-B14F-4D97-AF65-F5344CB8AC3E}">
-        <p14:creationId xmlns:p14="http://schemas.microsoft.com/office/powerpoint/2010/main" val="273808282"/>
+        <p14:creationId xmlns:p14="http://schemas.microsoft.com/office/powerpoint/2010/main" val="439054320"/>
       </p:ext>
     </p:extLst>
   </p:cSld>
@@ -4503,9 +4615,10 @@
           <a:lstStyle/>
           <a:p>
             <a:r>
-              <a:rPr lang="en-US" b="1" dirty="0"/>
-              <a:t>Security</a:t>
-            </a:r>
+              <a:rPr lang="en-US" b="1" dirty="0" err="1"/>
+              <a:t>GreyListing</a:t>
+            </a:r>
+            <a:endParaRPr lang="en-US" b="1" dirty="0"/>
           </a:p>
         </p:txBody>
       </p:sp>
@@ -4522,75 +4635,52 @@
         <p:spPr/>
         <p:txBody>
           <a:bodyPr>
-            <a:normAutofit/>
+            <a:normAutofit fontScale="92500"/>
           </a:bodyPr>
           <a:lstStyle/>
           <a:p>
             <a:r>
               <a:rPr lang="en-US" dirty="0"/>
-              <a:t>Run secure pages from the mail server and secure SMTP to clients</a:t>
-            </a:r>
-          </a:p>
-          <a:p>
-            <a:pPr lvl="1"/>
-            <a:r>
-              <a:rPr lang="en-US" dirty="0"/>
-              <a:t>Secure Webmail – port 443</a:t>
-            </a:r>
-          </a:p>
-          <a:p>
-            <a:pPr lvl="1"/>
-            <a:r>
-              <a:rPr lang="en-US" dirty="0"/>
-              <a:t>Secure SMTP – port 465/587</a:t>
-            </a:r>
-          </a:p>
-          <a:p>
-            <a:r>
-              <a:rPr lang="en-US" dirty="0"/>
-              <a:t>Force clients to use secure IMAP or Secure POP</a:t>
-            </a:r>
-          </a:p>
-          <a:p>
-            <a:pPr lvl="1"/>
-            <a:r>
-              <a:rPr lang="en-US" dirty="0"/>
-              <a:t>Secure POP – port 995</a:t>
-            </a:r>
-          </a:p>
-          <a:p>
-            <a:pPr lvl="1"/>
-            <a:r>
-              <a:rPr lang="en-US" dirty="0"/>
-              <a:t>Secure IMAP – port 993</a:t>
-            </a:r>
-          </a:p>
-          <a:p>
-            <a:r>
-              <a:rPr lang="en-US" dirty="0"/>
-              <a:t>Require authentication on your mail server before a mail enters the queue from a sending client aka SMTP AUTH</a:t>
-            </a:r>
-          </a:p>
-          <a:p>
-            <a:r>
-              <a:rPr lang="en-US" dirty="0"/>
-              <a:t>Lock down your box and block </a:t>
-            </a:r>
-            <a:r>
-              <a:rPr lang="en-US"/>
-              <a:t>all unnecessary </a:t>
-            </a:r>
-            <a:r>
-              <a:rPr lang="en-US" dirty="0"/>
-              <a:t>ports </a:t>
-            </a:r>
+              <a:t>Valid mail servers will have no problem if the receiving gives a soft error (4xx)</a:t>
+            </a:r>
+          </a:p>
+          <a:p>
+            <a:r>
+              <a:rPr lang="en-US" dirty="0"/>
+              <a:t>They will attempt to send the mail again after some time</a:t>
+            </a:r>
+          </a:p>
+          <a:p>
+            <a:r>
+              <a:rPr lang="en-US" dirty="0" err="1"/>
+              <a:t>Greylisting</a:t>
+            </a:r>
+            <a:r>
+              <a:rPr lang="en-US" dirty="0"/>
+              <a:t> configured on a receiving mail server will give a soft error (4xx) to the sending server and store the IP/Hostname of the sending server in a file</a:t>
+            </a:r>
+          </a:p>
+          <a:p>
+            <a:r>
+              <a:rPr lang="en-US" dirty="0"/>
+              <a:t>If the sending server returns again after some time (can be specified usually 5min) the email is accepted</a:t>
+            </a:r>
+          </a:p>
+          <a:p>
+            <a:r>
+              <a:rPr lang="en-US" dirty="0"/>
+              <a:t>Used as a measure to deny mail from bots that are compromised to send mass mail. They often do not try again if the server did not accept the mail</a:t>
+            </a:r>
+          </a:p>
+          <a:p>
+            <a:endParaRPr lang="en-US" dirty="0"/>
           </a:p>
         </p:txBody>
       </p:sp>
     </p:spTree>
     <p:extLst>
       <p:ext uri="{BB962C8B-B14F-4D97-AF65-F5344CB8AC3E}">
-        <p14:creationId xmlns:p14="http://schemas.microsoft.com/office/powerpoint/2010/main" val="1985823700"/>
+        <p14:creationId xmlns:p14="http://schemas.microsoft.com/office/powerpoint/2010/main" val="432145148"/>
       </p:ext>
     </p:extLst>
   </p:cSld>
@@ -4629,12 +4719,14 @@
         </p:nvSpPr>
         <p:spPr/>
         <p:txBody>
-          <a:bodyPr/>
+          <a:bodyPr>
+            <a:normAutofit/>
+          </a:bodyPr>
           <a:lstStyle/>
           <a:p>
             <a:r>
               <a:rPr lang="en-US" b="1" dirty="0"/>
-              <a:t>Use Blacklist databases</a:t>
+              <a:t>Accept only well formatted messages</a:t>
             </a:r>
           </a:p>
         </p:txBody>
@@ -4651,104 +4743,102 @@
         </p:nvSpPr>
         <p:spPr/>
         <p:txBody>
-          <a:bodyPr/>
-          <a:lstStyle/>
-          <a:p>
-            <a:r>
-              <a:rPr lang="en-US" dirty="0"/>
-              <a:t>Use DNSBL – DNS Based </a:t>
+          <a:bodyPr>
+            <a:normAutofit/>
+          </a:bodyPr>
+          <a:lstStyle/>
+          <a:p>
+            <a:r>
+              <a:rPr lang="en-US" dirty="0"/>
+              <a:t>Sender must be a valid name not an IP </a:t>
             </a:r>
             <a:r>
               <a:rPr lang="en-US" dirty="0" err="1"/>
-              <a:t>Blackhole</a:t>
-            </a:r>
-            <a:r>
-              <a:rPr lang="en-US" dirty="0"/>
-              <a:t> Lists or RBL (Real Time </a:t>
-            </a:r>
-            <a:r>
-              <a:rPr lang="en-US" dirty="0" err="1"/>
-              <a:t>Blackhole</a:t>
-            </a:r>
-            <a:r>
-              <a:rPr lang="en-US" dirty="0"/>
-              <a:t> lists) to deny mail from well known spamming machines</a:t>
-            </a:r>
-          </a:p>
-          <a:p>
-            <a:r>
-              <a:rPr lang="en-US" dirty="0"/>
-              <a:t>Some well known good ones are</a:t>
-            </a:r>
-          </a:p>
-          <a:p>
-            <a:pPr lvl="1"/>
-            <a:r>
-              <a:rPr lang="en-US" dirty="0"/>
-              <a:t>SORBS – </a:t>
+              <a:t>ie</a:t>
+            </a:r>
+            <a:r>
+              <a:rPr lang="en-US" dirty="0"/>
+              <a:t> not </a:t>
             </a:r>
             <a:r>
               <a:rPr lang="en-US" dirty="0">
                 <a:hlinkClick r:id="rId2"/>
               </a:rPr>
-              <a:t>http://sorbs.net</a:t>
+              <a:t>user@192.14.5.6</a:t>
+            </a:r>
+            <a:r>
+              <a:rPr lang="en-US" dirty="0"/>
+              <a:t> </a:t>
+            </a:r>
+          </a:p>
+          <a:p>
+            <a:r>
+              <a:rPr lang="en-US" dirty="0"/>
+              <a:t>Mail server HELO name must be resolvable </a:t>
+            </a:r>
+            <a:r>
+              <a:rPr lang="en-US" dirty="0" err="1"/>
+              <a:t>ie</a:t>
+            </a:r>
+            <a:r>
+              <a:rPr lang="en-US" dirty="0"/>
+              <a:t> FQDN</a:t>
+            </a:r>
+          </a:p>
+          <a:p>
+            <a:r>
+              <a:rPr lang="en-US" dirty="0"/>
+              <a:t>Server identification must resolve </a:t>
+            </a:r>
+            <a:r>
+              <a:rPr lang="en-US" dirty="0" err="1"/>
+              <a:t>ie</a:t>
+            </a:r>
+            <a:r>
+              <a:rPr lang="en-US" dirty="0"/>
+              <a:t> HELO/EHLO name must be </a:t>
+            </a:r>
+            <a:r>
+              <a:rPr lang="en-US" dirty="0" err="1"/>
+              <a:t>resolveable</a:t>
             </a:r>
             <a:endParaRPr lang="en-US" dirty="0"/>
           </a:p>
           <a:p>
-            <a:pPr lvl="1"/>
-            <a:r>
-              <a:rPr lang="en-US" dirty="0"/>
-              <a:t>SPAMHAUS – </a:t>
+            <a:r>
+              <a:rPr lang="en-US" dirty="0"/>
+              <a:t>Email should be from a valid email address format </a:t>
+            </a:r>
+            <a:r>
+              <a:rPr lang="en-US" dirty="0" err="1"/>
+              <a:t>eg</a:t>
+            </a:r>
+            <a:r>
+              <a:rPr lang="en-US" dirty="0"/>
+              <a:t>: from </a:t>
             </a:r>
             <a:r>
               <a:rPr lang="en-US" dirty="0">
                 <a:hlinkClick r:id="rId3"/>
               </a:rPr>
-              <a:t>http://spamhaus.org</a:t>
+              <a:t>tom@example.com</a:t>
+            </a:r>
+            <a:r>
+              <a:rPr lang="en-US" dirty="0"/>
+              <a:t> and not from </a:t>
+            </a:r>
+            <a:r>
+              <a:rPr lang="en-US" dirty="0" err="1"/>
+              <a:t>tom@example</a:t>
             </a:r>
             <a:endParaRPr lang="en-US" dirty="0"/>
-          </a:p>
-          <a:p>
-            <a:pPr lvl="1"/>
-            <a:r>
-              <a:rPr lang="en-US" dirty="0"/>
-              <a:t>SPAMCOP – </a:t>
-            </a:r>
-            <a:r>
-              <a:rPr lang="en-US" dirty="0">
-                <a:hlinkClick r:id="rId4"/>
-              </a:rPr>
-              <a:t>http://spamcop.net</a:t>
-            </a:r>
-            <a:r>
-              <a:rPr lang="en-US" dirty="0"/>
-              <a:t> </a:t>
-            </a:r>
-          </a:p>
-          <a:p>
-            <a:pPr lvl="1"/>
-            <a:r>
-              <a:rPr lang="en-US" dirty="0"/>
-              <a:t>MANITU – </a:t>
-            </a:r>
-            <a:r>
-              <a:rPr lang="en-US" dirty="0">
-                <a:hlinkClick r:id="rId5"/>
-              </a:rPr>
-              <a:t>http://manitu.net</a:t>
-            </a:r>
-            <a:r>
-              <a:rPr lang="en-US" dirty="0"/>
-              <a:t> </a:t>
-            </a:r>
           </a:p>
         </p:txBody>
       </p:sp>
     </p:spTree>
     <p:extLst>
       <p:ext uri="{BB962C8B-B14F-4D97-AF65-F5344CB8AC3E}">
-        <p14:creationId xmlns:p14="http://schemas.microsoft.com/office/powerpoint/2010/main" val="1695567873"/>
+        <p14:creationId xmlns:p14="http://schemas.microsoft.com/office/powerpoint/2010/main" val="273808282"/>
       </p:ext>
     </p:extLst>
   </p:cSld>
@@ -4792,7 +4882,7 @@
           <a:p>
             <a:r>
               <a:rPr lang="en-US" b="1" dirty="0"/>
-              <a:t>Require strong Passwords</a:t>
+              <a:t>Use Blacklist databases</a:t>
             </a:r>
           </a:p>
         </p:txBody>
@@ -4814,27 +4904,91 @@
           <a:p>
             <a:r>
               <a:rPr lang="en-US" dirty="0"/>
-              <a:t>Advise users to use strong passwords or passphrases for their email</a:t>
-            </a:r>
-          </a:p>
-          <a:p>
-            <a:r>
-              <a:rPr lang="en-US" dirty="0"/>
-              <a:t>Alphanumeric passwords are better than normal passwords </a:t>
+              <a:t>Use DNSBL – DNS Based </a:t>
             </a:r>
             <a:r>
               <a:rPr lang="en-US" dirty="0" err="1"/>
-              <a:t>ie</a:t>
-            </a:r>
-            <a:r>
-              <a:rPr lang="en-US" dirty="0"/>
-              <a:t> combine letters with numbers</a:t>
-            </a:r>
-          </a:p>
-          <a:p>
-            <a:r>
-              <a:rPr lang="en-US" dirty="0"/>
-              <a:t>Passphrases are even better, more difficult to break </a:t>
+              <a:t>Blackhole</a:t>
+            </a:r>
+            <a:r>
+              <a:rPr lang="en-US" dirty="0"/>
+              <a:t> Lists or RBL (Real Time </a:t>
+            </a:r>
+            <a:r>
+              <a:rPr lang="en-US" dirty="0" err="1"/>
+              <a:t>Blackhole</a:t>
+            </a:r>
+            <a:r>
+              <a:rPr lang="en-US" dirty="0"/>
+              <a:t> lists) to deny mail from well known spamming machines</a:t>
+            </a:r>
+          </a:p>
+          <a:p>
+            <a:r>
+              <a:rPr lang="en-US" dirty="0"/>
+              <a:t>Some well known good ones are</a:t>
+            </a:r>
+          </a:p>
+          <a:p>
+            <a:pPr lvl="1"/>
+            <a:r>
+              <a:rPr lang="en-US" dirty="0"/>
+              <a:t>SORBS – </a:t>
+            </a:r>
+            <a:r>
+              <a:rPr lang="en-US" dirty="0">
+                <a:hlinkClick r:id="rId2"/>
+              </a:rPr>
+              <a:t>http://sorbs.net</a:t>
+            </a:r>
+            <a:endParaRPr lang="en-US" dirty="0"/>
+          </a:p>
+          <a:p>
+            <a:pPr lvl="1"/>
+            <a:r>
+              <a:rPr lang="en-US" dirty="0"/>
+              <a:t>SPAMHAUS – </a:t>
+            </a:r>
+            <a:r>
+              <a:rPr lang="en-US" dirty="0">
+                <a:hlinkClick r:id="rId3"/>
+              </a:rPr>
+              <a:t>http://spamhaus.org</a:t>
+            </a:r>
+            <a:endParaRPr lang="en-US" dirty="0"/>
+          </a:p>
+          <a:p>
+            <a:pPr lvl="1"/>
+            <a:r>
+              <a:rPr lang="en-US" dirty="0"/>
+              <a:t>SPAMCOP – </a:t>
+            </a:r>
+            <a:r>
+              <a:rPr lang="en-US" dirty="0">
+                <a:hlinkClick r:id="rId4"/>
+              </a:rPr>
+              <a:t>http://spamcop.net</a:t>
+            </a:r>
+            <a:r>
+              <a:rPr lang="en-US" dirty="0"/>
+              <a:t> </a:t>
+            </a:r>
+          </a:p>
+          <a:p>
+            <a:pPr lvl="1"/>
+            <a:r>
+              <a:rPr lang="en-US" dirty="0"/>
+              <a:t>MANITU – </a:t>
+            </a:r>
+            <a:r>
+              <a:rPr lang="en-US" dirty="0">
+                <a:hlinkClick r:id="rId5"/>
+              </a:rPr>
+              <a:t>http://manitu.net</a:t>
+            </a:r>
+            <a:r>
+              <a:rPr lang="en-US" dirty="0"/>
+              <a:t> </a:t>
             </a:r>
           </a:p>
         </p:txBody>
@@ -4842,7 +4996,7 @@
     </p:spTree>
     <p:extLst>
       <p:ext uri="{BB962C8B-B14F-4D97-AF65-F5344CB8AC3E}">
-        <p14:creationId xmlns:p14="http://schemas.microsoft.com/office/powerpoint/2010/main" val="301245821"/>
+        <p14:creationId xmlns:p14="http://schemas.microsoft.com/office/powerpoint/2010/main" val="1695567873"/>
       </p:ext>
     </p:extLst>
   </p:cSld>
@@ -4999,7 +5153,7 @@
           <a:p>
             <a:r>
               <a:rPr lang="en-US" b="1" dirty="0"/>
-              <a:t>Backup and Redundancy</a:t>
+              <a:t>Require strong Passwords</a:t>
             </a:r>
           </a:p>
         </p:txBody>
@@ -5016,60 +5170,40 @@
         </p:nvSpPr>
         <p:spPr/>
         <p:txBody>
-          <a:bodyPr>
-            <a:normAutofit/>
-          </a:bodyPr>
-          <a:lstStyle/>
-          <a:p>
-            <a:r>
-              <a:rPr lang="en-US" dirty="0"/>
-              <a:t>Have multiple MX records so that your server is not the only one able to receive mail for you</a:t>
-            </a:r>
-          </a:p>
-          <a:p>
-            <a:r>
-              <a:rPr lang="en-US" dirty="0"/>
-              <a:t>Backup your mail, use tools like </a:t>
+          <a:bodyPr/>
+          <a:lstStyle/>
+          <a:p>
+            <a:r>
+              <a:rPr lang="en-US" dirty="0"/>
+              <a:t>Advise users to use strong passwords or passphrases for their email</a:t>
+            </a:r>
+          </a:p>
+          <a:p>
+            <a:r>
+              <a:rPr lang="en-US" dirty="0"/>
+              <a:t>Alphanumeric passwords are better than normal passwords </a:t>
             </a:r>
             <a:r>
               <a:rPr lang="en-US" dirty="0" err="1"/>
-              <a:t>Rsync</a:t>
-            </a:r>
-            <a:r>
-              <a:rPr lang="en-US" dirty="0"/>
-              <a:t> to copy mail to another server as often as you can</a:t>
-            </a:r>
-          </a:p>
-          <a:p>
-            <a:r>
-              <a:rPr lang="en-US" dirty="0"/>
-              <a:t>Ensure your DNS records (MX, NS etc ) are correct and test them when you complete you setup</a:t>
-            </a:r>
-          </a:p>
-          <a:p>
-            <a:r>
-              <a:rPr lang="en-US" dirty="0"/>
-              <a:t>Use online tests like</a:t>
-            </a:r>
-          </a:p>
-          <a:p>
-            <a:pPr lvl="1"/>
-            <a:r>
-              <a:rPr lang="en-US" dirty="0"/>
-              <a:t>http://</a:t>
-            </a:r>
-            <a:r>
-              <a:rPr lang="en-US" dirty="0" err="1"/>
-              <a:t>intodns.net</a:t>
-            </a:r>
-            <a:endParaRPr lang="en-US" dirty="0"/>
+              <a:t>ie</a:t>
+            </a:r>
+            <a:r>
+              <a:rPr lang="en-US" dirty="0"/>
+              <a:t> combine letters with numbers</a:t>
+            </a:r>
+          </a:p>
+          <a:p>
+            <a:r>
+              <a:rPr lang="en-US" dirty="0"/>
+              <a:t>Passphrases are even better, more difficult to break </a:t>
+            </a:r>
           </a:p>
         </p:txBody>
       </p:sp>
     </p:spTree>
     <p:extLst>
       <p:ext uri="{BB962C8B-B14F-4D97-AF65-F5344CB8AC3E}">
-        <p14:creationId xmlns:p14="http://schemas.microsoft.com/office/powerpoint/2010/main" val="1419557568"/>
+        <p14:creationId xmlns:p14="http://schemas.microsoft.com/office/powerpoint/2010/main" val="301245821"/>
       </p:ext>
     </p:extLst>
   </p:cSld>
@@ -5113,6 +5247,120 @@
           <a:p>
             <a:r>
               <a:rPr lang="en-US" b="1" dirty="0"/>
+              <a:t>Backup and Redundancy</a:t>
+            </a:r>
+          </a:p>
+        </p:txBody>
+      </p:sp>
+      <p:sp>
+        <p:nvSpPr>
+          <p:cNvPr id="3" name="Content Placeholder 2"/>
+          <p:cNvSpPr>
+            <a:spLocks noGrp="1"/>
+          </p:cNvSpPr>
+          <p:nvPr>
+            <p:ph idx="1"/>
+          </p:nvPr>
+        </p:nvSpPr>
+        <p:spPr/>
+        <p:txBody>
+          <a:bodyPr>
+            <a:normAutofit/>
+          </a:bodyPr>
+          <a:lstStyle/>
+          <a:p>
+            <a:r>
+              <a:rPr lang="en-US" dirty="0"/>
+              <a:t>Have multiple MX records so that your server is not the only one able to receive mail for you</a:t>
+            </a:r>
+          </a:p>
+          <a:p>
+            <a:r>
+              <a:rPr lang="en-US" dirty="0"/>
+              <a:t>Backup your mail, use tools like </a:t>
+            </a:r>
+            <a:r>
+              <a:rPr lang="en-US" dirty="0" err="1"/>
+              <a:t>Rsync</a:t>
+            </a:r>
+            <a:r>
+              <a:rPr lang="en-US" dirty="0"/>
+              <a:t> to copy mail to another server as often as you can</a:t>
+            </a:r>
+          </a:p>
+          <a:p>
+            <a:r>
+              <a:rPr lang="en-US" dirty="0"/>
+              <a:t>Ensure your DNS records (MX, NS etc ) are correct and test them when you complete you setup</a:t>
+            </a:r>
+          </a:p>
+          <a:p>
+            <a:r>
+              <a:rPr lang="en-US" dirty="0"/>
+              <a:t>Use online tests like</a:t>
+            </a:r>
+          </a:p>
+          <a:p>
+            <a:pPr lvl="1"/>
+            <a:r>
+              <a:rPr lang="en-US" dirty="0"/>
+              <a:t>http://</a:t>
+            </a:r>
+            <a:r>
+              <a:rPr lang="en-US" dirty="0" err="1"/>
+              <a:t>intodns.net</a:t>
+            </a:r>
+            <a:endParaRPr lang="en-US" dirty="0"/>
+          </a:p>
+        </p:txBody>
+      </p:sp>
+    </p:spTree>
+    <p:extLst>
+      <p:ext uri="{BB962C8B-B14F-4D97-AF65-F5344CB8AC3E}">
+        <p14:creationId xmlns:p14="http://schemas.microsoft.com/office/powerpoint/2010/main" val="1419557568"/>
+      </p:ext>
+    </p:extLst>
+  </p:cSld>
+  <p:clrMapOvr>
+    <a:masterClrMapping/>
+  </p:clrMapOvr>
+</p:sld>
+</file>
+
+<file path=ppt/slides/slide22.xml><?xml version="1.0" encoding="utf-8"?>
+<p:sld xmlns:a="http://schemas.openxmlformats.org/drawingml/2006/main" xmlns:r="http://schemas.openxmlformats.org/officeDocument/2006/relationships" xmlns:p="http://schemas.openxmlformats.org/presentationml/2006/main">
+  <p:cSld>
+    <p:spTree>
+      <p:nvGrpSpPr>
+        <p:cNvPr id="1" name=""/>
+        <p:cNvGrpSpPr/>
+        <p:nvPr/>
+      </p:nvGrpSpPr>
+      <p:grpSpPr>
+        <a:xfrm>
+          <a:off x="0" y="0"/>
+          <a:ext cx="0" cy="0"/>
+          <a:chOff x="0" y="0"/>
+          <a:chExt cx="0" cy="0"/>
+        </a:xfrm>
+      </p:grpSpPr>
+      <p:sp>
+        <p:nvSpPr>
+          <p:cNvPr id="2" name="Title 1"/>
+          <p:cNvSpPr>
+            <a:spLocks noGrp="1"/>
+          </p:cNvSpPr>
+          <p:nvPr>
+            <p:ph type="title"/>
+          </p:nvPr>
+        </p:nvSpPr>
+        <p:spPr/>
+        <p:txBody>
+          <a:bodyPr/>
+          <a:lstStyle/>
+          <a:p>
+            <a:r>
+              <a:rPr lang="en-US" b="1" dirty="0"/>
               <a:t>The question of Ethics</a:t>
             </a:r>
           </a:p>
@@ -5186,7 +5434,7 @@
 </p:sld>
 </file>
 
-<file path=ppt/slides/slide22.xml><?xml version="1.0" encoding="utf-8"?>
+<file path=ppt/slides/slide23.xml><?xml version="1.0" encoding="utf-8"?>
 <p:sld xmlns:a="http://schemas.openxmlformats.org/drawingml/2006/main" xmlns:r="http://schemas.openxmlformats.org/officeDocument/2006/relationships" xmlns:p="http://schemas.openxmlformats.org/presentationml/2006/main">
   <p:cSld>
     <p:spTree>
@@ -5429,7 +5677,7 @@
           <a:p>
             <a:r>
               <a:rPr lang="en-US" b="1" dirty="0"/>
-              <a:t>SPF</a:t>
+              <a:t>Security</a:t>
             </a:r>
           </a:p>
         </p:txBody>
@@ -5453,99 +5701,69 @@
           <a:p>
             <a:r>
               <a:rPr lang="en-US" dirty="0"/>
-              <a:t>SPF – Sender Policy Framework</a:t>
+              <a:t>Run secure pages from the mail server and secure SMTP to clients</a:t>
             </a:r>
           </a:p>
           <a:p>
             <a:pPr lvl="1"/>
             <a:r>
               <a:rPr lang="en-US" dirty="0"/>
-              <a:t>SPF allows administrators to specify </a:t>
-            </a:r>
-            <a:r>
-              <a:rPr lang="en-US" sz="3200" dirty="0"/>
-              <a:t>which</a:t>
-            </a:r>
-            <a:r>
-              <a:rPr lang="en-US" sz="3200" dirty="0">
-                <a:hlinkClick r:id="rId2"/>
-              </a:rPr>
-              <a:t>hosts are allowed to send mail from a given domain by creating a specific </a:t>
-            </a:r>
-            <a:r>
-              <a:rPr lang="en-US" sz="3200" dirty="0">
-                <a:hlinkClick r:id="rId3"/>
-              </a:rPr>
-              <a:t>SPF record (or TXT record) in the </a:t>
-            </a:r>
-            <a:r>
-              <a:rPr lang="en-US" sz="3200" dirty="0">
-                <a:hlinkClick r:id="rId4"/>
-              </a:rPr>
-              <a:t>Domain Name System (DNS).</a:t>
-            </a:r>
-            <a:endParaRPr lang="en-US" sz="3200" dirty="0"/>
-          </a:p>
-          <a:p>
-            <a:r>
-              <a:rPr lang="en-US" i="1" dirty="0"/>
-              <a:t>@ IN TXT “</a:t>
-            </a:r>
-            <a:r>
-              <a:rPr lang="en-US" i="1" dirty="0" err="1"/>
-              <a:t>v</a:t>
-            </a:r>
-            <a:r>
-              <a:rPr lang="en-US" i="1" dirty="0"/>
-              <a:t>=spf1 </a:t>
-            </a:r>
-            <a:r>
-              <a:rPr lang="en-US" i="1" dirty="0" err="1"/>
-              <a:t>include:gmail.com</a:t>
-            </a:r>
-            <a:r>
-              <a:rPr lang="en-US" i="1" dirty="0"/>
-              <a:t> ip4:1.2.3.4 </a:t>
-            </a:r>
-            <a:r>
-              <a:rPr lang="en-US" i="1" dirty="0" err="1"/>
-              <a:t>mx</a:t>
-            </a:r>
-            <a:r>
-              <a:rPr lang="en-US" i="1" dirty="0"/>
-              <a:t> -all”</a:t>
-            </a:r>
-          </a:p>
-          <a:p>
-            <a:r>
-              <a:rPr lang="en-US" dirty="0"/>
-              <a:t>The above will only allow mail from IP 1.2.3.4 and any server in the domain with an MX record</a:t>
-            </a:r>
-          </a:p>
-          <a:p>
-            <a:r>
-              <a:rPr lang="en-US" dirty="0"/>
-              <a:t>If not sure use a generation tool online</a:t>
+              <a:t>Secure Webmail – port 443</a:t>
             </a:r>
           </a:p>
           <a:p>
             <a:pPr lvl="1"/>
             <a:r>
               <a:rPr lang="en-US" dirty="0"/>
-              <a:t>http://</a:t>
-            </a:r>
-            <a:r>
-              <a:rPr lang="en-US" dirty="0" err="1"/>
-              <a:t>www.mtgsy.net/dns/spfwizard.php</a:t>
-            </a:r>
-            <a:endParaRPr lang="en-US" dirty="0"/>
+              <a:t>Secure SMTP – port 465/587</a:t>
+            </a:r>
+          </a:p>
+          <a:p>
+            <a:r>
+              <a:rPr lang="en-US" dirty="0"/>
+              <a:t>Force clients to use secure IMAP or Secure POP</a:t>
+            </a:r>
+          </a:p>
+          <a:p>
+            <a:pPr lvl="1"/>
+            <a:r>
+              <a:rPr lang="en-US" dirty="0"/>
+              <a:t>Secure POP – port 995</a:t>
+            </a:r>
+          </a:p>
+          <a:p>
+            <a:pPr lvl="1"/>
+            <a:r>
+              <a:rPr lang="en-US" dirty="0"/>
+              <a:t>Secure IMAP – port 993</a:t>
+            </a:r>
+          </a:p>
+          <a:p>
+            <a:r>
+              <a:rPr lang="en-US" dirty="0"/>
+              <a:t>Require authentication on your mail server before a mail enters the queue from a sending client aka SMTP AUTH</a:t>
+            </a:r>
+          </a:p>
+          <a:p>
+            <a:r>
+              <a:rPr lang="en-US" dirty="0"/>
+              <a:t>Lock down your box and block </a:t>
+            </a:r>
+            <a:r>
+              <a:rPr lang="en-US"/>
+              <a:t>all unnecessary </a:t>
+            </a:r>
+            <a:r>
+              <a:rPr lang="en-US" dirty="0"/>
+              <a:t>ports </a:t>
+            </a:r>
           </a:p>
         </p:txBody>
       </p:sp>
     </p:spTree>
     <p:extLst>
       <p:ext uri="{BB962C8B-B14F-4D97-AF65-F5344CB8AC3E}">
-        <p14:creationId xmlns:p14="http://schemas.microsoft.com/office/powerpoint/2010/main" val="687747309"/>
+        <p14:creationId xmlns:p14="http://schemas.microsoft.com/office/powerpoint/2010/main" val="265550630"/>
       </p:ext>
     </p:extLst>
   </p:cSld>
@@ -5574,7 +5792,13 @@
       </p:grpSpPr>
       <p:sp>
         <p:nvSpPr>
-          <p:cNvPr id="2" name="Title 1"/>
+          <p:cNvPr id="2" name="Title 1">
+            <a:extLst>
+              <a:ext uri="{FF2B5EF4-FFF2-40B4-BE49-F238E27FC236}">
+                <a16:creationId xmlns:a16="http://schemas.microsoft.com/office/drawing/2014/main" id="{406F39B1-68BC-1A4E-A0AA-9DE4597E6ECF}"/>
+              </a:ext>
+            </a:extLst>
+          </p:cNvPr>
           <p:cNvSpPr>
             <a:spLocks noGrp="1"/>
           </p:cNvSpPr>
@@ -5584,26 +5808,30 @@
         </p:nvSpPr>
         <p:spPr>
           <a:xfrm>
-            <a:off x="1981200" y="126999"/>
-            <a:ext cx="7995356" cy="945444"/>
+            <a:off x="420624" y="228917"/>
+            <a:ext cx="10515600" cy="1325563"/>
           </a:xfrm>
         </p:spPr>
         <p:txBody>
-          <a:bodyPr>
-            <a:normAutofit fontScale="90000"/>
-          </a:bodyPr>
+          <a:bodyPr/>
           <a:lstStyle/>
           <a:p>
             <a:r>
               <a:rPr lang="en-US" b="1" dirty="0"/>
-              <a:t>Domain Keys Identified Mail (DKIM)</a:t>
-            </a:r>
-          </a:p>
-        </p:txBody>
-      </p:sp>
-      <p:sp>
-        <p:nvSpPr>
-          <p:cNvPr id="3" name="Content Placeholder 2"/>
+              <a:t>User Training is important</a:t>
+            </a:r>
+          </a:p>
+        </p:txBody>
+      </p:sp>
+      <p:sp>
+        <p:nvSpPr>
+          <p:cNvPr id="3" name="Content Placeholder 2">
+            <a:extLst>
+              <a:ext uri="{FF2B5EF4-FFF2-40B4-BE49-F238E27FC236}">
+                <a16:creationId xmlns:a16="http://schemas.microsoft.com/office/drawing/2014/main" id="{0E17EE87-41E6-3B49-A487-4FE6304B18EB}"/>
+              </a:ext>
+            </a:extLst>
+          </p:cNvPr>
           <p:cNvSpPr>
             <a:spLocks noGrp="1"/>
           </p:cNvSpPr>
@@ -5613,53 +5841,73 @@
         </p:nvSpPr>
         <p:spPr>
           <a:xfrm>
-            <a:off x="1721556" y="1072444"/>
-            <a:ext cx="8805333" cy="5446889"/>
+            <a:off x="420624" y="1554480"/>
+            <a:ext cx="11393424" cy="4919471"/>
           </a:xfrm>
         </p:spPr>
         <p:txBody>
-          <a:bodyPr>
-            <a:normAutofit lnSpcReduction="10000"/>
-          </a:bodyPr>
-          <a:lstStyle/>
-          <a:p>
-            <a:r>
-              <a:rPr lang="en-US" dirty="0"/>
-              <a:t>DKIM (</a:t>
-            </a:r>
-            <a:r>
-              <a:rPr lang="en-US" dirty="0" err="1"/>
-              <a:t>DomainKeys</a:t>
-            </a:r>
-            <a:r>
-              <a:rPr lang="en-US" dirty="0"/>
-              <a:t> Identified Mail) is an authentication mechanism to help protect both email receivers and email senders from forged and phishing email. </a:t>
-            </a:r>
-          </a:p>
-          <a:p>
-            <a:r>
-              <a:rPr lang="en-US" dirty="0"/>
-              <a:t>It is intended to prevent forged sender addresses in emails, a technique often used in phishing and email spam. </a:t>
-            </a:r>
-          </a:p>
-          <a:p>
-            <a:r>
-              <a:rPr lang="en-US" dirty="0"/>
-              <a:t>DKIM allows the receiver to check that an email claimed to come from a specific domain was indeed authorized by the owner of that domain which is done using cryptographic authentication.</a:t>
-            </a:r>
-          </a:p>
-          <a:p>
-            <a:r>
-              <a:rPr lang="en-US" dirty="0"/>
-              <a:t>Verification is carried out using the signer's public key published in the DNS. A valid signature guarantees that some parts of the email (possibly including attachments) have not been modified since the signature was affixed</a:t>
-            </a:r>
+          <a:bodyPr/>
+          <a:lstStyle/>
+          <a:p>
+            <a:r>
+              <a:rPr lang="en-US" sz="3600" dirty="0"/>
+              <a:t>Innocent actions by your users may trigger anti-spam rules</a:t>
+            </a:r>
+          </a:p>
+          <a:p>
+            <a:pPr lvl="1"/>
+            <a:r>
+              <a:rPr lang="en-US" sz="3600" dirty="0"/>
+              <a:t>Adding tens of email addresses in the “TO” field when composing email</a:t>
+            </a:r>
+          </a:p>
+          <a:p>
+            <a:pPr lvl="1"/>
+            <a:r>
+              <a:rPr lang="en-US" sz="3600" dirty="0"/>
+              <a:t>Adding Subject with ALL CAPS IN THE SUBJECT</a:t>
+            </a:r>
+          </a:p>
+          <a:p>
+            <a:pPr lvl="1"/>
+            <a:r>
+              <a:rPr lang="en-US" sz="3600" dirty="0"/>
+              <a:t>Attaching files with different extensions</a:t>
+            </a:r>
+          </a:p>
+          <a:p>
+            <a:pPr lvl="2"/>
+            <a:r>
+              <a:rPr lang="en-US" sz="3600" dirty="0"/>
+              <a:t>“</a:t>
+            </a:r>
+            <a:r>
+              <a:rPr lang="en-US" sz="3600" dirty="0" err="1"/>
+              <a:t>ImportantContract.PDF.Docx</a:t>
+            </a:r>
+            <a:r>
+              <a:rPr lang="en-US" sz="3600" dirty="0"/>
+              <a:t>” </a:t>
+            </a:r>
+          </a:p>
+          <a:p>
+            <a:r>
+              <a:rPr lang="en-US" sz="3600" dirty="0"/>
+              <a:t>Opening Phishing emails that contain trick subject lines like “Your inbox is full” or “Attention your email is compromised”</a:t>
+            </a:r>
+          </a:p>
+          <a:p>
+            <a:pPr marL="0" indent="0">
+              <a:buNone/>
+            </a:pPr>
+            <a:endParaRPr lang="en-US" dirty="0"/>
           </a:p>
         </p:txBody>
       </p:sp>
     </p:spTree>
     <p:extLst>
       <p:ext uri="{BB962C8B-B14F-4D97-AF65-F5344CB8AC3E}">
-        <p14:creationId xmlns:p14="http://schemas.microsoft.com/office/powerpoint/2010/main" val="1212034209"/>
+        <p14:creationId xmlns:p14="http://schemas.microsoft.com/office/powerpoint/2010/main" val="2576224562"/>
       </p:ext>
     </p:extLst>
   </p:cSld>
@@ -5696,12 +5944,29 @@
             <p:ph type="title"/>
           </p:nvPr>
         </p:nvSpPr>
-        <p:spPr>
-          <a:xfrm>
-            <a:off x="1981200" y="126999"/>
-            <a:ext cx="7995356" cy="945444"/>
-          </a:xfrm>
-        </p:spPr>
+        <p:spPr/>
+        <p:txBody>
+          <a:bodyPr/>
+          <a:lstStyle/>
+          <a:p>
+            <a:r>
+              <a:rPr lang="en-US" b="1" dirty="0"/>
+              <a:t>SPF – Sender Policy Framework</a:t>
+            </a:r>
+          </a:p>
+        </p:txBody>
+      </p:sp>
+      <p:sp>
+        <p:nvSpPr>
+          <p:cNvPr id="3" name="Content Placeholder 2"/>
+          <p:cNvSpPr>
+            <a:spLocks noGrp="1"/>
+          </p:cNvSpPr>
+          <p:nvPr>
+            <p:ph idx="1"/>
+          </p:nvPr>
+        </p:nvSpPr>
+        <p:spPr/>
         <p:txBody>
           <a:bodyPr>
             <a:normAutofit/>
@@ -5709,88 +5974,92 @@
           <a:lstStyle/>
           <a:p>
             <a:r>
-              <a:rPr lang="en-US" b="1" dirty="0"/>
-              <a:t>DMARC - </a:t>
-            </a:r>
-          </a:p>
-        </p:txBody>
-      </p:sp>
-      <p:sp>
-        <p:nvSpPr>
-          <p:cNvPr id="3" name="Content Placeholder 2"/>
-          <p:cNvSpPr>
-            <a:spLocks noGrp="1"/>
-          </p:cNvSpPr>
-          <p:nvPr>
-            <p:ph idx="1"/>
-          </p:nvPr>
-        </p:nvSpPr>
-        <p:spPr>
-          <a:xfrm>
-            <a:off x="1721556" y="1072444"/>
-            <a:ext cx="8805333" cy="5446889"/>
-          </a:xfrm>
-        </p:spPr>
-        <p:txBody>
-          <a:bodyPr>
-            <a:normAutofit/>
-          </a:bodyPr>
-          <a:lstStyle/>
-          <a:p>
-            <a:r>
-              <a:rPr lang="en-US" dirty="0"/>
-              <a:t>which stands for “Domain-based Message Authentication, Reporting &amp; Conformance </a:t>
-            </a:r>
-          </a:p>
-          <a:p>
-            <a:r>
-              <a:rPr lang="en-US" dirty="0"/>
-              <a:t>It builds on the widely deployed </a:t>
-            </a:r>
-            <a:r>
-              <a:rPr lang="en-US" u="sng" dirty="0">
+              <a:rPr lang="en-US" dirty="0"/>
+              <a:t>SPF – Sender Policy Framework</a:t>
+            </a:r>
+          </a:p>
+          <a:p>
+            <a:pPr lvl="1"/>
+            <a:r>
+              <a:rPr lang="en-US" dirty="0"/>
+              <a:t>SPF allows administrators to specify </a:t>
+            </a:r>
+            <a:r>
+              <a:rPr lang="en-US" sz="3200" dirty="0"/>
+              <a:t>which</a:t>
+            </a:r>
+            <a:r>
+              <a:rPr lang="en-US" sz="3200" dirty="0">
                 <a:hlinkClick r:id="rId2"/>
               </a:rPr>
-              <a:t>SPF</a:t>
-            </a:r>
-            <a:r>
-              <a:rPr lang="en-US" dirty="0"/>
-              <a:t> and </a:t>
-            </a:r>
-            <a:r>
-              <a:rPr lang="en-US" u="sng" dirty="0">
+              <a:t>hosts are allowed to send mail from a given domain by creating a specific </a:t>
+            </a:r>
+            <a:r>
+              <a:rPr lang="en-US" sz="3200" dirty="0">
                 <a:hlinkClick r:id="rId3"/>
               </a:rPr>
-              <a:t>DKIM</a:t>
-            </a:r>
-            <a:r>
-              <a:rPr lang="en-US" dirty="0"/>
-              <a:t> protocols, adding linkage to the author (“From:”) domain name, published policies for recipient handling of authentication failures </a:t>
-            </a:r>
-          </a:p>
-          <a:p>
-            <a:r>
-              <a:rPr lang="en-US" dirty="0"/>
-              <a:t>Another IETF standard designed to combat growing spam</a:t>
-            </a:r>
-          </a:p>
-          <a:p>
-            <a:r>
-              <a:rPr lang="en-US" dirty="0"/>
-              <a:t>More at </a:t>
-            </a:r>
-            <a:r>
-              <a:rPr lang="en-US" dirty="0">
+              <a:t>SPF record (or TXT record) in the </a:t>
+            </a:r>
+            <a:r>
+              <a:rPr lang="en-US" sz="3200" dirty="0">
                 <a:hlinkClick r:id="rId4"/>
               </a:rPr>
-              <a:t>http://dmarc.org</a:t>
-            </a:r>
-            <a:r>
-              <a:rPr lang="en-US" dirty="0"/>
-              <a:t> </a:t>
-            </a:r>
-          </a:p>
-          <a:p>
+              <a:t>Domain Name System (DNS).</a:t>
+            </a:r>
+            <a:endParaRPr lang="en-US" sz="3200" dirty="0"/>
+          </a:p>
+          <a:p>
+            <a:r>
+              <a:rPr lang="en-US" i="1" dirty="0"/>
+              <a:t>@ IN TXT “</a:t>
+            </a:r>
+            <a:r>
+              <a:rPr lang="en-US" i="1" dirty="0" err="1"/>
+              <a:t>v</a:t>
+            </a:r>
+            <a:r>
+              <a:rPr lang="en-US" i="1" dirty="0"/>
+              <a:t>=spf1 </a:t>
+            </a:r>
+            <a:r>
+              <a:rPr lang="en-US" i="1" dirty="0" err="1"/>
+              <a:t>include:gmail.com</a:t>
+            </a:r>
+            <a:r>
+              <a:rPr lang="en-US" i="1" dirty="0"/>
+              <a:t> ip4:1.2.3.4 </a:t>
+            </a:r>
+            <a:r>
+              <a:rPr lang="en-US" i="1" dirty="0" err="1"/>
+              <a:t>mx</a:t>
+            </a:r>
+            <a:r>
+              <a:rPr lang="en-US" i="1" dirty="0"/>
+              <a:t> -all”</a:t>
+            </a:r>
+          </a:p>
+          <a:p>
+            <a:r>
+              <a:rPr lang="en-US" dirty="0"/>
+              <a:t>The above will only allow mail from IP 1.2.3.4 and any server in the domain with an MX record</a:t>
+            </a:r>
+          </a:p>
+          <a:p>
+            <a:r>
+              <a:rPr lang="en-US" dirty="0"/>
+              <a:t>If not sure use a generation tool online</a:t>
+            </a:r>
+          </a:p>
+          <a:p>
+            <a:pPr lvl="1"/>
+            <a:r>
+              <a:rPr lang="en-US" dirty="0"/>
+              <a:t>http://</a:t>
+            </a:r>
+            <a:r>
+              <a:rPr lang="en-US" dirty="0" err="1"/>
+              <a:t>www.mtgsy.net/dns/spfwizard.php</a:t>
+            </a:r>
             <a:endParaRPr lang="en-US" dirty="0"/>
           </a:p>
         </p:txBody>
@@ -5798,7 +6067,7 @@
     </p:spTree>
     <p:extLst>
       <p:ext uri="{BB962C8B-B14F-4D97-AF65-F5344CB8AC3E}">
-        <p14:creationId xmlns:p14="http://schemas.microsoft.com/office/powerpoint/2010/main" val="1776558868"/>
+        <p14:creationId xmlns:p14="http://schemas.microsoft.com/office/powerpoint/2010/main" val="687747309"/>
       </p:ext>
     </p:extLst>
   </p:cSld>
@@ -5835,6 +6104,259 @@
             <p:ph type="title"/>
           </p:nvPr>
         </p:nvSpPr>
+        <p:spPr>
+          <a:xfrm>
+            <a:off x="1981200" y="126999"/>
+            <a:ext cx="7995356" cy="945444"/>
+          </a:xfrm>
+        </p:spPr>
+        <p:txBody>
+          <a:bodyPr>
+            <a:normAutofit fontScale="90000"/>
+          </a:bodyPr>
+          <a:lstStyle/>
+          <a:p>
+            <a:r>
+              <a:rPr lang="en-US" b="1" dirty="0"/>
+              <a:t>Domain Keys Identified Mail (DKIM)</a:t>
+            </a:r>
+          </a:p>
+        </p:txBody>
+      </p:sp>
+      <p:sp>
+        <p:nvSpPr>
+          <p:cNvPr id="3" name="Content Placeholder 2"/>
+          <p:cNvSpPr>
+            <a:spLocks noGrp="1"/>
+          </p:cNvSpPr>
+          <p:nvPr>
+            <p:ph idx="1"/>
+          </p:nvPr>
+        </p:nvSpPr>
+        <p:spPr>
+          <a:xfrm>
+            <a:off x="1721556" y="1072444"/>
+            <a:ext cx="8805333" cy="5446889"/>
+          </a:xfrm>
+        </p:spPr>
+        <p:txBody>
+          <a:bodyPr>
+            <a:normAutofit lnSpcReduction="10000"/>
+          </a:bodyPr>
+          <a:lstStyle/>
+          <a:p>
+            <a:r>
+              <a:rPr lang="en-US" dirty="0"/>
+              <a:t>DKIM (</a:t>
+            </a:r>
+            <a:r>
+              <a:rPr lang="en-US" dirty="0" err="1"/>
+              <a:t>DomainKeys</a:t>
+            </a:r>
+            <a:r>
+              <a:rPr lang="en-US" dirty="0"/>
+              <a:t> Identified Mail) is an authentication mechanism to help protect both email receivers and email senders from forged and phishing email. </a:t>
+            </a:r>
+          </a:p>
+          <a:p>
+            <a:r>
+              <a:rPr lang="en-US" dirty="0"/>
+              <a:t>It is intended to prevent forged sender addresses in emails, a technique often used in phishing and email spam. </a:t>
+            </a:r>
+          </a:p>
+          <a:p>
+            <a:r>
+              <a:rPr lang="en-US" dirty="0"/>
+              <a:t>DKIM allows the receiver to check that an email claimed to come from a specific domain was indeed authorized by the owner of that domain which is done using cryptographic authentication.</a:t>
+            </a:r>
+          </a:p>
+          <a:p>
+            <a:r>
+              <a:rPr lang="en-US" dirty="0"/>
+              <a:t>Verification is carried out using the signer's public key published in the DNS. A valid signature guarantees that some parts of the email (possibly including attachments) have not been modified since the signature was affixed</a:t>
+            </a:r>
+          </a:p>
+        </p:txBody>
+      </p:sp>
+    </p:spTree>
+    <p:extLst>
+      <p:ext uri="{BB962C8B-B14F-4D97-AF65-F5344CB8AC3E}">
+        <p14:creationId xmlns:p14="http://schemas.microsoft.com/office/powerpoint/2010/main" val="1212034209"/>
+      </p:ext>
+    </p:extLst>
+  </p:cSld>
+  <p:clrMapOvr>
+    <a:masterClrMapping/>
+  </p:clrMapOvr>
+</p:sld>
+</file>
+
+<file path=ppt/slides/slide7.xml><?xml version="1.0" encoding="utf-8"?>
+<p:sld xmlns:a="http://schemas.openxmlformats.org/drawingml/2006/main" xmlns:r="http://schemas.openxmlformats.org/officeDocument/2006/relationships" xmlns:p="http://schemas.openxmlformats.org/presentationml/2006/main">
+  <p:cSld>
+    <p:spTree>
+      <p:nvGrpSpPr>
+        <p:cNvPr id="1" name=""/>
+        <p:cNvGrpSpPr/>
+        <p:nvPr/>
+      </p:nvGrpSpPr>
+      <p:grpSpPr>
+        <a:xfrm>
+          <a:off x="0" y="0"/>
+          <a:ext cx="0" cy="0"/>
+          <a:chOff x="0" y="0"/>
+          <a:chExt cx="0" cy="0"/>
+        </a:xfrm>
+      </p:grpSpPr>
+      <p:sp>
+        <p:nvSpPr>
+          <p:cNvPr id="2" name="Title 1"/>
+          <p:cNvSpPr>
+            <a:spLocks noGrp="1"/>
+          </p:cNvSpPr>
+          <p:nvPr>
+            <p:ph type="title"/>
+          </p:nvPr>
+        </p:nvSpPr>
+        <p:spPr>
+          <a:xfrm>
+            <a:off x="1981200" y="126999"/>
+            <a:ext cx="7995356" cy="945444"/>
+          </a:xfrm>
+        </p:spPr>
+        <p:txBody>
+          <a:bodyPr>
+            <a:normAutofit/>
+          </a:bodyPr>
+          <a:lstStyle/>
+          <a:p>
+            <a:r>
+              <a:rPr lang="en-US" b="1" dirty="0"/>
+              <a:t>DMARC - </a:t>
+            </a:r>
+          </a:p>
+        </p:txBody>
+      </p:sp>
+      <p:sp>
+        <p:nvSpPr>
+          <p:cNvPr id="3" name="Content Placeholder 2"/>
+          <p:cNvSpPr>
+            <a:spLocks noGrp="1"/>
+          </p:cNvSpPr>
+          <p:nvPr>
+            <p:ph idx="1"/>
+          </p:nvPr>
+        </p:nvSpPr>
+        <p:spPr>
+          <a:xfrm>
+            <a:off x="1721556" y="1072444"/>
+            <a:ext cx="8805333" cy="5446889"/>
+          </a:xfrm>
+        </p:spPr>
+        <p:txBody>
+          <a:bodyPr>
+            <a:normAutofit/>
+          </a:bodyPr>
+          <a:lstStyle/>
+          <a:p>
+            <a:r>
+              <a:rPr lang="en-US" dirty="0"/>
+              <a:t>which stands for “Domain-based Message Authentication, Reporting &amp; Conformance </a:t>
+            </a:r>
+          </a:p>
+          <a:p>
+            <a:r>
+              <a:rPr lang="en-US" dirty="0"/>
+              <a:t>It builds on the widely deployed </a:t>
+            </a:r>
+            <a:r>
+              <a:rPr lang="en-US" u="sng" dirty="0">
+                <a:hlinkClick r:id="rId2"/>
+              </a:rPr>
+              <a:t>SPF</a:t>
+            </a:r>
+            <a:r>
+              <a:rPr lang="en-US" dirty="0"/>
+              <a:t> and </a:t>
+            </a:r>
+            <a:r>
+              <a:rPr lang="en-US" u="sng" dirty="0">
+                <a:hlinkClick r:id="rId3"/>
+              </a:rPr>
+              <a:t>DKIM</a:t>
+            </a:r>
+            <a:r>
+              <a:rPr lang="en-US" dirty="0"/>
+              <a:t> protocols, adding linkage to the author (“From:”) domain name, published policies for recipient handling of authentication failures </a:t>
+            </a:r>
+          </a:p>
+          <a:p>
+            <a:r>
+              <a:rPr lang="en-US" dirty="0"/>
+              <a:t>Another IETF standard designed to combat growing spam</a:t>
+            </a:r>
+          </a:p>
+          <a:p>
+            <a:r>
+              <a:rPr lang="en-US" dirty="0"/>
+              <a:t>More at </a:t>
+            </a:r>
+            <a:r>
+              <a:rPr lang="en-US" dirty="0">
+                <a:hlinkClick r:id="rId4"/>
+              </a:rPr>
+              <a:t>http://dmarc.org</a:t>
+            </a:r>
+            <a:r>
+              <a:rPr lang="en-US" dirty="0"/>
+              <a:t> </a:t>
+            </a:r>
+          </a:p>
+          <a:p>
+            <a:endParaRPr lang="en-US" dirty="0"/>
+          </a:p>
+        </p:txBody>
+      </p:sp>
+    </p:spTree>
+    <p:extLst>
+      <p:ext uri="{BB962C8B-B14F-4D97-AF65-F5344CB8AC3E}">
+        <p14:creationId xmlns:p14="http://schemas.microsoft.com/office/powerpoint/2010/main" val="1776558868"/>
+      </p:ext>
+    </p:extLst>
+  </p:cSld>
+  <p:clrMapOvr>
+    <a:masterClrMapping/>
+  </p:clrMapOvr>
+</p:sld>
+</file>
+
+<file path=ppt/slides/slide8.xml><?xml version="1.0" encoding="utf-8"?>
+<p:sld xmlns:a="http://schemas.openxmlformats.org/drawingml/2006/main" xmlns:r="http://schemas.openxmlformats.org/officeDocument/2006/relationships" xmlns:p="http://schemas.openxmlformats.org/presentationml/2006/main">
+  <p:cSld>
+    <p:spTree>
+      <p:nvGrpSpPr>
+        <p:cNvPr id="1" name=""/>
+        <p:cNvGrpSpPr/>
+        <p:nvPr/>
+      </p:nvGrpSpPr>
+      <p:grpSpPr>
+        <a:xfrm>
+          <a:off x="0" y="0"/>
+          <a:ext cx="0" cy="0"/>
+          <a:chOff x="0" y="0"/>
+          <a:chExt cx="0" cy="0"/>
+        </a:xfrm>
+      </p:grpSpPr>
+      <p:sp>
+        <p:nvSpPr>
+          <p:cNvPr id="2" name="Title 1"/>
+          <p:cNvSpPr>
+            <a:spLocks noGrp="1"/>
+          </p:cNvSpPr>
+          <p:nvPr>
+            <p:ph type="title"/>
+          </p:nvPr>
+        </p:nvSpPr>
         <p:spPr/>
         <p:txBody>
           <a:bodyPr/>
@@ -5942,7 +6464,7 @@
 </p:sld>
 </file>
 
-<file path=ppt/slides/slide7.xml><?xml version="1.0" encoding="utf-8"?>
+<file path=ppt/slides/slide9.xml><?xml version="1.0" encoding="utf-8"?>
 <p:sld xmlns:a="http://schemas.openxmlformats.org/drawingml/2006/main" xmlns:r="http://schemas.openxmlformats.org/officeDocument/2006/relationships" xmlns:p="http://schemas.openxmlformats.org/presentationml/2006/main">
   <p:cSld>
     <p:spTree>
@@ -6057,383 +6579,6 @@
     <p:extLst>
       <p:ext uri="{BB962C8B-B14F-4D97-AF65-F5344CB8AC3E}">
         <p14:creationId xmlns:p14="http://schemas.microsoft.com/office/powerpoint/2010/main" val="6114404"/>
-      </p:ext>
-    </p:extLst>
-  </p:cSld>
-  <p:clrMapOvr>
-    <a:masterClrMapping/>
-  </p:clrMapOvr>
-</p:sld>
-</file>
-
-<file path=ppt/slides/slide8.xml><?xml version="1.0" encoding="utf-8"?>
-<p:sld xmlns:a="http://schemas.openxmlformats.org/drawingml/2006/main" xmlns:r="http://schemas.openxmlformats.org/officeDocument/2006/relationships" xmlns:p="http://schemas.openxmlformats.org/presentationml/2006/main">
-  <p:cSld>
-    <p:spTree>
-      <p:nvGrpSpPr>
-        <p:cNvPr id="1" name=""/>
-        <p:cNvGrpSpPr/>
-        <p:nvPr/>
-      </p:nvGrpSpPr>
-      <p:grpSpPr>
-        <a:xfrm>
-          <a:off x="0" y="0"/>
-          <a:ext cx="0" cy="0"/>
-          <a:chOff x="0" y="0"/>
-          <a:chExt cx="0" cy="0"/>
-        </a:xfrm>
-      </p:grpSpPr>
-      <p:sp>
-        <p:nvSpPr>
-          <p:cNvPr id="2" name="Title 1"/>
-          <p:cNvSpPr>
-            <a:spLocks noGrp="1"/>
-          </p:cNvSpPr>
-          <p:nvPr>
-            <p:ph type="title"/>
-          </p:nvPr>
-        </p:nvSpPr>
-        <p:spPr/>
-        <p:txBody>
-          <a:bodyPr/>
-          <a:lstStyle/>
-          <a:p>
-            <a:r>
-              <a:rPr lang="en-US" b="1" dirty="0"/>
-              <a:t>SPF, DKIM and DMARC</a:t>
-            </a:r>
-          </a:p>
-        </p:txBody>
-      </p:sp>
-      <p:sp>
-        <p:nvSpPr>
-          <p:cNvPr id="3" name="Content Placeholder 2"/>
-          <p:cNvSpPr>
-            <a:spLocks noGrp="1"/>
-          </p:cNvSpPr>
-          <p:nvPr>
-            <p:ph idx="1"/>
-          </p:nvPr>
-        </p:nvSpPr>
-        <p:spPr/>
-        <p:txBody>
-          <a:bodyPr>
-            <a:normAutofit/>
-          </a:bodyPr>
-          <a:lstStyle/>
-          <a:p>
-            <a:r>
-              <a:rPr lang="en-US" dirty="0"/>
-              <a:t>All published in DNS!</a:t>
-            </a:r>
-          </a:p>
-          <a:p>
-            <a:r>
-              <a:rPr lang="en-US" dirty="0"/>
-              <a:t>SPF sample: </a:t>
-            </a:r>
-            <a:r>
-              <a:rPr lang="en-US" sz="2000" dirty="0">
-                <a:solidFill>
-                  <a:srgbClr val="FF0000"/>
-                </a:solidFill>
-              </a:rPr>
-              <a:t>$dig TXT </a:t>
-            </a:r>
-            <a:r>
-              <a:rPr lang="en-US" sz="2000" dirty="0" err="1">
-                <a:solidFill>
-                  <a:srgbClr val="FF0000"/>
-                </a:solidFill>
-              </a:rPr>
-              <a:t>facebook.com</a:t>
-            </a:r>
-            <a:br>
-              <a:rPr lang="en-US" dirty="0">
-                <a:solidFill>
-                  <a:srgbClr val="FF0000"/>
-                </a:solidFill>
-              </a:rPr>
-            </a:br>
-            <a:r>
-              <a:rPr lang="en-US" sz="1800" dirty="0"/>
-              <a:t>“</a:t>
-            </a:r>
-            <a:r>
-              <a:rPr lang="en-US" sz="1800" i="1" dirty="0"/>
-              <a:t>v=spf1 redirect=_</a:t>
-            </a:r>
-            <a:r>
-              <a:rPr lang="en-US" sz="1800" i="1" dirty="0" err="1"/>
-              <a:t>spf.facebook.com</a:t>
-            </a:r>
-            <a:r>
-              <a:rPr lang="en-US" sz="1800" i="1" dirty="0"/>
-              <a:t>”</a:t>
-            </a:r>
-          </a:p>
-          <a:p>
-            <a:r>
-              <a:rPr lang="en-US" dirty="0"/>
-              <a:t>DKIM sample: </a:t>
-            </a:r>
-            <a:r>
-              <a:rPr lang="en-US" sz="1800" i="1" dirty="0">
-                <a:solidFill>
-                  <a:srgbClr val="FF0000"/>
-                </a:solidFill>
-              </a:rPr>
-              <a:t>$</a:t>
-            </a:r>
-            <a:r>
-              <a:rPr lang="en-US" sz="2100" dirty="0">
-                <a:solidFill>
-                  <a:srgbClr val="FF0000"/>
-                </a:solidFill>
-              </a:rPr>
-              <a:t>dig google._</a:t>
-            </a:r>
-            <a:r>
-              <a:rPr lang="en-US" sz="2100" dirty="0" err="1">
-                <a:solidFill>
-                  <a:srgbClr val="FF0000"/>
-                </a:solidFill>
-              </a:rPr>
-              <a:t>domainkey.protodave.com</a:t>
-            </a:r>
-            <a:r>
-              <a:rPr lang="en-US" sz="2100" dirty="0">
-                <a:solidFill>
-                  <a:srgbClr val="FF0000"/>
-                </a:solidFill>
-              </a:rPr>
-              <a:t> TXT</a:t>
-            </a:r>
-            <a:br>
-              <a:rPr lang="en-US" sz="2100" dirty="0">
-                <a:solidFill>
-                  <a:srgbClr val="FF0000"/>
-                </a:solidFill>
-              </a:rPr>
-            </a:br>
-            <a:r>
-              <a:rPr lang="en-US" sz="1800" i="1" dirty="0"/>
-              <a:t>google._</a:t>
-            </a:r>
-            <a:r>
-              <a:rPr lang="en-US" sz="1800" i="1" dirty="0" err="1"/>
-              <a:t>domainkey.protodave.com</a:t>
-            </a:r>
-            <a:r>
-              <a:rPr lang="en-US" sz="1800" i="1" dirty="0"/>
-              <a:t>. 3600 IN TXT	"v=DKIM1\; k=</a:t>
-            </a:r>
-            <a:r>
-              <a:rPr lang="en-US" sz="1800" i="1" dirty="0" err="1"/>
-              <a:t>rsa</a:t>
-            </a:r>
-            <a:r>
-              <a:rPr lang="en-US" sz="1800" i="1" dirty="0"/>
-              <a:t>\; p=MIIBIjANBgkqhkiG9w0BAQEFAAOCAQ8AMIIBCgKCAQEAhArxYH88+A76Gk7/8ENefN5RhMFhoYJp8T3KLPYYpejDI45PKWTO+2r8ZJZOtuk7tsG07bmJyU8PFvU48Lf1xtb4WcFxKKjd7N5MF6JcHD51Xb8XDAJA2ldqxH4hBbw9dRjsT7WBFXbp2x6MSWxgi9f1w+7Z2IFG+AtUjrf8/9N3gLieaZKZT1SEhR8TnhfOm" "FG0LfMyS0YtfHKrkUkBCEmWBPisB2CcZBShKr6/T8/UB/oZF8XMRd0NOsru9MGx9Yp89jIYS5YRuvbA0/TLgOOiqrSU5Ms1egMwfFyy4BMDUKayZzF6BxNPc/+</a:t>
-            </a:r>
-            <a:r>
-              <a:rPr lang="en-US" sz="1800" i="1" dirty="0" err="1"/>
-              <a:t>UoFrYHKRZpyD</a:t>
-            </a:r>
-            <a:r>
-              <a:rPr lang="en-US" sz="1800" i="1" dirty="0"/>
-              <a:t>/kEd4FXNEddlksQIDAQAB</a:t>
-            </a:r>
-            <a:r>
-              <a:rPr lang="en-US" sz="1600" dirty="0"/>
-              <a:t>”</a:t>
-            </a:r>
-          </a:p>
-          <a:p>
-            <a:r>
-              <a:rPr lang="en-US" dirty="0"/>
-              <a:t>DMARC sample: </a:t>
-            </a:r>
-            <a:r>
-              <a:rPr lang="en-US" sz="2000" dirty="0">
-                <a:solidFill>
-                  <a:srgbClr val="FF0000"/>
-                </a:solidFill>
-              </a:rPr>
-              <a:t>dig TXT _</a:t>
-            </a:r>
-            <a:r>
-              <a:rPr lang="en-US" sz="2000" dirty="0" err="1">
-                <a:solidFill>
-                  <a:srgbClr val="FF0000"/>
-                </a:solidFill>
-              </a:rPr>
-              <a:t>dmarc.google.com</a:t>
-            </a:r>
-            <a:br>
-              <a:rPr lang="en-US" dirty="0">
-                <a:solidFill>
-                  <a:srgbClr val="FF0000"/>
-                </a:solidFill>
-              </a:rPr>
-            </a:br>
-            <a:r>
-              <a:rPr lang="en-US" sz="2200" i="1" dirty="0"/>
-              <a:t>"v=DMARC1;p=</a:t>
-            </a:r>
-            <a:r>
-              <a:rPr lang="en-US" sz="2200" i="1" dirty="0" err="1"/>
-              <a:t>reject;pct</a:t>
-            </a:r>
-            <a:r>
-              <a:rPr lang="en-US" sz="2200" i="1" dirty="0"/>
-              <a:t>=100;rua=</a:t>
-            </a:r>
-            <a:r>
-              <a:rPr lang="en-US" sz="2200" i="1" dirty="0" err="1"/>
-              <a:t>mailto:postmaster@dmarcdomain.com</a:t>
-            </a:r>
-            <a:r>
-              <a:rPr lang="en-US" sz="2200" i="1" dirty="0"/>
-              <a:t>”</a:t>
-            </a:r>
-            <a:br>
-              <a:rPr lang="en-US" sz="2200" i="1" dirty="0"/>
-            </a:br>
-            <a:endParaRPr lang="en-US" sz="2200" i="1" dirty="0"/>
-          </a:p>
-        </p:txBody>
-      </p:sp>
-    </p:spTree>
-    <p:extLst>
-      <p:ext uri="{BB962C8B-B14F-4D97-AF65-F5344CB8AC3E}">
-        <p14:creationId xmlns:p14="http://schemas.microsoft.com/office/powerpoint/2010/main" val="1833056619"/>
-      </p:ext>
-    </p:extLst>
-  </p:cSld>
-  <p:clrMapOvr>
-    <a:masterClrMapping/>
-  </p:clrMapOvr>
-</p:sld>
-</file>
-
-<file path=ppt/slides/slide9.xml><?xml version="1.0" encoding="utf-8"?>
-<p:sld xmlns:a="http://schemas.openxmlformats.org/drawingml/2006/main" xmlns:r="http://schemas.openxmlformats.org/officeDocument/2006/relationships" xmlns:p="http://schemas.openxmlformats.org/presentationml/2006/main">
-  <p:cSld>
-    <p:spTree>
-      <p:nvGrpSpPr>
-        <p:cNvPr id="1" name=""/>
-        <p:cNvGrpSpPr/>
-        <p:nvPr/>
-      </p:nvGrpSpPr>
-      <p:grpSpPr>
-        <a:xfrm>
-          <a:off x="0" y="0"/>
-          <a:ext cx="0" cy="0"/>
-          <a:chOff x="0" y="0"/>
-          <a:chExt cx="0" cy="0"/>
-        </a:xfrm>
-      </p:grpSpPr>
-      <p:sp>
-        <p:nvSpPr>
-          <p:cNvPr id="2" name="Title 1">
-            <a:extLst>
-              <a:ext uri="{FF2B5EF4-FFF2-40B4-BE49-F238E27FC236}">
-                <a16:creationId xmlns:a16="http://schemas.microsoft.com/office/drawing/2014/main" id="{6BD1BB43-1CF8-E140-A565-DA2D72EE8D9F}"/>
-              </a:ext>
-            </a:extLst>
-          </p:cNvPr>
-          <p:cNvSpPr>
-            <a:spLocks noGrp="1"/>
-          </p:cNvSpPr>
-          <p:nvPr>
-            <p:ph type="title"/>
-          </p:nvPr>
-        </p:nvSpPr>
-        <p:spPr/>
-        <p:txBody>
-          <a:bodyPr/>
-          <a:lstStyle/>
-          <a:p>
-            <a:r>
-              <a:rPr lang="en-US" b="1" dirty="0"/>
-              <a:t>DANE – Encrypting email transfer from sender to recipient</a:t>
-            </a:r>
-          </a:p>
-        </p:txBody>
-      </p:sp>
-      <p:sp>
-        <p:nvSpPr>
-          <p:cNvPr id="3" name="Content Placeholder 2">
-            <a:extLst>
-              <a:ext uri="{FF2B5EF4-FFF2-40B4-BE49-F238E27FC236}">
-                <a16:creationId xmlns:a16="http://schemas.microsoft.com/office/drawing/2014/main" id="{717742A2-4066-1643-86B0-70FC30A812B6}"/>
-              </a:ext>
-            </a:extLst>
-          </p:cNvPr>
-          <p:cNvSpPr>
-            <a:spLocks noGrp="1"/>
-          </p:cNvSpPr>
-          <p:nvPr>
-            <p:ph idx="1"/>
-          </p:nvPr>
-        </p:nvSpPr>
-        <p:spPr/>
-        <p:txBody>
-          <a:bodyPr>
-            <a:normAutofit fontScale="92500" lnSpcReduction="10000"/>
-          </a:bodyPr>
-          <a:lstStyle/>
-          <a:p>
-            <a:r>
-              <a:rPr lang="en-US" dirty="0"/>
-              <a:t>DNS-based Authentication of Named Entities</a:t>
-            </a:r>
-          </a:p>
-          <a:p>
-            <a:r>
-              <a:rPr lang="en-US" dirty="0"/>
-              <a:t>Described in RFC 6698 and proposed as  way to authenticated TLS certificates to be bound to DNS using DNSSEC</a:t>
-            </a:r>
-          </a:p>
-          <a:p>
-            <a:r>
-              <a:rPr lang="en-US" dirty="0"/>
-              <a:t>Having a DANE Record indicates that a sender of an email must use encryption (TLS) to transmit the email from the sending server to the recipient email</a:t>
-            </a:r>
-          </a:p>
-          <a:p>
-            <a:r>
-              <a:rPr lang="en-US" dirty="0"/>
-              <a:t>Using DANE therefore will ensure that the email sent to you was transmitted over TLS (encrypted) and so its much more difficult for an eaves dropper to read your email</a:t>
-            </a:r>
-          </a:p>
-          <a:p>
-            <a:r>
-              <a:rPr lang="en-US" dirty="0"/>
-              <a:t>Without DANE, email uses opportunistic encryption to secure SMTP – </a:t>
-            </a:r>
-            <a:r>
-              <a:rPr lang="en-US" dirty="0" err="1"/>
-              <a:t>ie</a:t>
-            </a:r>
-            <a:r>
-              <a:rPr lang="en-US" dirty="0"/>
-              <a:t> it will be used if available</a:t>
-            </a:r>
-          </a:p>
-          <a:p>
-            <a:endParaRPr lang="en-US" dirty="0"/>
-          </a:p>
-          <a:p>
-            <a:endParaRPr lang="en-US" dirty="0"/>
-          </a:p>
-        </p:txBody>
-      </p:sp>
-    </p:spTree>
-    <p:extLst>
-      <p:ext uri="{BB962C8B-B14F-4D97-AF65-F5344CB8AC3E}">
-        <p14:creationId xmlns:p14="http://schemas.microsoft.com/office/powerpoint/2010/main" val="1318849933"/>
       </p:ext>
     </p:extLst>
   </p:cSld>
